--- a/document/testCase.pptx
+++ b/document/testCase.pptx
@@ -146,7 +146,7 @@
   </p:defaultTextStyle>
   <p:extLst>
     <p:ext uri="{EFAFB233-063F-42B5-8137-9DF3F51BA10A}">
-      <p15:sldGuideLst xmlns:p15="http://schemas.microsoft.com/office/powerpoint/2012/main" xmlns="">
+      <p15:sldGuideLst xmlns:p15="http://schemas.microsoft.com/office/powerpoint/2012/main">
         <p15:guide id="1" orient="horz" pos="2160" userDrawn="1">
           <p15:clr>
             <a:srgbClr val="A4A3A4"/>
@@ -890,7 +890,7 @@
           <a:p>
             <a:fld id="{0BC17E84-463A-4D62-91B3-47383CA79BD6}" type="datetime1">
               <a:rPr lang="ko-KR" altLang="en-US" smtClean="0"/>
-              <a:t>2022-11-08</a:t>
+              <a:t>2022-11-29</a:t>
             </a:fld>
             <a:endParaRPr lang="ko-KR" altLang="en-US"/>
           </a:p>
@@ -1053,7 +1053,7 @@
           <a:p>
             <a:fld id="{83D73708-729F-4937-B370-A11C4287A79A}" type="datetime1">
               <a:rPr lang="ko-KR" altLang="en-US" smtClean="0"/>
-              <a:t>2022-11-08</a:t>
+              <a:t>2022-11-29</a:t>
             </a:fld>
             <a:endParaRPr lang="ko-KR" altLang="en-US"/>
           </a:p>
@@ -1226,7 +1226,7 @@
           <a:p>
             <a:fld id="{8CE76E5D-2713-4131-BB2D-F422702B327D}" type="datetime1">
               <a:rPr lang="ko-KR" altLang="en-US" smtClean="0"/>
-              <a:t>2022-11-08</a:t>
+              <a:t>2022-11-29</a:t>
             </a:fld>
             <a:endParaRPr lang="ko-KR" altLang="en-US"/>
           </a:p>
@@ -1389,7 +1389,7 @@
           <a:p>
             <a:fld id="{1A312FFC-AD8A-426A-96BB-D1D222131AA4}" type="datetime1">
               <a:rPr lang="ko-KR" altLang="en-US" smtClean="0"/>
-              <a:t>2022-11-08</a:t>
+              <a:t>2022-11-29</a:t>
             </a:fld>
             <a:endParaRPr lang="ko-KR" altLang="en-US"/>
           </a:p>
@@ -1629,7 +1629,7 @@
           <a:p>
             <a:fld id="{6942E4B5-07FB-409B-89A3-E36C77389341}" type="datetime1">
               <a:rPr lang="ko-KR" altLang="en-US" smtClean="0"/>
-              <a:t>2022-11-08</a:t>
+              <a:t>2022-11-29</a:t>
             </a:fld>
             <a:endParaRPr lang="ko-KR" altLang="en-US"/>
           </a:p>
@@ -1909,7 +1909,7 @@
           <a:p>
             <a:fld id="{29BBC07C-6EF8-415D-83DB-064B697F9CCD}" type="datetime1">
               <a:rPr lang="ko-KR" altLang="en-US" smtClean="0"/>
-              <a:t>2022-11-08</a:t>
+              <a:t>2022-11-29</a:t>
             </a:fld>
             <a:endParaRPr lang="ko-KR" altLang="en-US"/>
           </a:p>
@@ -2323,7 +2323,7 @@
           <a:p>
             <a:fld id="{0D9D6C76-2482-4AA0-8AE0-490E247FEF27}" type="datetime1">
               <a:rPr lang="ko-KR" altLang="en-US" smtClean="0"/>
-              <a:t>2022-11-08</a:t>
+              <a:t>2022-11-29</a:t>
             </a:fld>
             <a:endParaRPr lang="ko-KR" altLang="en-US"/>
           </a:p>
@@ -2435,7 +2435,7 @@
           <a:p>
             <a:fld id="{7AAD1676-D5DE-4260-A414-6F31EBF13FD8}" type="datetime1">
               <a:rPr lang="ko-KR" altLang="en-US" smtClean="0"/>
-              <a:t>2022-11-08</a:t>
+              <a:t>2022-11-29</a:t>
             </a:fld>
             <a:endParaRPr lang="ko-KR" altLang="en-US"/>
           </a:p>
@@ -2525,7 +2525,7 @@
           <a:p>
             <a:fld id="{009B1BF2-6D9C-4219-9D2D-27B2756A5CF9}" type="datetime1">
               <a:rPr lang="ko-KR" altLang="en-US" smtClean="0"/>
-              <a:t>2022-11-08</a:t>
+              <a:t>2022-11-29</a:t>
             </a:fld>
             <a:endParaRPr lang="ko-KR" altLang="en-US"/>
           </a:p>
@@ -2795,7 +2795,7 @@
           <a:p>
             <a:fld id="{F33E40F1-5BB5-458C-98DF-DDB81EA3C26B}" type="datetime1">
               <a:rPr lang="ko-KR" altLang="en-US" smtClean="0"/>
-              <a:t>2022-11-08</a:t>
+              <a:t>2022-11-29</a:t>
             </a:fld>
             <a:endParaRPr lang="ko-KR" altLang="en-US"/>
           </a:p>
@@ -3042,7 +3042,7 @@
           <a:p>
             <a:fld id="{9FB177EB-4D9B-4312-BDC6-FB850246FD44}" type="datetime1">
               <a:rPr lang="ko-KR" altLang="en-US" smtClean="0"/>
-              <a:t>2022-11-08</a:t>
+              <a:t>2022-11-29</a:t>
             </a:fld>
             <a:endParaRPr lang="ko-KR" altLang="en-US"/>
           </a:p>
@@ -3248,7 +3248,7 @@
           <a:p>
             <a:fld id="{8F623612-BAD5-458D-9983-3BAC83911A0F}" type="datetime1">
               <a:rPr lang="ko-KR" altLang="en-US" smtClean="0"/>
-              <a:t>2022-11-08</a:t>
+              <a:t>2022-11-29</a:t>
             </a:fld>
             <a:endParaRPr lang="ko-KR" altLang="en-US"/>
           </a:p>
@@ -3684,36 +3684,35 @@
           <a:lstStyle/>
           <a:p>
             <a:r>
-              <a:rPr lang="en-US" altLang="ko-KR" dirty="0" smtClean="0"/>
+              <a:rPr lang="en-US" altLang="ko-KR" dirty="0"/>
               <a:t>1891304 </a:t>
             </a:r>
             <a:r>
-              <a:rPr lang="ko-KR" altLang="en-US" dirty="0" smtClean="0"/>
+              <a:rPr lang="ko-KR" altLang="en-US" dirty="0"/>
               <a:t>정재훈</a:t>
             </a:r>
-            <a:endParaRPr lang="en-US" altLang="ko-KR" dirty="0" smtClean="0"/>
+            <a:endParaRPr lang="en-US" altLang="ko-KR" dirty="0"/>
           </a:p>
           <a:p>
             <a:r>
-              <a:rPr lang="en-US" altLang="ko-KR" dirty="0" smtClean="0"/>
+              <a:rPr lang="en-US" altLang="ko-KR" dirty="0"/>
               <a:t>1891318 </a:t>
             </a:r>
             <a:r>
-              <a:rPr lang="ko-KR" altLang="en-US" dirty="0" smtClean="0"/>
+              <a:rPr lang="ko-KR" altLang="en-US" dirty="0"/>
               <a:t>최동규</a:t>
             </a:r>
-            <a:endParaRPr lang="en-US" altLang="ko-KR" dirty="0" smtClean="0"/>
+            <a:endParaRPr lang="en-US" altLang="ko-KR" dirty="0"/>
           </a:p>
           <a:p>
             <a:r>
-              <a:rPr lang="en-US" altLang="ko-KR" dirty="0" smtClean="0"/>
+              <a:rPr lang="en-US" altLang="ko-KR" dirty="0"/>
               <a:t>2071375 </a:t>
             </a:r>
             <a:r>
-              <a:rPr lang="ko-KR" altLang="en-US" dirty="0" smtClean="0"/>
+              <a:rPr lang="ko-KR" altLang="en-US" dirty="0"/>
               <a:t>안진혁</a:t>
             </a:r>
-            <a:endParaRPr lang="ko-KR" altLang="en-US" dirty="0"/>
           </a:p>
         </p:txBody>
       </p:sp>
@@ -3723,7 +3722,7 @@
             <a:hlinkClick r:id="" action="ppaction://media"/>
             <a:extLst>
               <a:ext uri="{FF2B5EF4-FFF2-40B4-BE49-F238E27FC236}">
-                <a16:creationId xmlns:a16="http://schemas.microsoft.com/office/drawing/2014/main" xmlns="" id="{51F897D0-BE23-D8CC-9E1E-00488F22D0FA}"/>
+                <a16:creationId xmlns:a16="http://schemas.microsoft.com/office/drawing/2014/main" id="{51F897D0-BE23-D8CC-9E1E-00488F22D0FA}"/>
               </a:ext>
             </a:extLst>
           </p:cNvPr>
@@ -3873,7 +3872,7 @@
           <p:cNvPr id="5" name="슬라이드 번호 개체 틀 4">
             <a:extLst>
               <a:ext uri="{FF2B5EF4-FFF2-40B4-BE49-F238E27FC236}">
-                <a16:creationId xmlns:a16="http://schemas.microsoft.com/office/drawing/2014/main" xmlns="" id="{861B7938-9CB5-152D-B66D-6C97C6C491ED}"/>
+                <a16:creationId xmlns:a16="http://schemas.microsoft.com/office/drawing/2014/main" id="{861B7938-9CB5-152D-B66D-6C97C6C491ED}"/>
               </a:ext>
             </a:extLst>
           </p:cNvPr>
@@ -3903,7 +3902,7 @@
             <a:hlinkClick r:id="" action="ppaction://media"/>
             <a:extLst>
               <a:ext uri="{FF2B5EF4-FFF2-40B4-BE49-F238E27FC236}">
-                <a16:creationId xmlns:a16="http://schemas.microsoft.com/office/drawing/2014/main" xmlns="" id="{ECBBEE18-8FD7-BE52-9910-1AE6D5FCA01D}"/>
+                <a16:creationId xmlns:a16="http://schemas.microsoft.com/office/drawing/2014/main" id="{ECBBEE18-8FD7-BE52-9910-1AE6D5FCA01D}"/>
               </a:ext>
             </a:extLst>
           </p:cNvPr>
@@ -3940,7 +3939,7 @@
           <p:cNvPr id="9" name="내용 개체 틀 3">
             <a:extLst>
               <a:ext uri="{FF2B5EF4-FFF2-40B4-BE49-F238E27FC236}">
-                <a16:creationId xmlns:a16="http://schemas.microsoft.com/office/drawing/2014/main" xmlns="" id="{0FF84E86-6641-C511-DDA2-15C249410FF6}"/>
+                <a16:creationId xmlns:a16="http://schemas.microsoft.com/office/drawing/2014/main" id="{0FF84E86-6641-C511-DDA2-15C249410FF6}"/>
               </a:ext>
             </a:extLst>
           </p:cNvPr>
@@ -3950,14 +3949,14 @@
           <p:nvPr>
             <p:extLst>
               <p:ext uri="{D42A27DB-BD31-4B8C-83A1-F6EECF244321}">
-                <p14:modId xmlns:p14="http://schemas.microsoft.com/office/powerpoint/2010/main" val="1585875811"/>
+                <p14:modId xmlns:p14="http://schemas.microsoft.com/office/powerpoint/2010/main" val="3777729544"/>
               </p:ext>
             </p:extLst>
           </p:nvPr>
         </p:nvGraphicFramePr>
         <p:xfrm>
           <a:off x="767408" y="332656"/>
-          <a:ext cx="10369153" cy="5115879"/>
+          <a:ext cx="10369153" cy="3692714"/>
         </p:xfrm>
         <a:graphic>
           <a:graphicData uri="http://schemas.openxmlformats.org/drawingml/2006/table">
@@ -3969,35 +3968,35 @@
                 <a:gridCol w="576064">
                   <a:extLst>
                     <a:ext uri="{9D8B030D-6E8A-4147-A177-3AD203B41FA5}">
-                      <a16:colId xmlns:a16="http://schemas.microsoft.com/office/drawing/2014/main" xmlns="" val="4093797303"/>
+                      <a16:colId xmlns:a16="http://schemas.microsoft.com/office/drawing/2014/main" val="4093797303"/>
                     </a:ext>
                   </a:extLst>
                 </a:gridCol>
                 <a:gridCol w="1296144">
                   <a:extLst>
                     <a:ext uri="{9D8B030D-6E8A-4147-A177-3AD203B41FA5}">
-                      <a16:colId xmlns:a16="http://schemas.microsoft.com/office/drawing/2014/main" xmlns="" val="459053102"/>
+                      <a16:colId xmlns:a16="http://schemas.microsoft.com/office/drawing/2014/main" val="459053102"/>
                     </a:ext>
                   </a:extLst>
                 </a:gridCol>
                 <a:gridCol w="1224136">
                   <a:extLst>
                     <a:ext uri="{9D8B030D-6E8A-4147-A177-3AD203B41FA5}">
-                      <a16:colId xmlns:a16="http://schemas.microsoft.com/office/drawing/2014/main" xmlns="" val="2096663764"/>
+                      <a16:colId xmlns:a16="http://schemas.microsoft.com/office/drawing/2014/main" val="2096663764"/>
                     </a:ext>
                   </a:extLst>
                 </a:gridCol>
                 <a:gridCol w="4824536">
                   <a:extLst>
                     <a:ext uri="{9D8B030D-6E8A-4147-A177-3AD203B41FA5}">
-                      <a16:colId xmlns:a16="http://schemas.microsoft.com/office/drawing/2014/main" xmlns="" val="12780001"/>
+                      <a16:colId xmlns:a16="http://schemas.microsoft.com/office/drawing/2014/main" val="12780001"/>
                     </a:ext>
                   </a:extLst>
                 </a:gridCol>
                 <a:gridCol w="2448273">
                   <a:extLst>
                     <a:ext uri="{9D8B030D-6E8A-4147-A177-3AD203B41FA5}">
-                      <a16:colId xmlns:a16="http://schemas.microsoft.com/office/drawing/2014/main" xmlns="" val="3837195252"/>
+                      <a16:colId xmlns:a16="http://schemas.microsoft.com/office/drawing/2014/main" val="3837195252"/>
                     </a:ext>
                   </a:extLst>
                 </a:gridCol>
@@ -4166,7 +4165,7 @@
                 </a:tc>
                 <a:extLst>
                   <a:ext uri="{0D108BD9-81ED-4DB2-BD59-A6C34878D82A}">
-                    <a16:rowId xmlns:a16="http://schemas.microsoft.com/office/drawing/2014/main" xmlns="" val="3555777926"/>
+                    <a16:rowId xmlns:a16="http://schemas.microsoft.com/office/drawing/2014/main" val="3555777926"/>
                   </a:ext>
                 </a:extLst>
               </a:tr>
@@ -4272,73 +4271,73 @@
                         </a:spcAft>
                       </a:pPr>
                       <a:r>
-                        <a:rPr lang="en-US" sz="1600" kern="100" dirty="0" smtClean="0">
+                        <a:rPr lang="en-US" sz="1600" kern="100" dirty="0">
                           <a:effectLst/>
                         </a:rPr>
                         <a:t>(</a:t>
                       </a:r>
                       <a:r>
-                        <a:rPr lang="ko-KR" altLang="en-US" sz="1600" kern="100" dirty="0" err="1" smtClean="0">
+                        <a:rPr lang="ko-KR" altLang="en-US" sz="1600" kern="100" dirty="0" err="1">
                           <a:effectLst/>
                         </a:rPr>
                         <a:t>이메일</a:t>
                       </a:r>
                       <a:r>
-                        <a:rPr lang="en-US" altLang="ko-KR" sz="1600" kern="100" dirty="0" smtClean="0">
+                        <a:rPr lang="en-US" altLang="ko-KR" sz="1600" kern="100" dirty="0">
                           <a:effectLst/>
                         </a:rPr>
                         <a:t>, </a:t>
                       </a:r>
                       <a:r>
-                        <a:rPr lang="ko-KR" altLang="en-US" sz="1600" kern="100" dirty="0" smtClean="0">
+                        <a:rPr lang="ko-KR" altLang="en-US" sz="1600" kern="100" dirty="0">
                           <a:effectLst/>
                         </a:rPr>
                         <a:t>이름</a:t>
                       </a:r>
                       <a:r>
-                        <a:rPr lang="en-US" altLang="ko-KR" sz="1600" kern="100" dirty="0" smtClean="0">
+                        <a:rPr lang="en-US" altLang="ko-KR" sz="1600" kern="100" dirty="0">
                           <a:effectLst/>
                         </a:rPr>
                         <a:t>, </a:t>
                       </a:r>
                       <a:r>
-                        <a:rPr lang="ko-KR" altLang="en-US" sz="1600" kern="100" dirty="0" smtClean="0">
+                        <a:rPr lang="ko-KR" altLang="en-US" sz="1600" kern="100" dirty="0">
                           <a:effectLst/>
                         </a:rPr>
                         <a:t>핸드폰번호</a:t>
                       </a:r>
                       <a:r>
-                        <a:rPr lang="en-US" altLang="ko-KR" sz="1600" kern="100" dirty="0" smtClean="0">
+                        <a:rPr lang="en-US" altLang="ko-KR" sz="1600" kern="100" dirty="0">
                           <a:effectLst/>
                         </a:rPr>
                         <a:t>,</a:t>
                       </a:r>
                       <a:r>
-                        <a:rPr lang="en-US" altLang="ko-KR" sz="1600" kern="100" baseline="0" dirty="0" smtClean="0">
+                        <a:rPr lang="en-US" altLang="ko-KR" sz="1600" kern="100" baseline="0" dirty="0">
                           <a:effectLst/>
                         </a:rPr>
                         <a:t> </a:t>
                       </a:r>
                       <a:r>
-                        <a:rPr lang="ko-KR" altLang="en-US" sz="1600" kern="100" baseline="0" dirty="0" smtClean="0">
+                        <a:rPr lang="ko-KR" altLang="en-US" sz="1600" kern="100" baseline="0" dirty="0">
                           <a:effectLst/>
                         </a:rPr>
                         <a:t>닉네임</a:t>
                       </a:r>
                       <a:r>
-                        <a:rPr lang="en-US" altLang="ko-KR" sz="1600" kern="100" baseline="0" dirty="0" smtClean="0">
+                        <a:rPr lang="en-US" altLang="ko-KR" sz="1600" kern="100" baseline="0" dirty="0">
                           <a:effectLst/>
                         </a:rPr>
                         <a:t>, </a:t>
                       </a:r>
                       <a:r>
-                        <a:rPr lang="ko-KR" altLang="en-US" sz="1600" kern="100" baseline="0" dirty="0" smtClean="0">
+                        <a:rPr lang="ko-KR" altLang="en-US" sz="1600" kern="100" baseline="0" dirty="0">
                           <a:effectLst/>
                         </a:rPr>
                         <a:t>생년월일</a:t>
                       </a:r>
                       <a:r>
-                        <a:rPr lang="en-US" sz="1600" kern="100" dirty="0" smtClean="0">
+                        <a:rPr lang="en-US" sz="1600" kern="100" dirty="0">
                           <a:effectLst/>
                         </a:rPr>
                         <a:t>)</a:t>
@@ -4384,7 +4383,7 @@
                 </a:tc>
                 <a:extLst>
                   <a:ext uri="{0D108BD9-81ED-4DB2-BD59-A6C34878D82A}">
-                    <a16:rowId xmlns:a16="http://schemas.microsoft.com/office/drawing/2014/main" xmlns="" val="82684039"/>
+                    <a16:rowId xmlns:a16="http://schemas.microsoft.com/office/drawing/2014/main" val="82684039"/>
                   </a:ext>
                 </a:extLst>
               </a:tr>
@@ -4436,71 +4435,59 @@
                         </a:spcAft>
                       </a:pPr>
                       <a:r>
-                        <a:rPr lang="en-US" sz="1600" kern="100" dirty="0" smtClean="0">
+                        <a:rPr lang="en-US" sz="1600" kern="100" dirty="0">
                           <a:effectLst/>
                         </a:rPr>
                         <a:t>(</a:t>
                       </a:r>
                       <a:r>
-                        <a:rPr lang="en-US" altLang="ko-KR" sz="1600" kern="100" dirty="0" smtClean="0">
+                        <a:rPr lang="en-US" altLang="ko-KR" sz="1600" kern="100" dirty="0">
                           <a:effectLst/>
                           <a:hlinkClick r:id="rId6"/>
                         </a:rPr>
                         <a:t>hkd@gmail.com</a:t>
                       </a:r>
                       <a:r>
-                        <a:rPr lang="en-US" altLang="ko-KR" sz="1600" kern="100" dirty="0" smtClean="0">
+                        <a:rPr lang="en-US" altLang="ko-KR" sz="1600" kern="100" dirty="0">
                           <a:effectLst/>
                         </a:rPr>
                         <a:t>, </a:t>
                       </a:r>
                       <a:r>
-                        <a:rPr lang="ko-KR" sz="1600" kern="100" dirty="0" smtClean="0">
+                        <a:rPr lang="ko-KR" sz="1600" kern="100" dirty="0">
                           <a:effectLst/>
                         </a:rPr>
                         <a:t>홍길동</a:t>
                       </a:r>
                       <a:r>
-                        <a:rPr lang="en-US" sz="1600" kern="100" dirty="0" smtClean="0">
+                        <a:rPr lang="en-US" sz="1600" kern="100" dirty="0">
                           <a:effectLst/>
                         </a:rPr>
                         <a:t>, 01012345678,</a:t>
                       </a:r>
                       <a:r>
-                        <a:rPr lang="en-US" sz="1600" kern="100" baseline="0" dirty="0" smtClean="0">
+                        <a:rPr lang="en-US" sz="1600" kern="100" baseline="0" dirty="0">
                           <a:effectLst/>
                         </a:rPr>
                         <a:t> </a:t>
                       </a:r>
                       <a:r>
-                        <a:rPr lang="en-US" sz="1600" kern="100" baseline="0" dirty="0" err="1" smtClean="0">
+                        <a:rPr lang="en-US" sz="1600" kern="100" baseline="0" dirty="0" err="1">
                           <a:effectLst/>
                         </a:rPr>
                         <a:t>killdong</a:t>
                       </a:r>
                       <a:r>
-                        <a:rPr lang="en-US" sz="1600" kern="100" baseline="0" dirty="0" smtClean="0">
+                        <a:rPr lang="en-US" sz="1600" kern="100" baseline="0" dirty="0">
                           <a:effectLst/>
                         </a:rPr>
                         <a:t>,</a:t>
                       </a:r>
                       <a:r>
-                        <a:rPr lang="en-US" sz="1600" kern="100" dirty="0" smtClean="0">
-                          <a:effectLst/>
-                        </a:rPr>
-                        <a:t> </a:t>
-                      </a:r>
-                      <a:r>
                         <a:rPr lang="en-US" sz="1600" kern="100" dirty="0">
                           <a:effectLst/>
                         </a:rPr>
-                        <a:t>1990/10/10</a:t>
-                      </a:r>
-                      <a:r>
-                        <a:rPr lang="en-US" sz="1600" kern="100" dirty="0" smtClean="0">
-                          <a:effectLst/>
-                        </a:rPr>
-                        <a:t>,)</a:t>
+                        <a:t> 1990/10/10,)</a:t>
                       </a:r>
                       <a:endParaRPr lang="ko-KR" sz="1600" kern="100" dirty="0">
                         <a:effectLst/>
@@ -4543,7 +4530,7 @@
                 </a:tc>
                 <a:extLst>
                   <a:ext uri="{0D108BD9-81ED-4DB2-BD59-A6C34878D82A}">
-                    <a16:rowId xmlns:a16="http://schemas.microsoft.com/office/drawing/2014/main" xmlns="" val="1285417474"/>
+                    <a16:rowId xmlns:a16="http://schemas.microsoft.com/office/drawing/2014/main" val="1285417474"/>
                   </a:ext>
                 </a:extLst>
               </a:tr>
@@ -4649,56 +4636,56 @@
                         </a:spcAft>
                       </a:pPr>
                       <a:r>
-                        <a:rPr lang="en-US" altLang="ko-KR" sz="1600" kern="100" dirty="0" smtClean="0">
+                        <a:rPr lang="en-US" altLang="ko-KR" sz="1600" kern="100" dirty="0">
                           <a:effectLst/>
                         </a:rPr>
                         <a:t>(</a:t>
                       </a:r>
                       <a:r>
-                        <a:rPr lang="en-US" altLang="ko-KR" sz="1600" kern="100" dirty="0" smtClean="0">
+                        <a:rPr lang="en-US" altLang="ko-KR" sz="1600" kern="100" dirty="0">
                           <a:effectLst/>
                           <a:hlinkClick r:id="rId6"/>
                         </a:rPr>
                         <a:t>hkd@gmail.com</a:t>
                       </a:r>
                       <a:r>
-                        <a:rPr lang="en-US" altLang="ko-KR" sz="1600" kern="100" dirty="0" smtClean="0">
+                        <a:rPr lang="en-US" altLang="ko-KR" sz="1600" kern="100" dirty="0">
                           <a:effectLst/>
                         </a:rPr>
                         <a:t>, </a:t>
                       </a:r>
                       <a:r>
-                        <a:rPr lang="ko-KR" altLang="ko-KR" sz="1600" kern="100" dirty="0" smtClean="0">
+                        <a:rPr lang="ko-KR" altLang="ko-KR" sz="1600" kern="100" dirty="0">
                           <a:effectLst/>
                         </a:rPr>
                         <a:t>홍길동</a:t>
                       </a:r>
                       <a:r>
-                        <a:rPr lang="en-US" altLang="ko-KR" sz="1600" kern="100" dirty="0" smtClean="0">
+                        <a:rPr lang="en-US" altLang="ko-KR" sz="1600" kern="100" dirty="0">
                           <a:effectLst/>
                         </a:rPr>
                         <a:t>, 010-1234-5678,</a:t>
                       </a:r>
                       <a:r>
-                        <a:rPr lang="en-US" altLang="ko-KR" sz="1600" kern="100" baseline="0" dirty="0" smtClean="0">
+                        <a:rPr lang="en-US" altLang="ko-KR" sz="1600" kern="100" baseline="0" dirty="0">
                           <a:effectLst/>
                         </a:rPr>
                         <a:t> </a:t>
                       </a:r>
                       <a:r>
-                        <a:rPr lang="en-US" altLang="ko-KR" sz="1600" kern="100" baseline="0" dirty="0" err="1" smtClean="0">
+                        <a:rPr lang="en-US" altLang="ko-KR" sz="1600" kern="100" baseline="0" dirty="0" err="1">
                           <a:effectLst/>
                         </a:rPr>
                         <a:t>killdong</a:t>
                       </a:r>
                       <a:r>
-                        <a:rPr lang="en-US" altLang="ko-KR" sz="1600" kern="100" baseline="0" dirty="0" smtClean="0">
+                        <a:rPr lang="en-US" altLang="ko-KR" sz="1600" kern="100" baseline="0" dirty="0">
                           <a:effectLst/>
                         </a:rPr>
                         <a:t>,</a:t>
                       </a:r>
                       <a:r>
-                        <a:rPr lang="en-US" altLang="ko-KR" sz="1600" kern="100" dirty="0" smtClean="0">
+                        <a:rPr lang="en-US" altLang="ko-KR" sz="1600" kern="100" dirty="0">
                           <a:effectLst/>
                         </a:rPr>
                         <a:t> 1990/10/10,)</a:t>
@@ -4727,7 +4714,7 @@
                         </a:spcAft>
                       </a:pPr>
                       <a:r>
-                        <a:rPr lang="ko-KR" altLang="en-US" sz="1600" kern="100" dirty="0" smtClean="0">
+                        <a:rPr lang="ko-KR" altLang="en-US" sz="1600" kern="100" dirty="0">
                           <a:effectLst/>
                           <a:latin typeface="맑은 고딕" panose="020B0503020000020004" pitchFamily="50" charset="-127"/>
                           <a:ea typeface="맑은 고딕" panose="020B0503020000020004" pitchFamily="50" charset="-127"/>
@@ -4736,7 +4723,7 @@
                         <a:t>핸드폰번호 양식 오류</a:t>
                       </a:r>
                       <a:r>
-                        <a:rPr lang="en-US" altLang="ko-KR" sz="1600" kern="100" dirty="0" smtClean="0">
+                        <a:rPr lang="en-US" altLang="ko-KR" sz="1600" kern="100" dirty="0">
                           <a:effectLst/>
                           <a:latin typeface="맑은 고딕" panose="020B0503020000020004" pitchFamily="50" charset="-127"/>
                           <a:ea typeface="맑은 고딕" panose="020B0503020000020004" pitchFamily="50" charset="-127"/>
@@ -4745,7 +4732,7 @@
                         <a:t>/</a:t>
                       </a:r>
                       <a:r>
-                        <a:rPr lang="en-US" altLang="ko-KR" sz="1600" kern="100" baseline="0" dirty="0" smtClean="0">
+                        <a:rPr lang="en-US" altLang="ko-KR" sz="1600" kern="100" baseline="0" dirty="0">
                           <a:effectLst/>
                           <a:latin typeface="맑은 고딕" panose="020B0503020000020004" pitchFamily="50" charset="-127"/>
                           <a:ea typeface="맑은 고딕" panose="020B0503020000020004" pitchFamily="50" charset="-127"/>
@@ -4754,7 +4741,7 @@
                         <a:t> </a:t>
                       </a:r>
                       <a:r>
-                        <a:rPr lang="ko-KR" altLang="en-US" sz="1600" kern="100" baseline="0" dirty="0" smtClean="0">
+                        <a:rPr lang="ko-KR" altLang="en-US" sz="1600" kern="100" baseline="0" dirty="0">
                           <a:effectLst/>
                           <a:latin typeface="맑은 고딕" panose="020B0503020000020004" pitchFamily="50" charset="-127"/>
                           <a:ea typeface="맑은 고딕" panose="020B0503020000020004" pitchFamily="50" charset="-127"/>
@@ -4774,7 +4761,7 @@
                 </a:tc>
                 <a:extLst>
                   <a:ext uri="{0D108BD9-81ED-4DB2-BD59-A6C34878D82A}">
-                    <a16:rowId xmlns:a16="http://schemas.microsoft.com/office/drawing/2014/main" xmlns="" val="1112701874"/>
+                    <a16:rowId xmlns:a16="http://schemas.microsoft.com/office/drawing/2014/main" val="1112701874"/>
                   </a:ext>
                 </a:extLst>
               </a:tr>
@@ -4880,56 +4867,56 @@
                         </a:spcAft>
                       </a:pPr>
                       <a:r>
-                        <a:rPr lang="en-US" altLang="ko-KR" sz="1600" kern="100" dirty="0" smtClean="0">
+                        <a:rPr lang="en-US" altLang="ko-KR" sz="1600" kern="100" dirty="0">
                           <a:effectLst/>
                         </a:rPr>
                         <a:t>(</a:t>
                       </a:r>
                       <a:r>
-                        <a:rPr lang="en-US" altLang="ko-KR" sz="1600" kern="100" dirty="0" smtClean="0">
+                        <a:rPr lang="en-US" altLang="ko-KR" sz="1600" kern="100" dirty="0">
                           <a:effectLst/>
                           <a:hlinkClick r:id="rId6"/>
                         </a:rPr>
                         <a:t>hkd@gmail.com</a:t>
                       </a:r>
                       <a:r>
-                        <a:rPr lang="en-US" altLang="ko-KR" sz="1600" kern="100" dirty="0" smtClean="0">
+                        <a:rPr lang="en-US" altLang="ko-KR" sz="1600" kern="100" dirty="0">
                           <a:effectLst/>
                         </a:rPr>
                         <a:t>, </a:t>
                       </a:r>
                       <a:r>
-                        <a:rPr lang="ko-KR" altLang="ko-KR" sz="1600" kern="100" dirty="0" smtClean="0">
+                        <a:rPr lang="ko-KR" altLang="ko-KR" sz="1600" kern="100" dirty="0">
                           <a:effectLst/>
                         </a:rPr>
                         <a:t>홍길동</a:t>
                       </a:r>
                       <a:r>
-                        <a:rPr lang="en-US" altLang="ko-KR" sz="1600" kern="100" dirty="0" smtClean="0">
+                        <a:rPr lang="en-US" altLang="ko-KR" sz="1600" kern="100" dirty="0">
                           <a:effectLst/>
                         </a:rPr>
                         <a:t>, 01012345678,</a:t>
                       </a:r>
                       <a:r>
-                        <a:rPr lang="en-US" altLang="ko-KR" sz="1600" kern="100" baseline="0" dirty="0" smtClean="0">
+                        <a:rPr lang="en-US" altLang="ko-KR" sz="1600" kern="100" baseline="0" dirty="0">
                           <a:effectLst/>
                         </a:rPr>
                         <a:t> </a:t>
                       </a:r>
                       <a:r>
-                        <a:rPr lang="en-US" altLang="ko-KR" sz="1600" kern="100" baseline="0" dirty="0" err="1" smtClean="0">
+                        <a:rPr lang="en-US" altLang="ko-KR" sz="1600" kern="100" baseline="0" dirty="0" err="1">
                           <a:effectLst/>
                         </a:rPr>
                         <a:t>killdong</a:t>
                       </a:r>
                       <a:r>
-                        <a:rPr lang="en-US" altLang="ko-KR" sz="1600" kern="100" baseline="0" dirty="0" smtClean="0">
+                        <a:rPr lang="en-US" altLang="ko-KR" sz="1600" kern="100" baseline="0" dirty="0">
                           <a:effectLst/>
                         </a:rPr>
                         <a:t>,</a:t>
                       </a:r>
                       <a:r>
-                        <a:rPr lang="en-US" altLang="ko-KR" sz="1600" kern="100" dirty="0" smtClean="0">
+                        <a:rPr lang="en-US" altLang="ko-KR" sz="1600" kern="100" dirty="0">
                           <a:effectLst/>
                         </a:rPr>
                         <a:t> 102/13/56)</a:t>
@@ -4987,7 +4974,7 @@
                 </a:tc>
                 <a:extLst>
                   <a:ext uri="{0D108BD9-81ED-4DB2-BD59-A6C34878D82A}">
-                    <a16:rowId xmlns:a16="http://schemas.microsoft.com/office/drawing/2014/main" xmlns="" val="885350457"/>
+                    <a16:rowId xmlns:a16="http://schemas.microsoft.com/office/drawing/2014/main" val="885350457"/>
                   </a:ext>
                 </a:extLst>
               </a:tr>
@@ -5093,56 +5080,56 @@
                         </a:spcAft>
                       </a:pPr>
                       <a:r>
-                        <a:rPr lang="en-US" altLang="ko-KR" sz="1600" kern="100" dirty="0" smtClean="0">
+                        <a:rPr lang="en-US" altLang="ko-KR" sz="1600" kern="100" dirty="0">
                           <a:effectLst/>
                         </a:rPr>
                         <a:t>(</a:t>
                       </a:r>
                       <a:r>
-                        <a:rPr lang="en-US" altLang="ko-KR" sz="1600" kern="100" dirty="0" smtClean="0">
+                        <a:rPr lang="en-US" altLang="ko-KR" sz="1600" kern="100" dirty="0">
                           <a:effectLst/>
                           <a:hlinkClick r:id="rId6"/>
                         </a:rPr>
                         <a:t>hkdgmail.com</a:t>
                       </a:r>
                       <a:r>
-                        <a:rPr lang="en-US" altLang="ko-KR" sz="1600" kern="100" dirty="0" smtClean="0">
+                        <a:rPr lang="en-US" altLang="ko-KR" sz="1600" kern="100" dirty="0">
                           <a:effectLst/>
                         </a:rPr>
                         <a:t>, </a:t>
                       </a:r>
                       <a:r>
-                        <a:rPr lang="ko-KR" altLang="ko-KR" sz="1600" kern="100" dirty="0" smtClean="0">
+                        <a:rPr lang="ko-KR" altLang="ko-KR" sz="1600" kern="100" dirty="0">
                           <a:effectLst/>
                         </a:rPr>
                         <a:t>홍길동</a:t>
                       </a:r>
                       <a:r>
-                        <a:rPr lang="en-US" altLang="ko-KR" sz="1600" kern="100" dirty="0" smtClean="0">
+                        <a:rPr lang="en-US" altLang="ko-KR" sz="1600" kern="100" dirty="0">
                           <a:effectLst/>
                         </a:rPr>
                         <a:t>, 01012345678,</a:t>
                       </a:r>
                       <a:r>
-                        <a:rPr lang="en-US" altLang="ko-KR" sz="1600" kern="100" baseline="0" dirty="0" smtClean="0">
+                        <a:rPr lang="en-US" altLang="ko-KR" sz="1600" kern="100" baseline="0" dirty="0">
                           <a:effectLst/>
                         </a:rPr>
                         <a:t> </a:t>
                       </a:r>
                       <a:r>
-                        <a:rPr lang="en-US" altLang="ko-KR" sz="1600" kern="100" baseline="0" dirty="0" err="1" smtClean="0">
+                        <a:rPr lang="en-US" altLang="ko-KR" sz="1600" kern="100" baseline="0" dirty="0" err="1">
                           <a:effectLst/>
                         </a:rPr>
                         <a:t>killdong</a:t>
                       </a:r>
                       <a:r>
-                        <a:rPr lang="en-US" altLang="ko-KR" sz="1600" kern="100" baseline="0" dirty="0" smtClean="0">
+                        <a:rPr lang="en-US" altLang="ko-KR" sz="1600" kern="100" baseline="0" dirty="0">
                           <a:effectLst/>
                         </a:rPr>
                         <a:t>,</a:t>
                       </a:r>
                       <a:r>
-                        <a:rPr lang="en-US" altLang="ko-KR" sz="1600" kern="100" dirty="0" smtClean="0">
+                        <a:rPr lang="en-US" altLang="ko-KR" sz="1600" kern="100" dirty="0">
                           <a:effectLst/>
                         </a:rPr>
                         <a:t> 1990/10/10,)</a:t>
@@ -5206,714 +5193,9 @@
                 </a:tc>
                 <a:extLst>
                   <a:ext uri="{0D108BD9-81ED-4DB2-BD59-A6C34878D82A}">
-                    <a16:rowId xmlns:a16="http://schemas.microsoft.com/office/drawing/2014/main" xmlns="" val="3345774680"/>
+                    <a16:rowId xmlns:a16="http://schemas.microsoft.com/office/drawing/2014/main" val="3345774680"/>
                   </a:ext>
                 </a:extLst>
-              </a:tr>
-              <a:tr h="277879">
-                <a:tc>
-                  <a:txBody>
-                    <a:bodyPr/>
-                    <a:lstStyle/>
-                    <a:p>
-                      <a:pPr algn="just" latinLnBrk="1">
-                        <a:lnSpc>
-                          <a:spcPct val="107000"/>
-                        </a:lnSpc>
-                        <a:spcAft>
-                          <a:spcPts val="800"/>
-                        </a:spcAft>
-                      </a:pPr>
-                      <a:r>
-                        <a:rPr lang="en-US" sz="1600" kern="100" dirty="0" smtClean="0">
-                          <a:effectLst/>
-                        </a:rPr>
-                        <a:t>T2</a:t>
-                      </a:r>
-                      <a:endParaRPr lang="ko-KR" sz="1600" kern="100" dirty="0">
-                        <a:effectLst/>
-                        <a:latin typeface="맑은 고딕" panose="020B0503020000020004" pitchFamily="50" charset="-127"/>
-                        <a:ea typeface="맑은 고딕" panose="020B0503020000020004" pitchFamily="50" charset="-127"/>
-                        <a:cs typeface="Times New Roman" panose="02020603050405020304" pitchFamily="18" charset="0"/>
-                      </a:endParaRPr>
-                    </a:p>
-                  </a:txBody>
-                  <a:tcPr marL="68580" marR="68580" marT="0" marB="0" anchor="ctr"/>
-                </a:tc>
-                <a:tc rowSpan="2">
-                  <a:txBody>
-                    <a:bodyPr/>
-                    <a:lstStyle/>
-                    <a:p>
-                      <a:pPr algn="just" latinLnBrk="1">
-                        <a:lnSpc>
-                          <a:spcPct val="107000"/>
-                        </a:lnSpc>
-                        <a:spcAft>
-                          <a:spcPts val="800"/>
-                        </a:spcAft>
-                      </a:pPr>
-                      <a:r>
-                        <a:rPr lang="ko-KR" sz="1600" kern="100" dirty="0">
-                          <a:effectLst/>
-                        </a:rPr>
-                        <a:t>인증</a:t>
-                      </a:r>
-                      <a:endParaRPr lang="ko-KR" sz="1600" kern="100" dirty="0">
-                        <a:effectLst/>
-                        <a:latin typeface="맑은 고딕" panose="020B0503020000020004" pitchFamily="50" charset="-127"/>
-                        <a:ea typeface="맑은 고딕" panose="020B0503020000020004" pitchFamily="50" charset="-127"/>
-                        <a:cs typeface="Times New Roman" panose="02020603050405020304" pitchFamily="18" charset="0"/>
-                      </a:endParaRPr>
-                    </a:p>
-                    <a:p>
-                      <a:pPr algn="just" latinLnBrk="1">
-                        <a:lnSpc>
-                          <a:spcPct val="107000"/>
-                        </a:lnSpc>
-                        <a:spcAft>
-                          <a:spcPts val="800"/>
-                        </a:spcAft>
-                      </a:pPr>
-                      <a:r>
-                        <a:rPr lang="en-US" sz="1600" kern="100" dirty="0">
-                          <a:effectLst/>
-                        </a:rPr>
-                        <a:t> </a:t>
-                      </a:r>
-                      <a:endParaRPr lang="ko-KR" sz="1600" kern="100" dirty="0">
-                        <a:effectLst/>
-                        <a:latin typeface="맑은 고딕" panose="020B0503020000020004" pitchFamily="50" charset="-127"/>
-                        <a:ea typeface="맑은 고딕" panose="020B0503020000020004" pitchFamily="50" charset="-127"/>
-                        <a:cs typeface="Times New Roman" panose="02020603050405020304" pitchFamily="18" charset="0"/>
-                      </a:endParaRPr>
-                    </a:p>
-                  </a:txBody>
-                  <a:tcPr marL="68580" marR="68580" marT="0" marB="0" anchor="ctr"/>
-                </a:tc>
-                <a:tc rowSpan="2">
-                  <a:txBody>
-                    <a:bodyPr/>
-                    <a:lstStyle/>
-                    <a:p>
-                      <a:pPr algn="just" latinLnBrk="1">
-                        <a:lnSpc>
-                          <a:spcPct val="107000"/>
-                        </a:lnSpc>
-                        <a:spcAft>
-                          <a:spcPts val="800"/>
-                        </a:spcAft>
-                      </a:pPr>
-                      <a:r>
-                        <a:rPr lang="en-US" sz="1600" kern="100" dirty="0">
-                          <a:effectLst/>
-                        </a:rPr>
-                        <a:t> </a:t>
-                      </a:r>
-                      <a:r>
-                        <a:rPr lang="en-US" sz="1600" kern="100" dirty="0" smtClean="0">
-                          <a:effectLst/>
-                        </a:rPr>
-                        <a:t>A2</a:t>
-                      </a:r>
-                      <a:endParaRPr lang="ko-KR" sz="1600" kern="100" dirty="0">
-                        <a:effectLst/>
-                        <a:latin typeface="맑은 고딕" panose="020B0503020000020004" pitchFamily="50" charset="-127"/>
-                        <a:ea typeface="맑은 고딕" panose="020B0503020000020004" pitchFamily="50" charset="-127"/>
-                        <a:cs typeface="Times New Roman" panose="02020603050405020304" pitchFamily="18" charset="0"/>
-                      </a:endParaRPr>
-                    </a:p>
-                    <a:p>
-                      <a:pPr algn="just" latinLnBrk="1">
-                        <a:lnSpc>
-                          <a:spcPct val="107000"/>
-                        </a:lnSpc>
-                        <a:spcAft>
-                          <a:spcPts val="800"/>
-                        </a:spcAft>
-                      </a:pPr>
-                      <a:r>
-                        <a:rPr lang="en-US" sz="1600" kern="100" dirty="0">
-                          <a:effectLst/>
-                        </a:rPr>
-                        <a:t> </a:t>
-                      </a:r>
-                      <a:endParaRPr lang="ko-KR" sz="1600" kern="100" dirty="0">
-                        <a:effectLst/>
-                        <a:latin typeface="맑은 고딕" panose="020B0503020000020004" pitchFamily="50" charset="-127"/>
-                        <a:ea typeface="맑은 고딕" panose="020B0503020000020004" pitchFamily="50" charset="-127"/>
-                        <a:cs typeface="Times New Roman" panose="02020603050405020304" pitchFamily="18" charset="0"/>
-                      </a:endParaRPr>
-                    </a:p>
-                  </a:txBody>
-                  <a:tcPr marL="68580" marR="68580" marT="0" marB="0" anchor="ctr"/>
-                </a:tc>
-                <a:tc>
-                  <a:txBody>
-                    <a:bodyPr/>
-                    <a:lstStyle/>
-                    <a:p>
-                      <a:pPr algn="just" latinLnBrk="1">
-                        <a:lnSpc>
-                          <a:spcPct val="107000"/>
-                        </a:lnSpc>
-                        <a:spcAft>
-                          <a:spcPts val="800"/>
-                        </a:spcAft>
-                      </a:pPr>
-                      <a:r>
-                        <a:rPr lang="en-US" sz="1600" kern="100" dirty="0">
-                          <a:effectLst/>
-                        </a:rPr>
-                        <a:t> </a:t>
-                      </a:r>
-                      <a:r>
-                        <a:rPr lang="en-US" sz="1600" kern="100" dirty="0" smtClean="0">
-                          <a:effectLst/>
-                        </a:rPr>
-                        <a:t>(</a:t>
-                      </a:r>
-                      <a:r>
-                        <a:rPr lang="ko-KR" altLang="en-US" sz="1600" kern="100" dirty="0" smtClean="0">
-                          <a:effectLst/>
-                        </a:rPr>
-                        <a:t>인증번호</a:t>
-                      </a:r>
-                      <a:r>
-                        <a:rPr lang="en-US" altLang="ko-KR" sz="1600" kern="100" dirty="0" smtClean="0">
-                          <a:effectLst/>
-                        </a:rPr>
-                        <a:t>6</a:t>
-                      </a:r>
-                      <a:r>
-                        <a:rPr lang="ko-KR" altLang="en-US" sz="1600" kern="100" dirty="0" smtClean="0">
-                          <a:effectLst/>
-                        </a:rPr>
-                        <a:t>자리</a:t>
-                      </a:r>
-                      <a:r>
-                        <a:rPr lang="en-US" altLang="ko-KR" sz="1600" kern="100" dirty="0" smtClean="0">
-                          <a:effectLst/>
-                        </a:rPr>
-                        <a:t>,</a:t>
-                      </a:r>
-                      <a:r>
-                        <a:rPr lang="en-US" altLang="ko-KR" sz="1600" kern="100" baseline="0" dirty="0" smtClean="0">
-                          <a:effectLst/>
-                        </a:rPr>
-                        <a:t> </a:t>
-                      </a:r>
-                      <a:r>
-                        <a:rPr lang="ko-KR" altLang="en-US" sz="1600" kern="100" baseline="0" dirty="0" smtClean="0">
-                          <a:effectLst/>
-                        </a:rPr>
-                        <a:t>임시인증번호</a:t>
-                      </a:r>
-                      <a:r>
-                        <a:rPr lang="en-US" altLang="ko-KR" sz="1600" kern="100" baseline="0" dirty="0" smtClean="0">
-                          <a:effectLst/>
-                        </a:rPr>
-                        <a:t>:123456</a:t>
-                      </a:r>
-                      <a:r>
-                        <a:rPr lang="en-US" altLang="ko-KR" sz="1600" kern="100" dirty="0" smtClean="0">
-                          <a:effectLst/>
-                        </a:rPr>
-                        <a:t>)</a:t>
-                      </a:r>
-                      <a:endParaRPr lang="ko-KR" sz="1600" kern="100" dirty="0">
-                        <a:effectLst/>
-                        <a:latin typeface="맑은 고딕" panose="020B0503020000020004" pitchFamily="50" charset="-127"/>
-                        <a:ea typeface="맑은 고딕" panose="020B0503020000020004" pitchFamily="50" charset="-127"/>
-                        <a:cs typeface="Times New Roman" panose="02020603050405020304" pitchFamily="18" charset="0"/>
-                      </a:endParaRPr>
-                    </a:p>
-                  </a:txBody>
-                  <a:tcPr marL="68580" marR="68580" marT="0" marB="0" anchor="ctr"/>
-                </a:tc>
-                <a:tc rowSpan="2">
-                  <a:txBody>
-                    <a:bodyPr/>
-                    <a:lstStyle/>
-                    <a:p>
-                      <a:pPr algn="just" latinLnBrk="1">
-                        <a:lnSpc>
-                          <a:spcPct val="107000"/>
-                        </a:lnSpc>
-                        <a:spcAft>
-                          <a:spcPts val="800"/>
-                        </a:spcAft>
-                      </a:pPr>
-                      <a:r>
-                        <a:rPr lang="ko-KR" altLang="en-US" sz="1600" kern="100" dirty="0" smtClean="0">
-                          <a:effectLst/>
-                          <a:latin typeface="맑은 고딕" panose="020B0503020000020004" pitchFamily="50" charset="-127"/>
-                          <a:ea typeface="맑은 고딕" panose="020B0503020000020004" pitchFamily="50" charset="-127"/>
-                          <a:cs typeface="Times New Roman" panose="02020603050405020304" pitchFamily="18" charset="0"/>
-                        </a:rPr>
-                        <a:t>인증성공</a:t>
-                      </a:r>
-                      <a:endParaRPr lang="ko-KR" sz="1600" kern="100" dirty="0">
-                        <a:effectLst/>
-                        <a:latin typeface="맑은 고딕" panose="020B0503020000020004" pitchFamily="50" charset="-127"/>
-                        <a:ea typeface="맑은 고딕" panose="020B0503020000020004" pitchFamily="50" charset="-127"/>
-                        <a:cs typeface="Times New Roman" panose="02020603050405020304" pitchFamily="18" charset="0"/>
-                      </a:endParaRPr>
-                    </a:p>
-                  </a:txBody>
-                  <a:tcPr marL="68580" marR="68580" marT="0" marB="0" anchor="ctr"/>
-                </a:tc>
-                <a:extLst>
-                  <a:ext uri="{0D108BD9-81ED-4DB2-BD59-A6C34878D82A}">
-                    <a16:rowId xmlns:a16="http://schemas.microsoft.com/office/drawing/2014/main" xmlns="" val="4041455491"/>
-                  </a:ext>
-                </a:extLst>
-              </a:tr>
-              <a:tr h="277879">
-                <a:tc>
-                  <a:txBody>
-                    <a:bodyPr/>
-                    <a:lstStyle/>
-                    <a:p>
-                      <a:pPr algn="just" latinLnBrk="1">
-                        <a:lnSpc>
-                          <a:spcPct val="107000"/>
-                        </a:lnSpc>
-                        <a:spcAft>
-                          <a:spcPts val="800"/>
-                        </a:spcAft>
-                      </a:pPr>
-                      <a:r>
-                        <a:rPr lang="en-US" sz="1600" kern="100" dirty="0">
-                          <a:effectLst/>
-                        </a:rPr>
-                        <a:t> </a:t>
-                      </a:r>
-                      <a:endParaRPr lang="ko-KR" sz="1600" kern="100" dirty="0">
-                        <a:effectLst/>
-                        <a:latin typeface="맑은 고딕" panose="020B0503020000020004" pitchFamily="50" charset="-127"/>
-                        <a:ea typeface="맑은 고딕" panose="020B0503020000020004" pitchFamily="50" charset="-127"/>
-                        <a:cs typeface="Times New Roman" panose="02020603050405020304" pitchFamily="18" charset="0"/>
-                      </a:endParaRPr>
-                    </a:p>
-                  </a:txBody>
-                  <a:tcPr marL="68580" marR="68580" marT="0" marB="0" anchor="ctr"/>
-                </a:tc>
-                <a:tc vMerge="1">
-                  <a:txBody>
-                    <a:bodyPr/>
-                    <a:lstStyle/>
-                    <a:p>
-                      <a:pPr algn="just" latinLnBrk="1">
-                        <a:lnSpc>
-                          <a:spcPct val="107000"/>
-                        </a:lnSpc>
-                        <a:spcAft>
-                          <a:spcPts val="800"/>
-                        </a:spcAft>
-                      </a:pPr>
-                      <a:endParaRPr lang="ko-KR" sz="1600" kern="100" dirty="0">
-                        <a:effectLst/>
-                        <a:latin typeface="맑은 고딕" panose="020B0503020000020004" pitchFamily="50" charset="-127"/>
-                        <a:ea typeface="맑은 고딕" panose="020B0503020000020004" pitchFamily="50" charset="-127"/>
-                        <a:cs typeface="Times New Roman" panose="02020603050405020304" pitchFamily="18" charset="0"/>
-                      </a:endParaRPr>
-                    </a:p>
-                  </a:txBody>
-                  <a:tcPr marL="68580" marR="68580" marT="0" marB="0" anchor="ctr"/>
-                </a:tc>
-                <a:tc vMerge="1">
-                  <a:txBody>
-                    <a:bodyPr/>
-                    <a:lstStyle/>
-                    <a:p>
-                      <a:pPr algn="just" latinLnBrk="1">
-                        <a:lnSpc>
-                          <a:spcPct val="107000"/>
-                        </a:lnSpc>
-                        <a:spcAft>
-                          <a:spcPts val="800"/>
-                        </a:spcAft>
-                      </a:pPr>
-                      <a:endParaRPr lang="ko-KR" sz="1600" kern="100" dirty="0">
-                        <a:effectLst/>
-                        <a:latin typeface="맑은 고딕" panose="020B0503020000020004" pitchFamily="50" charset="-127"/>
-                        <a:ea typeface="맑은 고딕" panose="020B0503020000020004" pitchFamily="50" charset="-127"/>
-                        <a:cs typeface="Times New Roman" panose="02020603050405020304" pitchFamily="18" charset="0"/>
-                      </a:endParaRPr>
-                    </a:p>
-                  </a:txBody>
-                  <a:tcPr marL="68580" marR="68580" marT="0" marB="0" anchor="ctr"/>
-                </a:tc>
-                <a:tc>
-                  <a:txBody>
-                    <a:bodyPr/>
-                    <a:lstStyle/>
-                    <a:p>
-                      <a:pPr algn="just" latinLnBrk="1">
-                        <a:lnSpc>
-                          <a:spcPct val="107000"/>
-                        </a:lnSpc>
-                        <a:spcAft>
-                          <a:spcPts val="800"/>
-                        </a:spcAft>
-                      </a:pPr>
-                      <a:r>
-                        <a:rPr lang="en-US" sz="1600" kern="100" dirty="0">
-                          <a:effectLst/>
-                        </a:rPr>
-                        <a:t> </a:t>
-                      </a:r>
-                      <a:r>
-                        <a:rPr lang="en-US" sz="1600" kern="100" dirty="0" smtClean="0">
-                          <a:effectLst/>
-                        </a:rPr>
-                        <a:t>123456</a:t>
-                      </a:r>
-                      <a:endParaRPr lang="ko-KR" sz="1600" kern="100" dirty="0">
-                        <a:effectLst/>
-                        <a:latin typeface="맑은 고딕" panose="020B0503020000020004" pitchFamily="50" charset="-127"/>
-                        <a:ea typeface="맑은 고딕" panose="020B0503020000020004" pitchFamily="50" charset="-127"/>
-                        <a:cs typeface="Times New Roman" panose="02020603050405020304" pitchFamily="18" charset="0"/>
-                      </a:endParaRPr>
-                    </a:p>
-                  </a:txBody>
-                  <a:tcPr marL="68580" marR="68580" marT="0" marB="0" anchor="ctr"/>
-                </a:tc>
-                <a:tc vMerge="1">
-                  <a:txBody>
-                    <a:bodyPr/>
-                    <a:lstStyle/>
-                    <a:p>
-                      <a:pPr algn="just" latinLnBrk="1">
-                        <a:lnSpc>
-                          <a:spcPct val="107000"/>
-                        </a:lnSpc>
-                        <a:spcAft>
-                          <a:spcPts val="800"/>
-                        </a:spcAft>
-                      </a:pPr>
-                      <a:endParaRPr lang="ko-KR" sz="1600" kern="100" dirty="0">
-                        <a:effectLst/>
-                        <a:latin typeface="맑은 고딕" panose="020B0503020000020004" pitchFamily="50" charset="-127"/>
-                        <a:ea typeface="맑은 고딕" panose="020B0503020000020004" pitchFamily="50" charset="-127"/>
-                        <a:cs typeface="Times New Roman" panose="02020603050405020304" pitchFamily="18" charset="0"/>
-                      </a:endParaRPr>
-                    </a:p>
-                  </a:txBody>
-                  <a:tcPr marL="68580" marR="68580" marT="0" marB="0" anchor="ctr"/>
-                </a:tc>
-                <a:extLst>
-                  <a:ext uri="{0D108BD9-81ED-4DB2-BD59-A6C34878D82A}">
-                    <a16:rowId xmlns:a16="http://schemas.microsoft.com/office/drawing/2014/main" xmlns="" val="282079096"/>
-                  </a:ext>
-                </a:extLst>
-              </a:tr>
-              <a:tr h="277879">
-                <a:tc>
-                  <a:txBody>
-                    <a:bodyPr/>
-                    <a:lstStyle/>
-                    <a:p>
-                      <a:pPr algn="just" latinLnBrk="1">
-                        <a:lnSpc>
-                          <a:spcPct val="107000"/>
-                        </a:lnSpc>
-                        <a:spcAft>
-                          <a:spcPts val="800"/>
-                        </a:spcAft>
-                      </a:pPr>
-                      <a:endParaRPr lang="ko-KR" sz="1600" kern="100" dirty="0">
-                        <a:effectLst/>
-                        <a:latin typeface="맑은 고딕" panose="020B0503020000020004" pitchFamily="50" charset="-127"/>
-                        <a:ea typeface="맑은 고딕" panose="020B0503020000020004" pitchFamily="50" charset="-127"/>
-                        <a:cs typeface="Times New Roman" panose="02020603050405020304" pitchFamily="18" charset="0"/>
-                      </a:endParaRPr>
-                    </a:p>
-                  </a:txBody>
-                  <a:tcPr marL="68580" marR="68580" marT="0" marB="0" anchor="ctr"/>
-                </a:tc>
-                <a:tc>
-                  <a:txBody>
-                    <a:bodyPr/>
-                    <a:lstStyle/>
-                    <a:p>
-                      <a:pPr algn="just" latinLnBrk="1">
-                        <a:lnSpc>
-                          <a:spcPct val="107000"/>
-                        </a:lnSpc>
-                        <a:spcAft>
-                          <a:spcPts val="800"/>
-                        </a:spcAft>
-                      </a:pPr>
-                      <a:endParaRPr lang="ko-KR" sz="1600" kern="100" dirty="0">
-                        <a:effectLst/>
-                        <a:latin typeface="맑은 고딕" panose="020B0503020000020004" pitchFamily="50" charset="-127"/>
-                        <a:ea typeface="맑은 고딕" panose="020B0503020000020004" pitchFamily="50" charset="-127"/>
-                        <a:cs typeface="Times New Roman" panose="02020603050405020304" pitchFamily="18" charset="0"/>
-                      </a:endParaRPr>
-                    </a:p>
-                  </a:txBody>
-                  <a:tcPr marL="68580" marR="68580" marT="0" marB="0" anchor="ctr"/>
-                </a:tc>
-                <a:tc>
-                  <a:txBody>
-                    <a:bodyPr/>
-                    <a:lstStyle/>
-                    <a:p>
-                      <a:pPr algn="just" latinLnBrk="1">
-                        <a:lnSpc>
-                          <a:spcPct val="107000"/>
-                        </a:lnSpc>
-                        <a:spcAft>
-                          <a:spcPts val="800"/>
-                        </a:spcAft>
-                      </a:pPr>
-                      <a:endParaRPr lang="ko-KR" sz="1600" kern="100" dirty="0">
-                        <a:effectLst/>
-                        <a:latin typeface="맑은 고딕" panose="020B0503020000020004" pitchFamily="50" charset="-127"/>
-                        <a:ea typeface="맑은 고딕" panose="020B0503020000020004" pitchFamily="50" charset="-127"/>
-                        <a:cs typeface="Times New Roman" panose="02020603050405020304" pitchFamily="18" charset="0"/>
-                      </a:endParaRPr>
-                    </a:p>
-                  </a:txBody>
-                  <a:tcPr marL="68580" marR="68580" marT="0" marB="0" anchor="ctr"/>
-                </a:tc>
-                <a:tc>
-                  <a:txBody>
-                    <a:bodyPr/>
-                    <a:lstStyle/>
-                    <a:p>
-                      <a:pPr algn="just" latinLnBrk="1">
-                        <a:lnSpc>
-                          <a:spcPct val="107000"/>
-                        </a:lnSpc>
-                        <a:spcAft>
-                          <a:spcPts val="800"/>
-                        </a:spcAft>
-                      </a:pPr>
-                      <a:r>
-                        <a:rPr lang="en-US" altLang="ko-KR" sz="1600" kern="100" dirty="0" smtClean="0">
-                          <a:effectLst/>
-                          <a:latin typeface="맑은 고딕" panose="020B0503020000020004" pitchFamily="50" charset="-127"/>
-                          <a:ea typeface="맑은 고딕" panose="020B0503020000020004" pitchFamily="50" charset="-127"/>
-                          <a:cs typeface="Times New Roman" panose="02020603050405020304" pitchFamily="18" charset="0"/>
-                        </a:rPr>
-                        <a:t>1234567</a:t>
-                      </a:r>
-                      <a:endParaRPr lang="ko-KR" sz="1600" kern="100" dirty="0">
-                        <a:effectLst/>
-                        <a:latin typeface="맑은 고딕" panose="020B0503020000020004" pitchFamily="50" charset="-127"/>
-                        <a:ea typeface="맑은 고딕" panose="020B0503020000020004" pitchFamily="50" charset="-127"/>
-                        <a:cs typeface="Times New Roman" panose="02020603050405020304" pitchFamily="18" charset="0"/>
-                      </a:endParaRPr>
-                    </a:p>
-                  </a:txBody>
-                  <a:tcPr marL="68580" marR="68580" marT="0" marB="0" anchor="ctr"/>
-                </a:tc>
-                <a:tc>
-                  <a:txBody>
-                    <a:bodyPr/>
-                    <a:lstStyle/>
-                    <a:p>
-                      <a:pPr algn="just" latinLnBrk="1">
-                        <a:lnSpc>
-                          <a:spcPct val="107000"/>
-                        </a:lnSpc>
-                        <a:spcAft>
-                          <a:spcPts val="800"/>
-                        </a:spcAft>
-                      </a:pPr>
-                      <a:r>
-                        <a:rPr lang="ko-KR" altLang="en-US" sz="1600" kern="100" dirty="0" smtClean="0">
-                          <a:effectLst/>
-                          <a:latin typeface="맑은 고딕" panose="020B0503020000020004" pitchFamily="50" charset="-127"/>
-                          <a:ea typeface="맑은 고딕" panose="020B0503020000020004" pitchFamily="50" charset="-127"/>
-                          <a:cs typeface="Times New Roman" panose="02020603050405020304" pitchFamily="18" charset="0"/>
-                        </a:rPr>
-                        <a:t>인증번호 양식 틀림</a:t>
-                      </a:r>
-                      <a:r>
-                        <a:rPr lang="en-US" altLang="ko-KR" sz="1600" kern="100" dirty="0" smtClean="0">
-                          <a:effectLst/>
-                          <a:latin typeface="맑은 고딕" panose="020B0503020000020004" pitchFamily="50" charset="-127"/>
-                          <a:ea typeface="맑은 고딕" panose="020B0503020000020004" pitchFamily="50" charset="-127"/>
-                          <a:cs typeface="Times New Roman" panose="02020603050405020304" pitchFamily="18" charset="0"/>
-                        </a:rPr>
-                        <a:t>, </a:t>
-                      </a:r>
-                      <a:r>
-                        <a:rPr lang="ko-KR" altLang="en-US" sz="1600" kern="100" dirty="0" smtClean="0">
-                          <a:effectLst/>
-                          <a:latin typeface="맑은 고딕" panose="020B0503020000020004" pitchFamily="50" charset="-127"/>
-                          <a:ea typeface="맑은 고딕" panose="020B0503020000020004" pitchFamily="50" charset="-127"/>
-                          <a:cs typeface="Times New Roman" panose="02020603050405020304" pitchFamily="18" charset="0"/>
-                        </a:rPr>
-                        <a:t>인증실패</a:t>
-                      </a:r>
-                      <a:endParaRPr lang="ko-KR" sz="1600" kern="100" dirty="0">
-                        <a:effectLst/>
-                        <a:latin typeface="맑은 고딕" panose="020B0503020000020004" pitchFamily="50" charset="-127"/>
-                        <a:ea typeface="맑은 고딕" panose="020B0503020000020004" pitchFamily="50" charset="-127"/>
-                        <a:cs typeface="Times New Roman" panose="02020603050405020304" pitchFamily="18" charset="0"/>
-                      </a:endParaRPr>
-                    </a:p>
-                  </a:txBody>
-                  <a:tcPr marL="68580" marR="68580" marT="0" marB="0" anchor="ctr"/>
-                </a:tc>
-              </a:tr>
-              <a:tr h="277879">
-                <a:tc>
-                  <a:txBody>
-                    <a:bodyPr/>
-                    <a:lstStyle/>
-                    <a:p>
-                      <a:pPr algn="just" latinLnBrk="1">
-                        <a:lnSpc>
-                          <a:spcPct val="107000"/>
-                        </a:lnSpc>
-                        <a:spcAft>
-                          <a:spcPts val="800"/>
-                        </a:spcAft>
-                      </a:pPr>
-                      <a:endParaRPr lang="ko-KR" sz="1600" kern="100" dirty="0">
-                        <a:effectLst/>
-                        <a:latin typeface="맑은 고딕" panose="020B0503020000020004" pitchFamily="50" charset="-127"/>
-                        <a:ea typeface="맑은 고딕" panose="020B0503020000020004" pitchFamily="50" charset="-127"/>
-                        <a:cs typeface="Times New Roman" panose="02020603050405020304" pitchFamily="18" charset="0"/>
-                      </a:endParaRPr>
-                    </a:p>
-                  </a:txBody>
-                  <a:tcPr marL="68580" marR="68580" marT="0" marB="0" anchor="ctr"/>
-                </a:tc>
-                <a:tc>
-                  <a:txBody>
-                    <a:bodyPr/>
-                    <a:lstStyle/>
-                    <a:p>
-                      <a:pPr algn="just" latinLnBrk="1">
-                        <a:lnSpc>
-                          <a:spcPct val="107000"/>
-                        </a:lnSpc>
-                        <a:spcAft>
-                          <a:spcPts val="800"/>
-                        </a:spcAft>
-                      </a:pPr>
-                      <a:endParaRPr lang="ko-KR" sz="1600" kern="100" dirty="0">
-                        <a:effectLst/>
-                        <a:latin typeface="맑은 고딕" panose="020B0503020000020004" pitchFamily="50" charset="-127"/>
-                        <a:ea typeface="맑은 고딕" panose="020B0503020000020004" pitchFamily="50" charset="-127"/>
-                        <a:cs typeface="Times New Roman" panose="02020603050405020304" pitchFamily="18" charset="0"/>
-                      </a:endParaRPr>
-                    </a:p>
-                  </a:txBody>
-                  <a:tcPr marL="68580" marR="68580" marT="0" marB="0" anchor="ctr"/>
-                </a:tc>
-                <a:tc>
-                  <a:txBody>
-                    <a:bodyPr/>
-                    <a:lstStyle/>
-                    <a:p>
-                      <a:pPr algn="just" latinLnBrk="1">
-                        <a:lnSpc>
-                          <a:spcPct val="107000"/>
-                        </a:lnSpc>
-                        <a:spcAft>
-                          <a:spcPts val="800"/>
-                        </a:spcAft>
-                      </a:pPr>
-                      <a:endParaRPr lang="ko-KR" sz="1600" kern="100" dirty="0">
-                        <a:effectLst/>
-                        <a:latin typeface="맑은 고딕" panose="020B0503020000020004" pitchFamily="50" charset="-127"/>
-                        <a:ea typeface="맑은 고딕" panose="020B0503020000020004" pitchFamily="50" charset="-127"/>
-                        <a:cs typeface="Times New Roman" panose="02020603050405020304" pitchFamily="18" charset="0"/>
-                      </a:endParaRPr>
-                    </a:p>
-                  </a:txBody>
-                  <a:tcPr marL="68580" marR="68580" marT="0" marB="0" anchor="ctr"/>
-                </a:tc>
-                <a:tc>
-                  <a:txBody>
-                    <a:bodyPr/>
-                    <a:lstStyle/>
-                    <a:p>
-                      <a:pPr algn="just" latinLnBrk="1">
-                        <a:lnSpc>
-                          <a:spcPct val="107000"/>
-                        </a:lnSpc>
-                        <a:spcAft>
-                          <a:spcPts val="800"/>
-                        </a:spcAft>
-                      </a:pPr>
-                      <a:r>
-                        <a:rPr lang="en-US" altLang="ko-KR" sz="1600" kern="100" dirty="0" smtClean="0">
-                          <a:effectLst/>
-                          <a:latin typeface="맑은 고딕" panose="020B0503020000020004" pitchFamily="50" charset="-127"/>
-                          <a:ea typeface="맑은 고딕" panose="020B0503020000020004" pitchFamily="50" charset="-127"/>
-                          <a:cs typeface="Times New Roman" panose="02020603050405020304" pitchFamily="18" charset="0"/>
-                        </a:rPr>
-                        <a:t>654321</a:t>
-                      </a:r>
-                      <a:endParaRPr lang="ko-KR" sz="1600" kern="100" dirty="0">
-                        <a:effectLst/>
-                        <a:latin typeface="맑은 고딕" panose="020B0503020000020004" pitchFamily="50" charset="-127"/>
-                        <a:ea typeface="맑은 고딕" panose="020B0503020000020004" pitchFamily="50" charset="-127"/>
-                        <a:cs typeface="Times New Roman" panose="02020603050405020304" pitchFamily="18" charset="0"/>
-                      </a:endParaRPr>
-                    </a:p>
-                  </a:txBody>
-                  <a:tcPr marL="68580" marR="68580" marT="0" marB="0" anchor="ctr"/>
-                </a:tc>
-                <a:tc>
-                  <a:txBody>
-                    <a:bodyPr/>
-                    <a:lstStyle/>
-                    <a:p>
-                      <a:pPr algn="just" latinLnBrk="1">
-                        <a:lnSpc>
-                          <a:spcPct val="107000"/>
-                        </a:lnSpc>
-                        <a:spcAft>
-                          <a:spcPts val="800"/>
-                        </a:spcAft>
-                      </a:pPr>
-                      <a:r>
-                        <a:rPr lang="ko-KR" altLang="en-US" sz="1600" kern="100" dirty="0" smtClean="0">
-                          <a:effectLst/>
-                          <a:latin typeface="맑은 고딕" panose="020B0503020000020004" pitchFamily="50" charset="-127"/>
-                          <a:ea typeface="맑은 고딕" panose="020B0503020000020004" pitchFamily="50" charset="-127"/>
-                          <a:cs typeface="Times New Roman" panose="02020603050405020304" pitchFamily="18" charset="0"/>
-                        </a:rPr>
-                        <a:t>인증번호 틀림</a:t>
-                      </a:r>
-                      <a:r>
-                        <a:rPr lang="en-US" altLang="ko-KR" sz="1600" kern="100" dirty="0" smtClean="0">
-                          <a:effectLst/>
-                          <a:latin typeface="맑은 고딕" panose="020B0503020000020004" pitchFamily="50" charset="-127"/>
-                          <a:ea typeface="맑은 고딕" panose="020B0503020000020004" pitchFamily="50" charset="-127"/>
-                          <a:cs typeface="Times New Roman" panose="02020603050405020304" pitchFamily="18" charset="0"/>
-                        </a:rPr>
-                        <a:t>, </a:t>
-                      </a:r>
-                      <a:r>
-                        <a:rPr lang="ko-KR" altLang="en-US" sz="1600" kern="100" dirty="0" smtClean="0">
-                          <a:effectLst/>
-                          <a:latin typeface="맑은 고딕" panose="020B0503020000020004" pitchFamily="50" charset="-127"/>
-                          <a:ea typeface="맑은 고딕" panose="020B0503020000020004" pitchFamily="50" charset="-127"/>
-                          <a:cs typeface="Times New Roman" panose="02020603050405020304" pitchFamily="18" charset="0"/>
-                        </a:rPr>
-                        <a:t>인증 실패</a:t>
-                      </a:r>
-                      <a:endParaRPr lang="ko-KR" sz="1600" kern="100" dirty="0">
-                        <a:effectLst/>
-                        <a:latin typeface="맑은 고딕" panose="020B0503020000020004" pitchFamily="50" charset="-127"/>
-                        <a:ea typeface="맑은 고딕" panose="020B0503020000020004" pitchFamily="50" charset="-127"/>
-                        <a:cs typeface="Times New Roman" panose="02020603050405020304" pitchFamily="18" charset="0"/>
-                      </a:endParaRPr>
-                    </a:p>
-                  </a:txBody>
-                  <a:tcPr marL="68580" marR="68580" marT="0" marB="0" anchor="ctr"/>
-                </a:tc>
               </a:tr>
             </a:tbl>
           </a:graphicData>
@@ -6049,7 +5331,7 @@
           <p:cNvPr id="5" name="슬라이드 번호 개체 틀 4">
             <a:extLst>
               <a:ext uri="{FF2B5EF4-FFF2-40B4-BE49-F238E27FC236}">
-                <a16:creationId xmlns:a16="http://schemas.microsoft.com/office/drawing/2014/main" xmlns="" id="{861B7938-9CB5-152D-B66D-6C97C6C491ED}"/>
+                <a16:creationId xmlns:a16="http://schemas.microsoft.com/office/drawing/2014/main" id="{861B7938-9CB5-152D-B66D-6C97C6C491ED}"/>
               </a:ext>
             </a:extLst>
           </p:cNvPr>
@@ -6079,7 +5361,7 @@
             <a:hlinkClick r:id="" action="ppaction://media"/>
             <a:extLst>
               <a:ext uri="{FF2B5EF4-FFF2-40B4-BE49-F238E27FC236}">
-                <a16:creationId xmlns:a16="http://schemas.microsoft.com/office/drawing/2014/main" xmlns="" id="{ECBBEE18-8FD7-BE52-9910-1AE6D5FCA01D}"/>
+                <a16:creationId xmlns:a16="http://schemas.microsoft.com/office/drawing/2014/main" id="{ECBBEE18-8FD7-BE52-9910-1AE6D5FCA01D}"/>
               </a:ext>
             </a:extLst>
           </p:cNvPr>
@@ -6116,7 +5398,7 @@
           <p:cNvPr id="9" name="내용 개체 틀 3">
             <a:extLst>
               <a:ext uri="{FF2B5EF4-FFF2-40B4-BE49-F238E27FC236}">
-                <a16:creationId xmlns:a16="http://schemas.microsoft.com/office/drawing/2014/main" xmlns="" id="{0FF84E86-6641-C511-DDA2-15C249410FF6}"/>
+                <a16:creationId xmlns:a16="http://schemas.microsoft.com/office/drawing/2014/main" id="{0FF84E86-6641-C511-DDA2-15C249410FF6}"/>
               </a:ext>
             </a:extLst>
           </p:cNvPr>
@@ -6126,14 +5408,14 @@
           <p:nvPr>
             <p:extLst>
               <p:ext uri="{D42A27DB-BD31-4B8C-83A1-F6EECF244321}">
-                <p14:modId xmlns:p14="http://schemas.microsoft.com/office/powerpoint/2010/main" val="1396662870"/>
+                <p14:modId xmlns:p14="http://schemas.microsoft.com/office/powerpoint/2010/main" val="2312608955"/>
               </p:ext>
             </p:extLst>
           </p:nvPr>
         </p:nvGraphicFramePr>
         <p:xfrm>
           <a:off x="767408" y="332656"/>
-          <a:ext cx="10369153" cy="6543058"/>
+          <a:ext cx="10369153" cy="6459238"/>
         </p:xfrm>
         <a:graphic>
           <a:graphicData uri="http://schemas.openxmlformats.org/drawingml/2006/table">
@@ -6145,35 +5427,35 @@
                 <a:gridCol w="576064">
                   <a:extLst>
                     <a:ext uri="{9D8B030D-6E8A-4147-A177-3AD203B41FA5}">
-                      <a16:colId xmlns:a16="http://schemas.microsoft.com/office/drawing/2014/main" xmlns="" val="4093797303"/>
+                      <a16:colId xmlns:a16="http://schemas.microsoft.com/office/drawing/2014/main" val="4093797303"/>
                     </a:ext>
                   </a:extLst>
                 </a:gridCol>
                 <a:gridCol w="1296144">
                   <a:extLst>
                     <a:ext uri="{9D8B030D-6E8A-4147-A177-3AD203B41FA5}">
-                      <a16:colId xmlns:a16="http://schemas.microsoft.com/office/drawing/2014/main" xmlns="" val="459053102"/>
+                      <a16:colId xmlns:a16="http://schemas.microsoft.com/office/drawing/2014/main" val="459053102"/>
                     </a:ext>
                   </a:extLst>
                 </a:gridCol>
                 <a:gridCol w="1224136">
                   <a:extLst>
                     <a:ext uri="{9D8B030D-6E8A-4147-A177-3AD203B41FA5}">
-                      <a16:colId xmlns:a16="http://schemas.microsoft.com/office/drawing/2014/main" xmlns="" val="2096663764"/>
+                      <a16:colId xmlns:a16="http://schemas.microsoft.com/office/drawing/2014/main" val="2096663764"/>
                     </a:ext>
                   </a:extLst>
                 </a:gridCol>
                 <a:gridCol w="4824536">
                   <a:extLst>
                     <a:ext uri="{9D8B030D-6E8A-4147-A177-3AD203B41FA5}">
-                      <a16:colId xmlns:a16="http://schemas.microsoft.com/office/drawing/2014/main" xmlns="" val="12780001"/>
+                      <a16:colId xmlns:a16="http://schemas.microsoft.com/office/drawing/2014/main" val="12780001"/>
                     </a:ext>
                   </a:extLst>
                 </a:gridCol>
                 <a:gridCol w="2448273">
                   <a:extLst>
                     <a:ext uri="{9D8B030D-6E8A-4147-A177-3AD203B41FA5}">
-                      <a16:colId xmlns:a16="http://schemas.microsoft.com/office/drawing/2014/main" xmlns="" val="3837195252"/>
+                      <a16:colId xmlns:a16="http://schemas.microsoft.com/office/drawing/2014/main" val="3837195252"/>
                     </a:ext>
                   </a:extLst>
                 </a:gridCol>
@@ -6342,7 +5624,7 @@
                 </a:tc>
                 <a:extLst>
                   <a:ext uri="{0D108BD9-81ED-4DB2-BD59-A6C34878D82A}">
-                    <a16:rowId xmlns:a16="http://schemas.microsoft.com/office/drawing/2014/main" xmlns="" val="3555777926"/>
+                    <a16:rowId xmlns:a16="http://schemas.microsoft.com/office/drawing/2014/main" val="3555777926"/>
                   </a:ext>
                 </a:extLst>
               </a:tr>
@@ -6361,10 +5643,10 @@
                         </a:spcAft>
                       </a:pPr>
                       <a:r>
-                        <a:rPr lang="en-US" sz="1600" kern="100" dirty="0" smtClean="0">
-                          <a:effectLst/>
-                        </a:rPr>
-                        <a:t>T3</a:t>
+                        <a:rPr lang="en-US" sz="1600" kern="100" dirty="0">
+                          <a:effectLst/>
+                        </a:rPr>
+                        <a:t>T2</a:t>
                       </a:r>
                       <a:endParaRPr lang="ko-KR" sz="1600" kern="100" dirty="0">
                         <a:effectLst/>
@@ -6390,7 +5672,7 @@
                         </a:spcAft>
                       </a:pPr>
                       <a:r>
-                        <a:rPr lang="ko-KR" altLang="en-US" sz="1600" kern="100" dirty="0" smtClean="0">
+                        <a:rPr lang="ko-KR" altLang="en-US" sz="1600" kern="100" dirty="0">
                           <a:effectLst/>
                           <a:latin typeface="+mn-lt"/>
                           <a:ea typeface="+mn-ea"/>
@@ -6422,10 +5704,10 @@
                         </a:spcAft>
                       </a:pPr>
                       <a:r>
-                        <a:rPr lang="en-US" sz="1600" kern="100" dirty="0" smtClean="0">
-                          <a:effectLst/>
-                        </a:rPr>
-                        <a:t>A3</a:t>
+                        <a:rPr lang="en-US" sz="1600" kern="100" dirty="0">
+                          <a:effectLst/>
+                        </a:rPr>
+                        <a:t>A2</a:t>
                       </a:r>
                       <a:endParaRPr lang="ko-KR" sz="1600" kern="100" dirty="0">
                         <a:effectLst/>
@@ -6451,86 +5733,86 @@
                         </a:spcAft>
                       </a:pPr>
                       <a:r>
-                        <a:rPr lang="en-US" sz="1600" kern="100" dirty="0" smtClean="0">
+                        <a:rPr lang="en-US" sz="1600" kern="100" dirty="0">
                           <a:effectLst/>
                         </a:rPr>
                         <a:t>(</a:t>
                       </a:r>
                       <a:r>
-                        <a:rPr lang="ko-KR" altLang="en-US" sz="1600" kern="100" dirty="0" err="1" smtClean="0">
+                        <a:rPr lang="ko-KR" altLang="en-US" sz="1600" kern="100" dirty="0" err="1">
                           <a:effectLst/>
                         </a:rPr>
                         <a:t>이메일</a:t>
                       </a:r>
                       <a:r>
-                        <a:rPr lang="en-US" altLang="ko-KR" sz="1600" kern="100" dirty="0" smtClean="0">
+                        <a:rPr lang="en-US" altLang="ko-KR" sz="1600" kern="100" dirty="0">
                           <a:effectLst/>
                         </a:rPr>
                         <a:t>, </a:t>
                       </a:r>
                       <a:r>
-                        <a:rPr lang="ko-KR" altLang="en-US" sz="1600" kern="100" dirty="0" smtClean="0">
+                        <a:rPr lang="ko-KR" altLang="en-US" sz="1600" kern="100" dirty="0">
                           <a:effectLst/>
                         </a:rPr>
                         <a:t>비밀번호</a:t>
                       </a:r>
                       <a:r>
-                        <a:rPr lang="en-US" altLang="ko-KR" sz="1600" kern="100" dirty="0" smtClean="0">
+                        <a:rPr lang="en-US" altLang="ko-KR" sz="1600" kern="100" dirty="0">
                           <a:effectLst/>
                         </a:rPr>
                         <a:t>/</a:t>
                       </a:r>
                       <a:r>
-                        <a:rPr lang="en-US" altLang="ko-KR" sz="1600" kern="100" baseline="0" dirty="0" smtClean="0">
+                        <a:rPr lang="en-US" altLang="ko-KR" sz="1600" kern="100" baseline="0" dirty="0">
                           <a:effectLst/>
                         </a:rPr>
                         <a:t> </a:t>
                       </a:r>
                       <a:r>
-                        <a:rPr lang="ko-KR" altLang="en-US" sz="1600" kern="100" baseline="0" dirty="0" smtClean="0">
+                        <a:rPr lang="ko-KR" altLang="en-US" sz="1600" kern="100" baseline="0" dirty="0">
                           <a:effectLst/>
                         </a:rPr>
                         <a:t>임시 </a:t>
                       </a:r>
                       <a:r>
-                        <a:rPr lang="ko-KR" altLang="en-US" sz="1600" kern="100" baseline="0" dirty="0" err="1" smtClean="0">
+                        <a:rPr lang="ko-KR" altLang="en-US" sz="1600" kern="100" baseline="0" dirty="0" err="1">
                           <a:effectLst/>
                         </a:rPr>
                         <a:t>이메일</a:t>
                       </a:r>
                       <a:r>
-                        <a:rPr lang="en-US" altLang="ko-KR" sz="1600" kern="100" baseline="0" dirty="0" smtClean="0">
+                        <a:rPr lang="en-US" altLang="ko-KR" sz="1600" kern="100" baseline="0" dirty="0">
                           <a:effectLst/>
                         </a:rPr>
                         <a:t>, </a:t>
                       </a:r>
                       <a:r>
-                        <a:rPr lang="ko-KR" altLang="en-US" sz="1600" kern="100" baseline="0" dirty="0" smtClean="0">
+                        <a:rPr lang="ko-KR" altLang="en-US" sz="1600" kern="100" baseline="0" dirty="0">
                           <a:effectLst/>
                         </a:rPr>
                         <a:t>비밀번호</a:t>
                       </a:r>
                       <a:r>
-                        <a:rPr lang="en-US" altLang="ko-KR" sz="1600" kern="100" baseline="0" dirty="0" smtClean="0">
+                        <a:rPr lang="en-US" altLang="ko-KR" sz="1600" kern="100" baseline="0" dirty="0">
                           <a:effectLst/>
                         </a:rPr>
                         <a:t>: </a:t>
                       </a:r>
                       <a:r>
-                        <a:rPr lang="en-US" altLang="ko-KR" sz="1600" kern="100" baseline="0" dirty="0" smtClean="0">
+                        <a:rPr lang="en-US" altLang="ko-KR" sz="1600" kern="100" baseline="0" dirty="0">
                           <a:effectLst/>
                           <a:hlinkClick r:id="rId6"/>
                         </a:rPr>
                         <a:t>hkd@gmail.com</a:t>
                       </a:r>
                       <a:r>
-                        <a:rPr lang="en-US" altLang="ko-KR" sz="1600" kern="100" baseline="0" dirty="0" smtClean="0">
+                        <a:rPr lang="en-US" altLang="ko-KR" sz="1600" kern="100" baseline="0" dirty="0">
                           <a:effectLst/>
                         </a:rPr>
                         <a:t>, 123456789a</a:t>
                       </a:r>
                       <a:r>
-                        <a:rPr lang="en-US" sz="1600" kern="100" dirty="0" smtClean="0">
+                        <a:rPr lang="en-US" sz="1600" kern="100" dirty="0">
                           <a:effectLst/>
                         </a:rPr>
                         <a:t>)</a:t>
@@ -6576,7 +5858,7 @@
                 </a:tc>
                 <a:extLst>
                   <a:ext uri="{0D108BD9-81ED-4DB2-BD59-A6C34878D82A}">
-                    <a16:rowId xmlns:a16="http://schemas.microsoft.com/office/drawing/2014/main" xmlns="" val="82684039"/>
+                    <a16:rowId xmlns:a16="http://schemas.microsoft.com/office/drawing/2014/main" val="82684039"/>
                   </a:ext>
                 </a:extLst>
               </a:tr>
@@ -6628,20 +5910,20 @@
                         </a:spcAft>
                       </a:pPr>
                       <a:r>
-                        <a:rPr lang="en-US" sz="1600" kern="100" dirty="0" smtClean="0">
+                        <a:rPr lang="en-US" sz="1600" kern="100" dirty="0">
                           <a:effectLst/>
                         </a:rPr>
                         <a:t>(</a:t>
                       </a:r>
                       <a:r>
-                        <a:rPr lang="en-US" sz="1600" kern="100" dirty="0" smtClean="0">
+                        <a:rPr lang="en-US" sz="1600" kern="100" dirty="0">
                           <a:effectLst/>
                           <a:hlinkClick r:id="rId6"/>
                         </a:rPr>
                         <a:t>hkd@gmail.com</a:t>
                       </a:r>
                       <a:r>
-                        <a:rPr lang="en-US" sz="1600" kern="100" dirty="0" smtClean="0">
+                        <a:rPr lang="en-US" sz="1600" kern="100" dirty="0">
                           <a:effectLst/>
                         </a:rPr>
                         <a:t>, 123456789a)</a:t>
@@ -6676,22 +5958,16 @@
                         <a:t>정상 </a:t>
                       </a:r>
                       <a:r>
-                        <a:rPr lang="ko-KR" altLang="en-US" sz="1600" kern="100" dirty="0" smtClean="0">
+                        <a:rPr lang="ko-KR" altLang="en-US" sz="1600" kern="100" dirty="0">
                           <a:effectLst/>
                         </a:rPr>
                         <a:t>로그인</a:t>
                       </a:r>
                       <a:r>
-                        <a:rPr lang="ko-KR" sz="1600" kern="100" dirty="0" smtClean="0">
-                          <a:effectLst/>
-                        </a:rPr>
-                        <a:t> </a:t>
-                      </a:r>
-                      <a:r>
                         <a:rPr lang="ko-KR" sz="1600" kern="100" dirty="0">
                           <a:effectLst/>
                         </a:rPr>
-                        <a:t>완료</a:t>
+                        <a:t> 완료</a:t>
                       </a:r>
                       <a:endParaRPr lang="ko-KR" sz="1600" kern="100" dirty="0">
                         <a:effectLst/>
@@ -6705,7 +5981,7 @@
                 </a:tc>
                 <a:extLst>
                   <a:ext uri="{0D108BD9-81ED-4DB2-BD59-A6C34878D82A}">
-                    <a16:rowId xmlns:a16="http://schemas.microsoft.com/office/drawing/2014/main" xmlns="" val="1285417474"/>
+                    <a16:rowId xmlns:a16="http://schemas.microsoft.com/office/drawing/2014/main" val="1285417474"/>
                   </a:ext>
                 </a:extLst>
               </a:tr>
@@ -6811,20 +6087,20 @@
                         </a:spcAft>
                       </a:pPr>
                       <a:r>
-                        <a:rPr lang="en-US" altLang="ko-KR" sz="1600" kern="100" dirty="0" smtClean="0">
+                        <a:rPr lang="en-US" altLang="ko-KR" sz="1600" kern="100" dirty="0">
                           <a:effectLst/>
                         </a:rPr>
                         <a:t>(</a:t>
                       </a:r>
                       <a:r>
-                        <a:rPr lang="en-US" altLang="ko-KR" sz="1600" kern="100" dirty="0" smtClean="0">
+                        <a:rPr lang="en-US" altLang="ko-KR" sz="1600" kern="100" dirty="0">
                           <a:effectLst/>
                           <a:hlinkClick r:id="rId6"/>
                         </a:rPr>
                         <a:t>hkdgmail.com</a:t>
                       </a:r>
                       <a:r>
-                        <a:rPr lang="en-US" altLang="ko-KR" sz="1600" kern="100" dirty="0" smtClean="0">
+                        <a:rPr lang="en-US" altLang="ko-KR" sz="1600" kern="100" dirty="0">
                           <a:effectLst/>
                         </a:rPr>
                         <a:t>, 123456789a)</a:t>
@@ -6853,7 +6129,7 @@
                         </a:spcAft>
                       </a:pPr>
                       <a:r>
-                        <a:rPr lang="ko-KR" altLang="en-US" sz="1600" kern="100" dirty="0" err="1" smtClean="0">
+                        <a:rPr lang="ko-KR" altLang="en-US" sz="1600" kern="100" dirty="0" err="1">
                           <a:effectLst/>
                           <a:latin typeface="맑은 고딕" panose="020B0503020000020004" pitchFamily="50" charset="-127"/>
                           <a:ea typeface="맑은 고딕" panose="020B0503020000020004" pitchFamily="50" charset="-127"/>
@@ -6862,7 +6138,7 @@
                         <a:t>이메일</a:t>
                       </a:r>
                       <a:r>
-                        <a:rPr lang="ko-KR" altLang="en-US" sz="1600" kern="100" dirty="0" smtClean="0">
+                        <a:rPr lang="ko-KR" altLang="en-US" sz="1600" kern="100" dirty="0">
                           <a:effectLst/>
                           <a:latin typeface="맑은 고딕" panose="020B0503020000020004" pitchFamily="50" charset="-127"/>
                           <a:ea typeface="맑은 고딕" panose="020B0503020000020004" pitchFamily="50" charset="-127"/>
@@ -6871,7 +6147,7 @@
                         <a:t> 양식 틀림</a:t>
                       </a:r>
                       <a:r>
-                        <a:rPr lang="en-US" altLang="ko-KR" sz="1600" kern="100" dirty="0" smtClean="0">
+                        <a:rPr lang="en-US" altLang="ko-KR" sz="1600" kern="100" dirty="0">
                           <a:effectLst/>
                           <a:latin typeface="맑은 고딕" panose="020B0503020000020004" pitchFamily="50" charset="-127"/>
                           <a:ea typeface="맑은 고딕" panose="020B0503020000020004" pitchFamily="50" charset="-127"/>
@@ -6880,7 +6156,7 @@
                         <a:t>, </a:t>
                       </a:r>
                       <a:r>
-                        <a:rPr lang="ko-KR" altLang="en-US" sz="1600" kern="100" dirty="0" smtClean="0">
+                        <a:rPr lang="ko-KR" altLang="en-US" sz="1600" kern="100" dirty="0">
                           <a:effectLst/>
                           <a:latin typeface="맑은 고딕" panose="020B0503020000020004" pitchFamily="50" charset="-127"/>
                           <a:ea typeface="맑은 고딕" panose="020B0503020000020004" pitchFamily="50" charset="-127"/>
@@ -6900,7 +6176,7 @@
                 </a:tc>
                 <a:extLst>
                   <a:ext uri="{0D108BD9-81ED-4DB2-BD59-A6C34878D82A}">
-                    <a16:rowId xmlns:a16="http://schemas.microsoft.com/office/drawing/2014/main" xmlns="" val="1112701874"/>
+                    <a16:rowId xmlns:a16="http://schemas.microsoft.com/office/drawing/2014/main" val="1112701874"/>
                   </a:ext>
                 </a:extLst>
               </a:tr>
@@ -7015,61 +6291,61 @@
                         <a:defRPr/>
                       </a:pPr>
                       <a:r>
-                        <a:rPr lang="en-US" altLang="ko-KR" sz="1600" kern="100" dirty="0" smtClean="0">
+                        <a:rPr lang="en-US" altLang="ko-KR" sz="1600" kern="100" dirty="0">
                           <a:effectLst/>
                         </a:rPr>
                         <a:t>(</a:t>
                       </a:r>
                       <a:r>
-                        <a:rPr lang="en-US" altLang="ko-KR" sz="1600" kern="100" dirty="0" smtClean="0">
+                        <a:rPr lang="en-US" altLang="ko-KR" sz="1600" kern="100" dirty="0">
                           <a:effectLst/>
                           <a:hlinkClick r:id="rId6"/>
                         </a:rPr>
                         <a:t>hkd@gmail.com</a:t>
                       </a:r>
                       <a:r>
-                        <a:rPr lang="en-US" altLang="ko-KR" sz="1600" kern="100" dirty="0" smtClean="0">
+                        <a:rPr lang="en-US" altLang="ko-KR" sz="1600" kern="100" dirty="0">
                           <a:effectLst/>
                         </a:rPr>
                         <a:t>, 123456789</a:t>
                       </a:r>
                       <a:r>
-                        <a:rPr lang="ko-KR" altLang="en-US" sz="1600" kern="100" dirty="0" err="1" smtClean="0">
+                        <a:rPr lang="ko-KR" altLang="en-US" sz="1600" kern="100" dirty="0" err="1">
                           <a:effectLst/>
                         </a:rPr>
                         <a:t>ㅁㅁㅁㅁㅁㅁㅁㅁㅁㅁㅁㅁㅁㅁㅁ</a:t>
                       </a:r>
                       <a:r>
-                        <a:rPr lang="en-US" altLang="ko-KR" sz="1600" kern="100" dirty="0" smtClean="0">
+                        <a:rPr lang="en-US" altLang="ko-KR" sz="1600" kern="100" dirty="0">
                           <a:effectLst/>
                         </a:rPr>
                         <a:t>)</a:t>
                       </a:r>
-                      <a:endParaRPr lang="ko-KR" altLang="ko-KR" sz="1600" kern="100" dirty="0" smtClean="0">
-                        <a:effectLst/>
-                        <a:latin typeface="맑은 고딕" panose="020B0503020000020004" pitchFamily="50" charset="-127"/>
-                        <a:ea typeface="맑은 고딕" panose="020B0503020000020004" pitchFamily="50" charset="-127"/>
-                        <a:cs typeface="Times New Roman" panose="02020603050405020304" pitchFamily="18" charset="0"/>
-                      </a:endParaRPr>
-                    </a:p>
-                  </a:txBody>
-                  <a:tcPr marL="68580" marR="68580" marT="0" marB="0" anchor="ctr"/>
-                </a:tc>
-                <a:tc>
-                  <a:txBody>
-                    <a:bodyPr/>
-                    <a:lstStyle/>
-                    <a:p>
-                      <a:pPr algn="just" latinLnBrk="1">
-                        <a:lnSpc>
-                          <a:spcPct val="107000"/>
-                        </a:lnSpc>
-                        <a:spcAft>
-                          <a:spcPts val="800"/>
-                        </a:spcAft>
-                      </a:pPr>
-                      <a:r>
-                        <a:rPr lang="ko-KR" altLang="en-US" sz="1600" kern="100" dirty="0" smtClean="0">
+                      <a:endParaRPr lang="ko-KR" altLang="ko-KR" sz="1600" kern="100" dirty="0">
+                        <a:effectLst/>
+                        <a:latin typeface="맑은 고딕" panose="020B0503020000020004" pitchFamily="50" charset="-127"/>
+                        <a:ea typeface="맑은 고딕" panose="020B0503020000020004" pitchFamily="50" charset="-127"/>
+                        <a:cs typeface="Times New Roman" panose="02020603050405020304" pitchFamily="18" charset="0"/>
+                      </a:endParaRPr>
+                    </a:p>
+                  </a:txBody>
+                  <a:tcPr marL="68580" marR="68580" marT="0" marB="0" anchor="ctr"/>
+                </a:tc>
+                <a:tc>
+                  <a:txBody>
+                    <a:bodyPr/>
+                    <a:lstStyle/>
+                    <a:p>
+                      <a:pPr algn="just" latinLnBrk="1">
+                        <a:lnSpc>
+                          <a:spcPct val="107000"/>
+                        </a:lnSpc>
+                        <a:spcAft>
+                          <a:spcPts val="800"/>
+                        </a:spcAft>
+                      </a:pPr>
+                      <a:r>
+                        <a:rPr lang="ko-KR" altLang="en-US" sz="1600" kern="100" dirty="0">
                           <a:effectLst/>
                           <a:latin typeface="맑은 고딕" panose="020B0503020000020004" pitchFamily="50" charset="-127"/>
                           <a:ea typeface="맑은 고딕" panose="020B0503020000020004" pitchFamily="50" charset="-127"/>
@@ -7078,7 +6354,7 @@
                         <a:t>비밀번호 양식</a:t>
                       </a:r>
                       <a:r>
-                        <a:rPr lang="ko-KR" altLang="en-US" sz="1600" kern="100" baseline="0" dirty="0" smtClean="0">
+                        <a:rPr lang="ko-KR" altLang="en-US" sz="1600" kern="100" baseline="0" dirty="0">
                           <a:effectLst/>
                           <a:latin typeface="맑은 고딕" panose="020B0503020000020004" pitchFamily="50" charset="-127"/>
                           <a:ea typeface="맑은 고딕" panose="020B0503020000020004" pitchFamily="50" charset="-127"/>
@@ -7087,7 +6363,7 @@
                         <a:t> 틀림</a:t>
                       </a:r>
                       <a:r>
-                        <a:rPr lang="en-US" altLang="ko-KR" sz="1600" kern="100" baseline="0" dirty="0" smtClean="0">
+                        <a:rPr lang="en-US" altLang="ko-KR" sz="1600" kern="100" baseline="0" dirty="0">
                           <a:effectLst/>
                           <a:latin typeface="맑은 고딕" panose="020B0503020000020004" pitchFamily="50" charset="-127"/>
                           <a:ea typeface="맑은 고딕" panose="020B0503020000020004" pitchFamily="50" charset="-127"/>
@@ -7096,7 +6372,7 @@
                         <a:t>, </a:t>
                       </a:r>
                       <a:r>
-                        <a:rPr lang="ko-KR" altLang="en-US" sz="1600" kern="100" baseline="0" dirty="0" smtClean="0">
+                        <a:rPr lang="ko-KR" altLang="en-US" sz="1600" kern="100" baseline="0" dirty="0">
                           <a:effectLst/>
                           <a:latin typeface="맑은 고딕" panose="020B0503020000020004" pitchFamily="50" charset="-127"/>
                           <a:ea typeface="맑은 고딕" panose="020B0503020000020004" pitchFamily="50" charset="-127"/>
@@ -7116,7 +6392,7 @@
                 </a:tc>
                 <a:extLst>
                   <a:ext uri="{0D108BD9-81ED-4DB2-BD59-A6C34878D82A}">
-                    <a16:rowId xmlns:a16="http://schemas.microsoft.com/office/drawing/2014/main" xmlns="" val="885350457"/>
+                    <a16:rowId xmlns:a16="http://schemas.microsoft.com/office/drawing/2014/main" val="885350457"/>
                   </a:ext>
                 </a:extLst>
               </a:tr>
@@ -7231,49 +6507,49 @@
                         <a:defRPr/>
                       </a:pPr>
                       <a:r>
-                        <a:rPr lang="en-US" altLang="ko-KR" sz="1600" kern="100" dirty="0" smtClean="0">
+                        <a:rPr lang="en-US" altLang="ko-KR" sz="1600" kern="100" dirty="0">
                           <a:effectLst/>
                         </a:rPr>
                         <a:t>(</a:t>
                       </a:r>
                       <a:r>
-                        <a:rPr lang="en-US" altLang="ko-KR" sz="1600" kern="100" dirty="0" smtClean="0">
+                        <a:rPr lang="en-US" altLang="ko-KR" sz="1600" kern="100" dirty="0">
                           <a:effectLst/>
                           <a:hlinkClick r:id="rId7"/>
                         </a:rPr>
                         <a:t>babo@nexon.com</a:t>
                       </a:r>
                       <a:r>
-                        <a:rPr lang="en-US" altLang="ko-KR" sz="1600" kern="100" dirty="0" smtClean="0">
+                        <a:rPr lang="en-US" altLang="ko-KR" sz="1600" kern="100" dirty="0">
                           <a:effectLst/>
                         </a:rPr>
                         <a:t>, 1111111)</a:t>
                       </a:r>
-                      <a:endParaRPr lang="ko-KR" altLang="ko-KR" sz="1600" kern="100" dirty="0" smtClean="0">
-                        <a:effectLst/>
-                        <a:latin typeface="맑은 고딕" panose="020B0503020000020004" pitchFamily="50" charset="-127"/>
-                        <a:ea typeface="맑은 고딕" panose="020B0503020000020004" pitchFamily="50" charset="-127"/>
-                        <a:cs typeface="Times New Roman" panose="02020603050405020304" pitchFamily="18" charset="0"/>
-                      </a:endParaRPr>
-                    </a:p>
-                  </a:txBody>
-                  <a:tcPr marL="68580" marR="68580" marT="0" marB="0" anchor="ctr"/>
-                </a:tc>
-                <a:tc>
-                  <a:txBody>
-                    <a:bodyPr/>
-                    <a:lstStyle/>
-                    <a:p>
-                      <a:pPr algn="just" latinLnBrk="1">
-                        <a:lnSpc>
-                          <a:spcPct val="107000"/>
-                        </a:lnSpc>
-                        <a:spcAft>
-                          <a:spcPts val="800"/>
-                        </a:spcAft>
-                      </a:pPr>
-                      <a:r>
-                        <a:rPr lang="ko-KR" altLang="en-US" sz="1600" kern="100" dirty="0" smtClean="0">
+                      <a:endParaRPr lang="ko-KR" altLang="ko-KR" sz="1600" kern="100" dirty="0">
+                        <a:effectLst/>
+                        <a:latin typeface="맑은 고딕" panose="020B0503020000020004" pitchFamily="50" charset="-127"/>
+                        <a:ea typeface="맑은 고딕" panose="020B0503020000020004" pitchFamily="50" charset="-127"/>
+                        <a:cs typeface="Times New Roman" panose="02020603050405020304" pitchFamily="18" charset="0"/>
+                      </a:endParaRPr>
+                    </a:p>
+                  </a:txBody>
+                  <a:tcPr marL="68580" marR="68580" marT="0" marB="0" anchor="ctr"/>
+                </a:tc>
+                <a:tc>
+                  <a:txBody>
+                    <a:bodyPr/>
+                    <a:lstStyle/>
+                    <a:p>
+                      <a:pPr algn="just" latinLnBrk="1">
+                        <a:lnSpc>
+                          <a:spcPct val="107000"/>
+                        </a:lnSpc>
+                        <a:spcAft>
+                          <a:spcPts val="800"/>
+                        </a:spcAft>
+                      </a:pPr>
+                      <a:r>
+                        <a:rPr lang="ko-KR" altLang="en-US" sz="1600" kern="100" dirty="0">
                           <a:effectLst/>
                           <a:latin typeface="+mn-lt"/>
                           <a:ea typeface="+mn-ea"/>
@@ -7282,7 +6558,7 @@
                         <a:t>등록되지 않은 </a:t>
                       </a:r>
                       <a:r>
-                        <a:rPr lang="ko-KR" altLang="en-US" sz="1600" kern="100" dirty="0" err="1" smtClean="0">
+                        <a:rPr lang="ko-KR" altLang="en-US" sz="1600" kern="100" dirty="0" err="1">
                           <a:effectLst/>
                           <a:latin typeface="+mn-lt"/>
                           <a:ea typeface="+mn-ea"/>
@@ -7291,7 +6567,7 @@
                         <a:t>이메일</a:t>
                       </a:r>
                       <a:r>
-                        <a:rPr lang="en-US" altLang="ko-KR" sz="1600" kern="100" dirty="0" smtClean="0">
+                        <a:rPr lang="en-US" altLang="ko-KR" sz="1600" kern="100" dirty="0">
                           <a:effectLst/>
                           <a:latin typeface="+mn-lt"/>
                           <a:ea typeface="+mn-ea"/>
@@ -7300,7 +6576,7 @@
                         <a:t>, </a:t>
                       </a:r>
                       <a:r>
-                        <a:rPr lang="ko-KR" altLang="en-US" sz="1600" kern="100" dirty="0" smtClean="0">
+                        <a:rPr lang="ko-KR" altLang="en-US" sz="1600" kern="100" dirty="0">
                           <a:effectLst/>
                           <a:latin typeface="+mn-lt"/>
                           <a:ea typeface="+mn-ea"/>
@@ -7320,7 +6596,7 @@
                 </a:tc>
                 <a:extLst>
                   <a:ext uri="{0D108BD9-81ED-4DB2-BD59-A6C34878D82A}">
-                    <a16:rowId xmlns:a16="http://schemas.microsoft.com/office/drawing/2014/main" xmlns="" val="3345774680"/>
+                    <a16:rowId xmlns:a16="http://schemas.microsoft.com/office/drawing/2014/main" val="3345774680"/>
                   </a:ext>
                 </a:extLst>
               </a:tr>
@@ -7417,49 +6693,49 @@
                         <a:defRPr/>
                       </a:pPr>
                       <a:r>
-                        <a:rPr lang="en-US" altLang="ko-KR" sz="1600" kern="100" dirty="0" smtClean="0">
+                        <a:rPr lang="en-US" altLang="ko-KR" sz="1600" kern="100" dirty="0">
                           <a:effectLst/>
                         </a:rPr>
                         <a:t>(</a:t>
                       </a:r>
                       <a:r>
-                        <a:rPr lang="en-US" altLang="ko-KR" sz="1600" kern="100" dirty="0" smtClean="0">
+                        <a:rPr lang="en-US" altLang="ko-KR" sz="1600" kern="100" dirty="0">
                           <a:effectLst/>
                           <a:hlinkClick r:id="rId6"/>
                         </a:rPr>
                         <a:t>hkd@gmail.com</a:t>
                       </a:r>
                       <a:r>
-                        <a:rPr lang="en-US" altLang="ko-KR" sz="1600" kern="100" dirty="0" smtClean="0">
+                        <a:rPr lang="en-US" altLang="ko-KR" sz="1600" kern="100" dirty="0">
                           <a:effectLst/>
                         </a:rPr>
                         <a:t>, 12345678910)</a:t>
                       </a:r>
-                      <a:endParaRPr lang="ko-KR" altLang="ko-KR" sz="1600" kern="100" dirty="0" smtClean="0">
-                        <a:effectLst/>
-                        <a:latin typeface="맑은 고딕" panose="020B0503020000020004" pitchFamily="50" charset="-127"/>
-                        <a:ea typeface="맑은 고딕" panose="020B0503020000020004" pitchFamily="50" charset="-127"/>
-                        <a:cs typeface="Times New Roman" panose="02020603050405020304" pitchFamily="18" charset="0"/>
-                      </a:endParaRPr>
-                    </a:p>
-                  </a:txBody>
-                  <a:tcPr marL="68580" marR="68580" marT="0" marB="0" anchor="ctr"/>
-                </a:tc>
-                <a:tc>
-                  <a:txBody>
-                    <a:bodyPr/>
-                    <a:lstStyle/>
-                    <a:p>
-                      <a:pPr algn="just" latinLnBrk="1">
-                        <a:lnSpc>
-                          <a:spcPct val="107000"/>
-                        </a:lnSpc>
-                        <a:spcAft>
-                          <a:spcPts val="800"/>
-                        </a:spcAft>
-                      </a:pPr>
-                      <a:r>
-                        <a:rPr lang="ko-KR" altLang="en-US" sz="1600" kern="100" dirty="0" smtClean="0">
+                      <a:endParaRPr lang="ko-KR" altLang="ko-KR" sz="1600" kern="100" dirty="0">
+                        <a:effectLst/>
+                        <a:latin typeface="맑은 고딕" panose="020B0503020000020004" pitchFamily="50" charset="-127"/>
+                        <a:ea typeface="맑은 고딕" panose="020B0503020000020004" pitchFamily="50" charset="-127"/>
+                        <a:cs typeface="Times New Roman" panose="02020603050405020304" pitchFamily="18" charset="0"/>
+                      </a:endParaRPr>
+                    </a:p>
+                  </a:txBody>
+                  <a:tcPr marL="68580" marR="68580" marT="0" marB="0" anchor="ctr"/>
+                </a:tc>
+                <a:tc>
+                  <a:txBody>
+                    <a:bodyPr/>
+                    <a:lstStyle/>
+                    <a:p>
+                      <a:pPr algn="just" latinLnBrk="1">
+                        <a:lnSpc>
+                          <a:spcPct val="107000"/>
+                        </a:lnSpc>
+                        <a:spcAft>
+                          <a:spcPts val="800"/>
+                        </a:spcAft>
+                      </a:pPr>
+                      <a:r>
+                        <a:rPr lang="ko-KR" altLang="en-US" sz="1600" kern="100" dirty="0">
                           <a:effectLst/>
                           <a:latin typeface="맑은 고딕" panose="020B0503020000020004" pitchFamily="50" charset="-127"/>
                           <a:ea typeface="맑은 고딕" panose="020B0503020000020004" pitchFamily="50" charset="-127"/>
@@ -7468,7 +6744,7 @@
                         <a:t>비밀번호 틀림</a:t>
                       </a:r>
                       <a:r>
-                        <a:rPr lang="en-US" altLang="ko-KR" sz="1600" kern="100" dirty="0" smtClean="0">
+                        <a:rPr lang="en-US" altLang="ko-KR" sz="1600" kern="100" dirty="0">
                           <a:effectLst/>
                           <a:latin typeface="맑은 고딕" panose="020B0503020000020004" pitchFamily="50" charset="-127"/>
                           <a:ea typeface="맑은 고딕" panose="020B0503020000020004" pitchFamily="50" charset="-127"/>
@@ -7477,7 +6753,7 @@
                         <a:t>, </a:t>
                       </a:r>
                       <a:r>
-                        <a:rPr lang="ko-KR" altLang="en-US" sz="1600" kern="100" dirty="0" smtClean="0">
+                        <a:rPr lang="ko-KR" altLang="en-US" sz="1600" kern="100" dirty="0">
                           <a:effectLst/>
                           <a:latin typeface="맑은 고딕" panose="020B0503020000020004" pitchFamily="50" charset="-127"/>
                           <a:ea typeface="맑은 고딕" panose="020B0503020000020004" pitchFamily="50" charset="-127"/>
@@ -7495,213 +6771,9 @@
                   </a:txBody>
                   <a:tcPr marL="68580" marR="68580" marT="0" marB="0" anchor="ctr"/>
                 </a:tc>
-              </a:tr>
-              <a:tr h="277879">
-                <a:tc>
-                  <a:txBody>
-                    <a:bodyPr/>
-                    <a:lstStyle/>
-                    <a:p>
-                      <a:pPr algn="just" latinLnBrk="1">
-                        <a:lnSpc>
-                          <a:spcPct val="107000"/>
-                        </a:lnSpc>
-                        <a:spcAft>
-                          <a:spcPts val="800"/>
-                        </a:spcAft>
-                      </a:pPr>
-                      <a:r>
-                        <a:rPr lang="en-US" sz="1600" kern="100" dirty="0" smtClean="0">
-                          <a:effectLst/>
-                        </a:rPr>
-                        <a:t>T4</a:t>
-                      </a:r>
-                      <a:endParaRPr lang="ko-KR" sz="1600" kern="100" dirty="0">
-                        <a:effectLst/>
-                        <a:latin typeface="맑은 고딕" panose="020B0503020000020004" pitchFamily="50" charset="-127"/>
-                        <a:ea typeface="맑은 고딕" panose="020B0503020000020004" pitchFamily="50" charset="-127"/>
-                        <a:cs typeface="Times New Roman" panose="02020603050405020304" pitchFamily="18" charset="0"/>
-                      </a:endParaRPr>
-                    </a:p>
-                  </a:txBody>
-                  <a:tcPr marL="68580" marR="68580" marT="0" marB="0" anchor="ctr"/>
-                </a:tc>
-                <a:tc>
-                  <a:txBody>
-                    <a:bodyPr/>
-                    <a:lstStyle/>
-                    <a:p>
-                      <a:pPr algn="just" latinLnBrk="1">
-                        <a:lnSpc>
-                          <a:spcPct val="107000"/>
-                        </a:lnSpc>
-                        <a:spcAft>
-                          <a:spcPts val="800"/>
-                        </a:spcAft>
-                      </a:pPr>
-                      <a:r>
-                        <a:rPr lang="ko-KR" altLang="en-US" sz="1600" kern="100" dirty="0" smtClean="0">
-                          <a:effectLst/>
-                          <a:latin typeface="+mn-lt"/>
-                          <a:ea typeface="+mn-ea"/>
-                          <a:cs typeface="+mn-cs"/>
-                        </a:rPr>
-                        <a:t>친구관계설정</a:t>
-                      </a:r>
-                      <a:endParaRPr lang="ko-KR" sz="1600" kern="100" dirty="0">
-                        <a:effectLst/>
-                        <a:latin typeface="맑은 고딕" panose="020B0503020000020004" pitchFamily="50" charset="-127"/>
-                        <a:ea typeface="맑은 고딕" panose="020B0503020000020004" pitchFamily="50" charset="-127"/>
-                        <a:cs typeface="Times New Roman" panose="02020603050405020304" pitchFamily="18" charset="0"/>
-                      </a:endParaRPr>
-                    </a:p>
-                  </a:txBody>
-                  <a:tcPr marL="68580" marR="68580" marT="0" marB="0" anchor="ctr"/>
-                </a:tc>
-                <a:tc>
-                  <a:txBody>
-                    <a:bodyPr/>
-                    <a:lstStyle/>
-                    <a:p>
-                      <a:pPr algn="just" latinLnBrk="1">
-                        <a:lnSpc>
-                          <a:spcPct val="107000"/>
-                        </a:lnSpc>
-                        <a:spcAft>
-                          <a:spcPts val="800"/>
-                        </a:spcAft>
-                      </a:pPr>
-                      <a:r>
-                        <a:rPr lang="en-US" sz="1600" kern="100" dirty="0">
-                          <a:effectLst/>
-                        </a:rPr>
-                        <a:t> </a:t>
-                      </a:r>
-                      <a:r>
-                        <a:rPr lang="en-US" sz="1600" kern="100" dirty="0" smtClean="0">
-                          <a:effectLst/>
-                        </a:rPr>
-                        <a:t>A4</a:t>
-                      </a:r>
-                      <a:endParaRPr lang="ko-KR" sz="1600" kern="100" dirty="0">
-                        <a:effectLst/>
-                        <a:latin typeface="맑은 고딕" panose="020B0503020000020004" pitchFamily="50" charset="-127"/>
-                        <a:ea typeface="맑은 고딕" panose="020B0503020000020004" pitchFamily="50" charset="-127"/>
-                        <a:cs typeface="Times New Roman" panose="02020603050405020304" pitchFamily="18" charset="0"/>
-                      </a:endParaRPr>
-                    </a:p>
-                  </a:txBody>
-                  <a:tcPr marL="68580" marR="68580" marT="0" marB="0" anchor="ctr"/>
-                </a:tc>
-                <a:tc>
-                  <a:txBody>
-                    <a:bodyPr/>
-                    <a:lstStyle/>
-                    <a:p>
-                      <a:pPr algn="just" latinLnBrk="1">
-                        <a:lnSpc>
-                          <a:spcPct val="107000"/>
-                        </a:lnSpc>
-                        <a:spcAft>
-                          <a:spcPts val="800"/>
-                        </a:spcAft>
-                      </a:pPr>
-                      <a:r>
-                        <a:rPr lang="en-US" sz="1600" kern="100" dirty="0">
-                          <a:effectLst/>
-                        </a:rPr>
-                        <a:t> </a:t>
-                      </a:r>
-                      <a:r>
-                        <a:rPr lang="en-US" sz="1600" kern="100" dirty="0" smtClean="0">
-                          <a:effectLst/>
-                        </a:rPr>
-                        <a:t>(</a:t>
-                      </a:r>
-                      <a:r>
-                        <a:rPr lang="ko-KR" altLang="en-US" sz="1600" kern="100" dirty="0" err="1" smtClean="0">
-                          <a:effectLst/>
-                        </a:rPr>
-                        <a:t>팔로우</a:t>
-                      </a:r>
-                      <a:r>
-                        <a:rPr lang="ko-KR" altLang="en-US" sz="1600" kern="100" baseline="0" dirty="0" smtClean="0">
-                          <a:effectLst/>
-                        </a:rPr>
-                        <a:t> 요청</a:t>
-                      </a:r>
-                      <a:r>
-                        <a:rPr lang="en-US" altLang="ko-KR" sz="1600" kern="100" baseline="0" dirty="0" smtClean="0">
-                          <a:effectLst/>
-                        </a:rPr>
-                        <a:t>,  </a:t>
-                      </a:r>
-                      <a:r>
-                        <a:rPr lang="ko-KR" altLang="en-US" sz="1600" kern="100" baseline="0" dirty="0" smtClean="0">
-                          <a:effectLst/>
-                        </a:rPr>
-                        <a:t>닉네임</a:t>
-                      </a:r>
-                      <a:r>
-                        <a:rPr lang="en-US" altLang="ko-KR" sz="1600" kern="100" baseline="0" dirty="0" smtClean="0">
-                          <a:effectLst/>
-                        </a:rPr>
-                        <a:t>:</a:t>
-                      </a:r>
-                      <a:r>
-                        <a:rPr lang="en-US" altLang="ko-KR" sz="1600" kern="100" baseline="0" dirty="0" err="1" smtClean="0">
-                          <a:effectLst/>
-                        </a:rPr>
-                        <a:t>killdong</a:t>
-                      </a:r>
-                      <a:r>
-                        <a:rPr lang="en-US" altLang="ko-KR" sz="1600" kern="100" dirty="0" smtClean="0">
-                          <a:effectLst/>
-                        </a:rPr>
-                        <a:t>)</a:t>
-                      </a:r>
-                      <a:endParaRPr lang="ko-KR" sz="1600" kern="100" dirty="0">
-                        <a:effectLst/>
-                        <a:latin typeface="맑은 고딕" panose="020B0503020000020004" pitchFamily="50" charset="-127"/>
-                        <a:ea typeface="맑은 고딕" panose="020B0503020000020004" pitchFamily="50" charset="-127"/>
-                        <a:cs typeface="Times New Roman" panose="02020603050405020304" pitchFamily="18" charset="0"/>
-                      </a:endParaRPr>
-                    </a:p>
-                  </a:txBody>
-                  <a:tcPr marL="68580" marR="68580" marT="0" marB="0" anchor="ctr"/>
-                </a:tc>
-                <a:tc>
-                  <a:txBody>
-                    <a:bodyPr/>
-                    <a:lstStyle/>
-                    <a:p>
-                      <a:pPr algn="just" latinLnBrk="1">
-                        <a:lnSpc>
-                          <a:spcPct val="107000"/>
-                        </a:lnSpc>
-                        <a:spcAft>
-                          <a:spcPts val="800"/>
-                        </a:spcAft>
-                      </a:pPr>
-                      <a:r>
-                        <a:rPr lang="en-US" sz="1600" kern="100" dirty="0">
-                          <a:effectLst/>
-                        </a:rPr>
-                        <a:t> </a:t>
-                      </a:r>
-                      <a:endParaRPr lang="ko-KR" sz="1600" kern="100" dirty="0">
-                        <a:effectLst/>
-                        <a:latin typeface="맑은 고딕" panose="020B0503020000020004" pitchFamily="50" charset="-127"/>
-                        <a:ea typeface="맑은 고딕" panose="020B0503020000020004" pitchFamily="50" charset="-127"/>
-                        <a:cs typeface="Times New Roman" panose="02020603050405020304" pitchFamily="18" charset="0"/>
-                      </a:endParaRPr>
-                    </a:p>
-                  </a:txBody>
-                  <a:tcPr marL="68580" marR="68580" marT="0" marB="0" anchor="ctr"/>
-                </a:tc>
                 <a:extLst>
                   <a:ext uri="{0D108BD9-81ED-4DB2-BD59-A6C34878D82A}">
-                    <a16:rowId xmlns:a16="http://schemas.microsoft.com/office/drawing/2014/main" xmlns="" val="4041455491"/>
+                    <a16:rowId xmlns:a16="http://schemas.microsoft.com/office/drawing/2014/main" val="10006"/>
                   </a:ext>
                 </a:extLst>
               </a:tr>
@@ -7723,7 +6795,7 @@
                         <a:rPr lang="en-US" sz="1600" kern="100" dirty="0">
                           <a:effectLst/>
                         </a:rPr>
-                        <a:t> </a:t>
+                        <a:t>T3</a:t>
                       </a:r>
                       <a:endParaRPr lang="ko-KR" sz="1600" kern="100" dirty="0">
                         <a:effectLst/>
@@ -7749,10 +6821,42 @@
                         </a:spcAft>
                       </a:pPr>
                       <a:r>
+                        <a:rPr lang="ko-KR" altLang="en-US" sz="1600" kern="100" dirty="0">
+                          <a:effectLst/>
+                          <a:latin typeface="+mn-lt"/>
+                          <a:ea typeface="+mn-ea"/>
+                          <a:cs typeface="+mn-cs"/>
+                        </a:rPr>
+                        <a:t>친구관계설정</a:t>
+                      </a:r>
+                      <a:endParaRPr lang="ko-KR" sz="1600" kern="100" dirty="0">
+                        <a:effectLst/>
+                        <a:latin typeface="맑은 고딕" panose="020B0503020000020004" pitchFamily="50" charset="-127"/>
+                        <a:ea typeface="맑은 고딕" panose="020B0503020000020004" pitchFamily="50" charset="-127"/>
+                        <a:cs typeface="Times New Roman" panose="02020603050405020304" pitchFamily="18" charset="0"/>
+                      </a:endParaRPr>
+                    </a:p>
+                  </a:txBody>
+                  <a:tcPr marL="68580" marR="68580" marT="0" marB="0" anchor="ctr"/>
+                </a:tc>
+                <a:tc>
+                  <a:txBody>
+                    <a:bodyPr/>
+                    <a:lstStyle/>
+                    <a:p>
+                      <a:pPr algn="just" latinLnBrk="1">
+                        <a:lnSpc>
+                          <a:spcPct val="107000"/>
+                        </a:lnSpc>
+                        <a:spcAft>
+                          <a:spcPts val="800"/>
+                        </a:spcAft>
+                      </a:pPr>
+                      <a:r>
                         <a:rPr lang="en-US" sz="1600" kern="100" dirty="0">
                           <a:effectLst/>
                         </a:rPr>
-                        <a:t> </a:t>
+                        <a:t> A3</a:t>
                       </a:r>
                       <a:endParaRPr lang="ko-KR" sz="1600" kern="100" dirty="0">
                         <a:effectLst/>
@@ -7781,7 +6885,49 @@
                         <a:rPr lang="en-US" sz="1600" kern="100" dirty="0">
                           <a:effectLst/>
                         </a:rPr>
-                        <a:t> </a:t>
+                        <a:t> (</a:t>
+                      </a:r>
+                      <a:r>
+                        <a:rPr lang="ko-KR" altLang="en-US" sz="1600" kern="100" dirty="0">
+                          <a:effectLst/>
+                        </a:rPr>
+                        <a:t>친구</a:t>
+                      </a:r>
+                      <a:r>
+                        <a:rPr lang="ko-KR" altLang="en-US" sz="1600" kern="100" baseline="0" dirty="0">
+                          <a:effectLst/>
+                        </a:rPr>
+                        <a:t> 추가</a:t>
+                      </a:r>
+                      <a:r>
+                        <a:rPr lang="en-US" altLang="ko-KR" sz="1600" kern="100" baseline="0" dirty="0">
+                          <a:effectLst/>
+                        </a:rPr>
+                        <a:t>,  </a:t>
+                      </a:r>
+                      <a:r>
+                        <a:rPr lang="ko-KR" altLang="en-US" sz="1600" kern="100" baseline="0" dirty="0">
+                          <a:effectLst/>
+                        </a:rPr>
+                        <a:t>닉네임</a:t>
+                      </a:r>
+                      <a:r>
+                        <a:rPr lang="en-US" altLang="ko-KR" sz="1600" kern="100" baseline="0" dirty="0">
+                          <a:effectLst/>
+                        </a:rPr>
+                        <a:t>:</a:t>
+                      </a:r>
+                      <a:r>
+                        <a:rPr lang="en-US" altLang="ko-KR" sz="1600" kern="100" baseline="0" dirty="0" err="1">
+                          <a:effectLst/>
+                        </a:rPr>
+                        <a:t>killdong</a:t>
+                      </a:r>
+                      <a:r>
+                        <a:rPr lang="en-US" altLang="ko-KR" sz="1600" kern="100" dirty="0">
+                          <a:effectLst/>
+                        </a:rPr>
+                        <a:t>)</a:t>
                       </a:r>
                       <a:endParaRPr lang="ko-KR" sz="1600" kern="100" dirty="0">
                         <a:effectLst/>
@@ -7806,65 +6952,6 @@
                           <a:spcPts val="800"/>
                         </a:spcAft>
                       </a:pPr>
-                      <a:r>
-                        <a:rPr lang="en-US" sz="1600" kern="100" dirty="0">
-                          <a:effectLst/>
-                        </a:rPr>
-                        <a:t> </a:t>
-                      </a:r>
-                      <a:r>
-                        <a:rPr lang="en-US" sz="1600" kern="100" dirty="0" smtClean="0">
-                          <a:effectLst/>
-                        </a:rPr>
-                        <a:t>(follow, </a:t>
-                      </a:r>
-                      <a:r>
-                        <a:rPr lang="en-US" sz="1600" kern="100" dirty="0" err="1" smtClean="0">
-                          <a:effectLst/>
-                        </a:rPr>
-                        <a:t>killdong</a:t>
-                      </a:r>
-                      <a:r>
-                        <a:rPr lang="en-US" sz="1600" kern="100" baseline="0" dirty="0" smtClean="0">
-                          <a:effectLst/>
-                        </a:rPr>
-                        <a:t>)</a:t>
-                      </a:r>
-                      <a:endParaRPr lang="ko-KR" sz="1600" kern="100" dirty="0">
-                        <a:effectLst/>
-                        <a:latin typeface="맑은 고딕" panose="020B0503020000020004" pitchFamily="50" charset="-127"/>
-                        <a:ea typeface="맑은 고딕" panose="020B0503020000020004" pitchFamily="50" charset="-127"/>
-                        <a:cs typeface="Times New Roman" panose="02020603050405020304" pitchFamily="18" charset="0"/>
-                      </a:endParaRPr>
-                    </a:p>
-                  </a:txBody>
-                  <a:tcPr marL="68580" marR="68580" marT="0" marB="0" anchor="ctr"/>
-                </a:tc>
-                <a:tc>
-                  <a:txBody>
-                    <a:bodyPr/>
-                    <a:lstStyle/>
-                    <a:p>
-                      <a:pPr algn="just" latinLnBrk="1">
-                        <a:lnSpc>
-                          <a:spcPct val="107000"/>
-                        </a:lnSpc>
-                        <a:spcAft>
-                          <a:spcPts val="800"/>
-                        </a:spcAft>
-                      </a:pPr>
-                      <a:r>
-                        <a:rPr lang="ko-KR" altLang="en-US" sz="1600" kern="100" dirty="0" err="1" smtClean="0">
-                          <a:effectLst/>
-                        </a:rPr>
-                        <a:t>팔로우</a:t>
-                      </a:r>
-                      <a:r>
-                        <a:rPr lang="ko-KR" altLang="en-US" sz="1600" kern="100" dirty="0" smtClean="0">
-                          <a:effectLst/>
-                        </a:rPr>
-                        <a:t> 성공</a:t>
-                      </a:r>
                       <a:r>
                         <a:rPr lang="en-US" sz="1600" kern="100" dirty="0">
                           <a:effectLst/>
@@ -7883,7 +6970,7 @@
                 </a:tc>
                 <a:extLst>
                   <a:ext uri="{0D108BD9-81ED-4DB2-BD59-A6C34878D82A}">
-                    <a16:rowId xmlns:a16="http://schemas.microsoft.com/office/drawing/2014/main" xmlns="" val="282079096"/>
+                    <a16:rowId xmlns:a16="http://schemas.microsoft.com/office/drawing/2014/main" val="4041455491"/>
                   </a:ext>
                 </a:extLst>
               </a:tr>
@@ -7901,6 +6988,12 @@
                           <a:spcPts val="800"/>
                         </a:spcAft>
                       </a:pPr>
+                      <a:r>
+                        <a:rPr lang="en-US" sz="1600" kern="100" dirty="0">
+                          <a:effectLst/>
+                        </a:rPr>
+                        <a:t> </a:t>
+                      </a:r>
                       <a:endParaRPr lang="ko-KR" sz="1600" kern="100" dirty="0">
                         <a:effectLst/>
                         <a:latin typeface="맑은 고딕" panose="020B0503020000020004" pitchFamily="50" charset="-127"/>
@@ -7924,6 +7017,12 @@
                           <a:spcPts val="800"/>
                         </a:spcAft>
                       </a:pPr>
+                      <a:r>
+                        <a:rPr lang="en-US" sz="1600" kern="100" dirty="0">
+                          <a:effectLst/>
+                        </a:rPr>
+                        <a:t> </a:t>
+                      </a:r>
                       <a:endParaRPr lang="ko-KR" sz="1600" kern="100" dirty="0">
                         <a:effectLst/>
                         <a:latin typeface="맑은 고딕" panose="020B0503020000020004" pitchFamily="50" charset="-127"/>
@@ -7947,6 +7046,12 @@
                           <a:spcPts val="800"/>
                         </a:spcAft>
                       </a:pPr>
+                      <a:r>
+                        <a:rPr lang="en-US" sz="1600" kern="100" dirty="0">
+                          <a:effectLst/>
+                        </a:rPr>
+                        <a:t> </a:t>
+                      </a:r>
                       <a:endParaRPr lang="ko-KR" sz="1600" kern="100" dirty="0">
                         <a:effectLst/>
                         <a:latin typeface="맑은 고딕" panose="020B0503020000020004" pitchFamily="50" charset="-127"/>
@@ -7971,279 +7076,513 @@
                         </a:spcAft>
                       </a:pPr>
                       <a:r>
-                        <a:rPr lang="en-US" altLang="ko-KR" sz="1600" kern="100" dirty="0" smtClean="0">
+                        <a:rPr lang="en-US" sz="1600" kern="100" dirty="0">
+                          <a:effectLst/>
+                        </a:rPr>
+                        <a:t> user(friends : </a:t>
+                      </a:r>
+                      <a:r>
+                        <a:rPr lang="en-US" sz="1600" kern="100" dirty="0" err="1">
+                          <a:effectLst/>
+                        </a:rPr>
+                        <a:t>killdong</a:t>
+                      </a:r>
+                      <a:r>
+                        <a:rPr lang="en-US" sz="1600" kern="100" baseline="0" dirty="0">
+                          <a:effectLst/>
+                        </a:rPr>
+                        <a:t>)</a:t>
+                      </a:r>
+                      <a:endParaRPr lang="ko-KR" sz="1600" kern="100" dirty="0">
+                        <a:effectLst/>
+                        <a:latin typeface="맑은 고딕" panose="020B0503020000020004" pitchFamily="50" charset="-127"/>
+                        <a:ea typeface="맑은 고딕" panose="020B0503020000020004" pitchFamily="50" charset="-127"/>
+                        <a:cs typeface="Times New Roman" panose="02020603050405020304" pitchFamily="18" charset="0"/>
+                      </a:endParaRPr>
+                    </a:p>
+                  </a:txBody>
+                  <a:tcPr marL="68580" marR="68580" marT="0" marB="0" anchor="ctr"/>
+                </a:tc>
+                <a:tc>
+                  <a:txBody>
+                    <a:bodyPr/>
+                    <a:lstStyle/>
+                    <a:p>
+                      <a:pPr algn="just" latinLnBrk="1">
+                        <a:lnSpc>
+                          <a:spcPct val="107000"/>
+                        </a:lnSpc>
+                        <a:spcAft>
+                          <a:spcPts val="800"/>
+                        </a:spcAft>
+                      </a:pPr>
+                      <a:r>
+                        <a:rPr lang="ko-KR" altLang="en-US" sz="1600" kern="100" dirty="0" err="1">
+                          <a:effectLst/>
+                        </a:rPr>
+                        <a:t>팔로우</a:t>
+                      </a:r>
+                      <a:r>
+                        <a:rPr lang="ko-KR" altLang="en-US" sz="1600" kern="100" dirty="0">
+                          <a:effectLst/>
+                        </a:rPr>
+                        <a:t> 성공</a:t>
+                      </a:r>
+                      <a:r>
+                        <a:rPr lang="en-US" sz="1600" kern="100" dirty="0">
+                          <a:effectLst/>
+                        </a:rPr>
+                        <a:t> </a:t>
+                      </a:r>
+                      <a:endParaRPr lang="ko-KR" sz="1600" kern="100" dirty="0">
+                        <a:effectLst/>
+                        <a:latin typeface="맑은 고딕" panose="020B0503020000020004" pitchFamily="50" charset="-127"/>
+                        <a:ea typeface="맑은 고딕" panose="020B0503020000020004" pitchFamily="50" charset="-127"/>
+                        <a:cs typeface="Times New Roman" panose="02020603050405020304" pitchFamily="18" charset="0"/>
+                      </a:endParaRPr>
+                    </a:p>
+                  </a:txBody>
+                  <a:tcPr marL="68580" marR="68580" marT="0" marB="0" anchor="ctr"/>
+                </a:tc>
+                <a:extLst>
+                  <a:ext uri="{0D108BD9-81ED-4DB2-BD59-A6C34878D82A}">
+                    <a16:rowId xmlns:a16="http://schemas.microsoft.com/office/drawing/2014/main" val="282079096"/>
+                  </a:ext>
+                </a:extLst>
+              </a:tr>
+              <a:tr h="277879">
+                <a:tc>
+                  <a:txBody>
+                    <a:bodyPr/>
+                    <a:lstStyle/>
+                    <a:p>
+                      <a:pPr algn="just" latinLnBrk="1">
+                        <a:lnSpc>
+                          <a:spcPct val="107000"/>
+                        </a:lnSpc>
+                        <a:spcAft>
+                          <a:spcPts val="800"/>
+                        </a:spcAft>
+                      </a:pPr>
+                      <a:endParaRPr lang="ko-KR" sz="1600" kern="100" dirty="0">
+                        <a:effectLst/>
+                        <a:latin typeface="맑은 고딕" panose="020B0503020000020004" pitchFamily="50" charset="-127"/>
+                        <a:ea typeface="맑은 고딕" panose="020B0503020000020004" pitchFamily="50" charset="-127"/>
+                        <a:cs typeface="Times New Roman" panose="02020603050405020304" pitchFamily="18" charset="0"/>
+                      </a:endParaRPr>
+                    </a:p>
+                  </a:txBody>
+                  <a:tcPr marL="68580" marR="68580" marT="0" marB="0" anchor="ctr"/>
+                </a:tc>
+                <a:tc>
+                  <a:txBody>
+                    <a:bodyPr/>
+                    <a:lstStyle/>
+                    <a:p>
+                      <a:pPr algn="just" latinLnBrk="1">
+                        <a:lnSpc>
+                          <a:spcPct val="107000"/>
+                        </a:lnSpc>
+                        <a:spcAft>
+                          <a:spcPts val="800"/>
+                        </a:spcAft>
+                      </a:pPr>
+                      <a:endParaRPr lang="ko-KR" sz="1600" kern="100" dirty="0">
+                        <a:effectLst/>
+                        <a:latin typeface="맑은 고딕" panose="020B0503020000020004" pitchFamily="50" charset="-127"/>
+                        <a:ea typeface="맑은 고딕" panose="020B0503020000020004" pitchFamily="50" charset="-127"/>
+                        <a:cs typeface="Times New Roman" panose="02020603050405020304" pitchFamily="18" charset="0"/>
+                      </a:endParaRPr>
+                    </a:p>
+                  </a:txBody>
+                  <a:tcPr marL="68580" marR="68580" marT="0" marB="0" anchor="ctr"/>
+                </a:tc>
+                <a:tc>
+                  <a:txBody>
+                    <a:bodyPr/>
+                    <a:lstStyle/>
+                    <a:p>
+                      <a:pPr algn="just" latinLnBrk="1">
+                        <a:lnSpc>
+                          <a:spcPct val="107000"/>
+                        </a:lnSpc>
+                        <a:spcAft>
+                          <a:spcPts val="800"/>
+                        </a:spcAft>
+                      </a:pPr>
+                      <a:endParaRPr lang="ko-KR" sz="1600" kern="100" dirty="0">
+                        <a:effectLst/>
+                        <a:latin typeface="맑은 고딕" panose="020B0503020000020004" pitchFamily="50" charset="-127"/>
+                        <a:ea typeface="맑은 고딕" panose="020B0503020000020004" pitchFamily="50" charset="-127"/>
+                        <a:cs typeface="Times New Roman" panose="02020603050405020304" pitchFamily="18" charset="0"/>
+                      </a:endParaRPr>
+                    </a:p>
+                  </a:txBody>
+                  <a:tcPr marL="68580" marR="68580" marT="0" marB="0" anchor="ctr"/>
+                </a:tc>
+                <a:tc>
+                  <a:txBody>
+                    <a:bodyPr/>
+                    <a:lstStyle/>
+                    <a:p>
+                      <a:pPr algn="just" latinLnBrk="1">
+                        <a:lnSpc>
+                          <a:spcPct val="107000"/>
+                        </a:lnSpc>
+                        <a:spcAft>
+                          <a:spcPts val="800"/>
+                        </a:spcAft>
+                      </a:pPr>
+                      <a:r>
+                        <a:rPr lang="en-US" altLang="ko-KR" sz="1600" kern="100" dirty="0">
+                          <a:effectLst/>
+                        </a:rPr>
+                        <a:t>user(friends : </a:t>
+                      </a:r>
+                      <a:r>
+                        <a:rPr lang="en-US" altLang="ko-KR" sz="1600" kern="100" baseline="0" dirty="0">
                           <a:effectLst/>
                           <a:latin typeface="맑은 고딕" panose="020B0503020000020004" pitchFamily="50" charset="-127"/>
                           <a:ea typeface="맑은 고딕" panose="020B0503020000020004" pitchFamily="50" charset="-127"/>
                           <a:cs typeface="Times New Roman" panose="02020603050405020304" pitchFamily="18" charset="0"/>
                         </a:rPr>
-                        <a:t>(follow,</a:t>
-                      </a:r>
-                      <a:r>
-                        <a:rPr lang="en-US" altLang="ko-KR" sz="1600" kern="100" baseline="0" dirty="0" smtClean="0">
+                        <a:t>NULL</a:t>
+                      </a:r>
+                      <a:r>
+                        <a:rPr lang="en-US" altLang="ko-KR" sz="1600" kern="100" dirty="0">
                           <a:effectLst/>
                           <a:latin typeface="맑은 고딕" panose="020B0503020000020004" pitchFamily="50" charset="-127"/>
                           <a:ea typeface="맑은 고딕" panose="020B0503020000020004" pitchFamily="50" charset="-127"/>
                           <a:cs typeface="Times New Roman" panose="02020603050405020304" pitchFamily="18" charset="0"/>
                         </a:rPr>
-                        <a:t> NULL</a:t>
-                      </a:r>
-                      <a:r>
-                        <a:rPr lang="en-US" altLang="ko-KR" sz="1600" kern="100" dirty="0" smtClean="0">
+                        <a:t>)</a:t>
+                      </a:r>
+                      <a:endParaRPr lang="ko-KR" sz="1600" kern="100" dirty="0">
+                        <a:effectLst/>
+                        <a:latin typeface="맑은 고딕" panose="020B0503020000020004" pitchFamily="50" charset="-127"/>
+                        <a:ea typeface="맑은 고딕" panose="020B0503020000020004" pitchFamily="50" charset="-127"/>
+                        <a:cs typeface="Times New Roman" panose="02020603050405020304" pitchFamily="18" charset="0"/>
+                      </a:endParaRPr>
+                    </a:p>
+                  </a:txBody>
+                  <a:tcPr marL="68580" marR="68580" marT="0" marB="0" anchor="ctr"/>
+                </a:tc>
+                <a:tc>
+                  <a:txBody>
+                    <a:bodyPr/>
+                    <a:lstStyle/>
+                    <a:p>
+                      <a:pPr algn="just" latinLnBrk="1">
+                        <a:lnSpc>
+                          <a:spcPct val="107000"/>
+                        </a:lnSpc>
+                        <a:spcAft>
+                          <a:spcPts val="800"/>
+                        </a:spcAft>
+                      </a:pPr>
+                      <a:r>
+                        <a:rPr lang="ko-KR" altLang="en-US" sz="1600" kern="100" dirty="0">
                           <a:effectLst/>
                           <a:latin typeface="맑은 고딕" panose="020B0503020000020004" pitchFamily="50" charset="-127"/>
                           <a:ea typeface="맑은 고딕" panose="020B0503020000020004" pitchFamily="50" charset="-127"/>
                           <a:cs typeface="Times New Roman" panose="02020603050405020304" pitchFamily="18" charset="0"/>
                         </a:rPr>
-                        <a:t>)</a:t>
-                      </a:r>
-                      <a:endParaRPr lang="ko-KR" sz="1600" kern="100" dirty="0">
-                        <a:effectLst/>
-                        <a:latin typeface="맑은 고딕" panose="020B0503020000020004" pitchFamily="50" charset="-127"/>
-                        <a:ea typeface="맑은 고딕" panose="020B0503020000020004" pitchFamily="50" charset="-127"/>
-                        <a:cs typeface="Times New Roman" panose="02020603050405020304" pitchFamily="18" charset="0"/>
-                      </a:endParaRPr>
-                    </a:p>
-                  </a:txBody>
-                  <a:tcPr marL="68580" marR="68580" marT="0" marB="0" anchor="ctr"/>
-                </a:tc>
-                <a:tc>
-                  <a:txBody>
-                    <a:bodyPr/>
-                    <a:lstStyle/>
-                    <a:p>
-                      <a:pPr algn="just" latinLnBrk="1">
-                        <a:lnSpc>
-                          <a:spcPct val="107000"/>
-                        </a:lnSpc>
-                        <a:spcAft>
-                          <a:spcPts val="800"/>
-                        </a:spcAft>
-                      </a:pPr>
-                      <a:r>
-                        <a:rPr lang="ko-KR" altLang="en-US" sz="1600" kern="100" dirty="0" smtClean="0">
+                        <a:t>닉네임 입력 무</a:t>
+                      </a:r>
+                      <a:r>
+                        <a:rPr lang="en-US" altLang="ko-KR" sz="1600" kern="100" baseline="0" dirty="0">
                           <a:effectLst/>
                           <a:latin typeface="맑은 고딕" panose="020B0503020000020004" pitchFamily="50" charset="-127"/>
                           <a:ea typeface="맑은 고딕" panose="020B0503020000020004" pitchFamily="50" charset="-127"/>
                           <a:cs typeface="Times New Roman" panose="02020603050405020304" pitchFamily="18" charset="0"/>
                         </a:rPr>
-                        <a:t>닉네임 입력 무</a:t>
-                      </a:r>
-                      <a:r>
-                        <a:rPr lang="en-US" altLang="ko-KR" sz="1600" kern="100" baseline="0" dirty="0" smtClean="0">
+                        <a:t>, </a:t>
+                      </a:r>
+                      <a:r>
+                        <a:rPr lang="ko-KR" altLang="en-US" sz="1600" kern="100" baseline="0" dirty="0">
                           <a:effectLst/>
                           <a:latin typeface="맑은 고딕" panose="020B0503020000020004" pitchFamily="50" charset="-127"/>
                           <a:ea typeface="맑은 고딕" panose="020B0503020000020004" pitchFamily="50" charset="-127"/>
                           <a:cs typeface="Times New Roman" panose="02020603050405020304" pitchFamily="18" charset="0"/>
                         </a:rPr>
-                        <a:t>, </a:t>
-                      </a:r>
-                      <a:r>
-                        <a:rPr lang="ko-KR" altLang="en-US" sz="1600" kern="100" baseline="0" dirty="0" smtClean="0">
+                        <a:t>닉네임 입력필요 </a:t>
+                      </a:r>
+                      <a:r>
+                        <a:rPr lang="ko-KR" altLang="en-US" sz="1600" kern="100" baseline="0" dirty="0" err="1">
                           <a:effectLst/>
                           <a:latin typeface="맑은 고딕" panose="020B0503020000020004" pitchFamily="50" charset="-127"/>
                           <a:ea typeface="맑은 고딕" panose="020B0503020000020004" pitchFamily="50" charset="-127"/>
                           <a:cs typeface="Times New Roman" panose="02020603050405020304" pitchFamily="18" charset="0"/>
                         </a:rPr>
-                        <a:t>닉네임 입력필요 </a:t>
-                      </a:r>
-                      <a:r>
-                        <a:rPr lang="ko-KR" altLang="en-US" sz="1600" kern="100" baseline="0" dirty="0" err="1" smtClean="0">
+                        <a:t>알람</a:t>
+                      </a:r>
+                      <a:endParaRPr lang="ko-KR" sz="1600" kern="100" dirty="0">
+                        <a:effectLst/>
+                        <a:latin typeface="맑은 고딕" panose="020B0503020000020004" pitchFamily="50" charset="-127"/>
+                        <a:ea typeface="맑은 고딕" panose="020B0503020000020004" pitchFamily="50" charset="-127"/>
+                        <a:cs typeface="Times New Roman" panose="02020603050405020304" pitchFamily="18" charset="0"/>
+                      </a:endParaRPr>
+                    </a:p>
+                  </a:txBody>
+                  <a:tcPr marL="68580" marR="68580" marT="0" marB="0" anchor="ctr"/>
+                </a:tc>
+                <a:extLst>
+                  <a:ext uri="{0D108BD9-81ED-4DB2-BD59-A6C34878D82A}">
+                    <a16:rowId xmlns:a16="http://schemas.microsoft.com/office/drawing/2014/main" val="10009"/>
+                  </a:ext>
+                </a:extLst>
+              </a:tr>
+              <a:tr h="0">
+                <a:tc>
+                  <a:txBody>
+                    <a:bodyPr/>
+                    <a:lstStyle/>
+                    <a:p>
+                      <a:pPr algn="just" latinLnBrk="1">
+                        <a:lnSpc>
+                          <a:spcPct val="107000"/>
+                        </a:lnSpc>
+                        <a:spcAft>
+                          <a:spcPts val="800"/>
+                        </a:spcAft>
+                      </a:pPr>
+                      <a:endParaRPr lang="ko-KR" sz="1600" kern="100" dirty="0">
+                        <a:effectLst/>
+                        <a:latin typeface="맑은 고딕" panose="020B0503020000020004" pitchFamily="50" charset="-127"/>
+                        <a:ea typeface="맑은 고딕" panose="020B0503020000020004" pitchFamily="50" charset="-127"/>
+                        <a:cs typeface="Times New Roman" panose="02020603050405020304" pitchFamily="18" charset="0"/>
+                      </a:endParaRPr>
+                    </a:p>
+                  </a:txBody>
+                  <a:tcPr marL="68580" marR="68580" marT="0" marB="0" anchor="ctr"/>
+                </a:tc>
+                <a:tc>
+                  <a:txBody>
+                    <a:bodyPr/>
+                    <a:lstStyle/>
+                    <a:p>
+                      <a:pPr algn="just" latinLnBrk="1">
+                        <a:lnSpc>
+                          <a:spcPct val="107000"/>
+                        </a:lnSpc>
+                        <a:spcAft>
+                          <a:spcPts val="800"/>
+                        </a:spcAft>
+                      </a:pPr>
+                      <a:endParaRPr lang="ko-KR" sz="1600" kern="100" dirty="0">
+                        <a:effectLst/>
+                        <a:latin typeface="맑은 고딕" panose="020B0503020000020004" pitchFamily="50" charset="-127"/>
+                        <a:ea typeface="맑은 고딕" panose="020B0503020000020004" pitchFamily="50" charset="-127"/>
+                        <a:cs typeface="Times New Roman" panose="02020603050405020304" pitchFamily="18" charset="0"/>
+                      </a:endParaRPr>
+                    </a:p>
+                  </a:txBody>
+                  <a:tcPr marL="68580" marR="68580" marT="0" marB="0" anchor="ctr"/>
+                </a:tc>
+                <a:tc>
+                  <a:txBody>
+                    <a:bodyPr/>
+                    <a:lstStyle/>
+                    <a:p>
+                      <a:pPr algn="just" latinLnBrk="1">
+                        <a:lnSpc>
+                          <a:spcPct val="107000"/>
+                        </a:lnSpc>
+                        <a:spcAft>
+                          <a:spcPts val="800"/>
+                        </a:spcAft>
+                      </a:pPr>
+                      <a:endParaRPr lang="ko-KR" sz="1600" kern="100" dirty="0">
+                        <a:effectLst/>
+                        <a:latin typeface="맑은 고딕" panose="020B0503020000020004" pitchFamily="50" charset="-127"/>
+                        <a:ea typeface="맑은 고딕" panose="020B0503020000020004" pitchFamily="50" charset="-127"/>
+                        <a:cs typeface="Times New Roman" panose="02020603050405020304" pitchFamily="18" charset="0"/>
+                      </a:endParaRPr>
+                    </a:p>
+                  </a:txBody>
+                  <a:tcPr marL="68580" marR="68580" marT="0" marB="0" anchor="ctr"/>
+                </a:tc>
+                <a:tc>
+                  <a:txBody>
+                    <a:bodyPr/>
+                    <a:lstStyle/>
+                    <a:p>
+                      <a:pPr algn="just" latinLnBrk="1">
+                        <a:lnSpc>
+                          <a:spcPct val="107000"/>
+                        </a:lnSpc>
+                        <a:spcAft>
+                          <a:spcPts val="800"/>
+                        </a:spcAft>
+                      </a:pPr>
+                      <a:r>
+                        <a:rPr lang="en-US" altLang="ko-KR" sz="1600" kern="100" dirty="0">
+                          <a:effectLst/>
+                        </a:rPr>
+                        <a:t>user(friends : </a:t>
+                      </a:r>
+                      <a:r>
+                        <a:rPr lang="en-US" altLang="ko-KR" sz="1600" kern="100" baseline="0" dirty="0" err="1">
                           <a:effectLst/>
                           <a:latin typeface="맑은 고딕" panose="020B0503020000020004" pitchFamily="50" charset="-127"/>
                           <a:ea typeface="맑은 고딕" panose="020B0503020000020004" pitchFamily="50" charset="-127"/>
                           <a:cs typeface="Times New Roman" panose="02020603050405020304" pitchFamily="18" charset="0"/>
                         </a:rPr>
-                        <a:t>알람</a:t>
-                      </a:r>
-                      <a:endParaRPr lang="ko-KR" sz="1600" kern="100" dirty="0">
-                        <a:effectLst/>
-                        <a:latin typeface="맑은 고딕" panose="020B0503020000020004" pitchFamily="50" charset="-127"/>
-                        <a:ea typeface="맑은 고딕" panose="020B0503020000020004" pitchFamily="50" charset="-127"/>
-                        <a:cs typeface="Times New Roman" panose="02020603050405020304" pitchFamily="18" charset="0"/>
-                      </a:endParaRPr>
-                    </a:p>
-                  </a:txBody>
-                  <a:tcPr marL="68580" marR="68580" marT="0" marB="0" anchor="ctr"/>
-                </a:tc>
-              </a:tr>
-              <a:tr h="277879">
-                <a:tc>
-                  <a:txBody>
-                    <a:bodyPr/>
-                    <a:lstStyle/>
-                    <a:p>
-                      <a:pPr algn="just" latinLnBrk="1">
-                        <a:lnSpc>
-                          <a:spcPct val="107000"/>
-                        </a:lnSpc>
-                        <a:spcAft>
-                          <a:spcPts val="800"/>
-                        </a:spcAft>
-                      </a:pPr>
-                      <a:endParaRPr lang="ko-KR" sz="1600" kern="100" dirty="0">
-                        <a:effectLst/>
-                        <a:latin typeface="맑은 고딕" panose="020B0503020000020004" pitchFamily="50" charset="-127"/>
-                        <a:ea typeface="맑은 고딕" panose="020B0503020000020004" pitchFamily="50" charset="-127"/>
-                        <a:cs typeface="Times New Roman" panose="02020603050405020304" pitchFamily="18" charset="0"/>
-                      </a:endParaRPr>
-                    </a:p>
-                  </a:txBody>
-                  <a:tcPr marL="68580" marR="68580" marT="0" marB="0" anchor="ctr"/>
-                </a:tc>
-                <a:tc>
-                  <a:txBody>
-                    <a:bodyPr/>
-                    <a:lstStyle/>
-                    <a:p>
-                      <a:pPr algn="just" latinLnBrk="1">
-                        <a:lnSpc>
-                          <a:spcPct val="107000"/>
-                        </a:lnSpc>
-                        <a:spcAft>
-                          <a:spcPts val="800"/>
-                        </a:spcAft>
-                      </a:pPr>
-                      <a:endParaRPr lang="ko-KR" sz="1600" kern="100" dirty="0">
-                        <a:effectLst/>
-                        <a:latin typeface="맑은 고딕" panose="020B0503020000020004" pitchFamily="50" charset="-127"/>
-                        <a:ea typeface="맑은 고딕" panose="020B0503020000020004" pitchFamily="50" charset="-127"/>
-                        <a:cs typeface="Times New Roman" panose="02020603050405020304" pitchFamily="18" charset="0"/>
-                      </a:endParaRPr>
-                    </a:p>
-                  </a:txBody>
-                  <a:tcPr marL="68580" marR="68580" marT="0" marB="0" anchor="ctr"/>
-                </a:tc>
-                <a:tc>
-                  <a:txBody>
-                    <a:bodyPr/>
-                    <a:lstStyle/>
-                    <a:p>
-                      <a:pPr algn="just" latinLnBrk="1">
-                        <a:lnSpc>
-                          <a:spcPct val="107000"/>
-                        </a:lnSpc>
-                        <a:spcAft>
-                          <a:spcPts val="800"/>
-                        </a:spcAft>
-                      </a:pPr>
-                      <a:endParaRPr lang="ko-KR" sz="1600" kern="100" dirty="0">
-                        <a:effectLst/>
-                        <a:latin typeface="맑은 고딕" panose="020B0503020000020004" pitchFamily="50" charset="-127"/>
-                        <a:ea typeface="맑은 고딕" panose="020B0503020000020004" pitchFamily="50" charset="-127"/>
-                        <a:cs typeface="Times New Roman" panose="02020603050405020304" pitchFamily="18" charset="0"/>
-                      </a:endParaRPr>
-                    </a:p>
-                  </a:txBody>
-                  <a:tcPr marL="68580" marR="68580" marT="0" marB="0" anchor="ctr"/>
-                </a:tc>
-                <a:tc>
-                  <a:txBody>
-                    <a:bodyPr/>
-                    <a:lstStyle/>
-                    <a:p>
-                      <a:pPr algn="just" latinLnBrk="1">
-                        <a:lnSpc>
-                          <a:spcPct val="107000"/>
-                        </a:lnSpc>
-                        <a:spcAft>
-                          <a:spcPts val="800"/>
-                        </a:spcAft>
-                      </a:pPr>
-                      <a:r>
-                        <a:rPr lang="en-US" altLang="ko-KR" sz="1600" kern="100" dirty="0" smtClean="0">
+                        <a:t>null_nickName</a:t>
+                      </a:r>
+                      <a:r>
+                        <a:rPr lang="en-US" altLang="ko-KR" sz="1600" kern="100" dirty="0">
                           <a:effectLst/>
                           <a:latin typeface="맑은 고딕" panose="020B0503020000020004" pitchFamily="50" charset="-127"/>
                           <a:ea typeface="맑은 고딕" panose="020B0503020000020004" pitchFamily="50" charset="-127"/>
                           <a:cs typeface="Times New Roman" panose="02020603050405020304" pitchFamily="18" charset="0"/>
                         </a:rPr>
-                        <a:t>(follow,</a:t>
-                      </a:r>
-                      <a:r>
-                        <a:rPr lang="en-US" altLang="ko-KR" sz="1600" kern="100" baseline="0" dirty="0" smtClean="0">
+                        <a:t>)</a:t>
+                      </a:r>
+                      <a:endParaRPr lang="ko-KR" sz="1600" kern="100" dirty="0">
+                        <a:effectLst/>
+                        <a:latin typeface="맑은 고딕" panose="020B0503020000020004" pitchFamily="50" charset="-127"/>
+                        <a:ea typeface="맑은 고딕" panose="020B0503020000020004" pitchFamily="50" charset="-127"/>
+                        <a:cs typeface="Times New Roman" panose="02020603050405020304" pitchFamily="18" charset="0"/>
+                      </a:endParaRPr>
+                    </a:p>
+                  </a:txBody>
+                  <a:tcPr marL="68580" marR="68580" marT="0" marB="0" anchor="ctr"/>
+                </a:tc>
+                <a:tc>
+                  <a:txBody>
+                    <a:bodyPr/>
+                    <a:lstStyle/>
+                    <a:p>
+                      <a:pPr algn="just" latinLnBrk="1">
+                        <a:lnSpc>
+                          <a:spcPct val="107000"/>
+                        </a:lnSpc>
+                        <a:spcAft>
+                          <a:spcPts val="800"/>
+                        </a:spcAft>
+                      </a:pPr>
+                      <a:r>
+                        <a:rPr lang="ko-KR" altLang="en-US" sz="1600" kern="100" dirty="0">
                           <a:effectLst/>
                           <a:latin typeface="맑은 고딕" panose="020B0503020000020004" pitchFamily="50" charset="-127"/>
                           <a:ea typeface="맑은 고딕" panose="020B0503020000020004" pitchFamily="50" charset="-127"/>
                           <a:cs typeface="Times New Roman" panose="02020603050405020304" pitchFamily="18" charset="0"/>
                         </a:rPr>
-                        <a:t> </a:t>
-                      </a:r>
-                      <a:r>
-                        <a:rPr lang="en-US" altLang="ko-KR" sz="1600" kern="100" baseline="0" dirty="0" err="1" smtClean="0">
+                        <a:t>없는 닉네임 입력</a:t>
+                      </a:r>
+                      <a:r>
+                        <a:rPr lang="en-US" altLang="ko-KR" sz="1600" kern="100" dirty="0">
                           <a:effectLst/>
                           <a:latin typeface="맑은 고딕" panose="020B0503020000020004" pitchFamily="50" charset="-127"/>
                           <a:ea typeface="맑은 고딕" panose="020B0503020000020004" pitchFamily="50" charset="-127"/>
                           <a:cs typeface="Times New Roman" panose="02020603050405020304" pitchFamily="18" charset="0"/>
                         </a:rPr>
-                        <a:t>null_nickName</a:t>
-                      </a:r>
-                      <a:r>
-                        <a:rPr lang="en-US" altLang="ko-KR" sz="1600" kern="100" dirty="0" smtClean="0">
+                        <a:t>, </a:t>
+                      </a:r>
+                      <a:r>
+                        <a:rPr lang="ko-KR" altLang="en-US" sz="1600" kern="100" dirty="0">
                           <a:effectLst/>
                           <a:latin typeface="맑은 고딕" panose="020B0503020000020004" pitchFamily="50" charset="-127"/>
                           <a:ea typeface="맑은 고딕" panose="020B0503020000020004" pitchFamily="50" charset="-127"/>
                           <a:cs typeface="Times New Roman" panose="02020603050405020304" pitchFamily="18" charset="0"/>
                         </a:rPr>
-                        <a:t>)</a:t>
-                      </a:r>
-                      <a:endParaRPr lang="ko-KR" sz="1600" kern="100" dirty="0">
-                        <a:effectLst/>
-                        <a:latin typeface="맑은 고딕" panose="020B0503020000020004" pitchFamily="50" charset="-127"/>
-                        <a:ea typeface="맑은 고딕" panose="020B0503020000020004" pitchFamily="50" charset="-127"/>
-                        <a:cs typeface="Times New Roman" panose="02020603050405020304" pitchFamily="18" charset="0"/>
-                      </a:endParaRPr>
-                    </a:p>
-                  </a:txBody>
-                  <a:tcPr marL="68580" marR="68580" marT="0" marB="0" anchor="ctr"/>
-                </a:tc>
-                <a:tc>
-                  <a:txBody>
-                    <a:bodyPr/>
-                    <a:lstStyle/>
-                    <a:p>
-                      <a:pPr algn="just" latinLnBrk="1">
-                        <a:lnSpc>
-                          <a:spcPct val="107000"/>
-                        </a:lnSpc>
-                        <a:spcAft>
-                          <a:spcPts val="800"/>
-                        </a:spcAft>
-                      </a:pPr>
-                      <a:r>
-                        <a:rPr lang="ko-KR" altLang="en-US" sz="1600" kern="100" dirty="0" smtClean="0">
+                        <a:t>닉네임 확인필요 </a:t>
+                      </a:r>
+                      <a:r>
+                        <a:rPr lang="ko-KR" altLang="en-US" sz="1600" kern="100" dirty="0" err="1">
                           <a:effectLst/>
                           <a:latin typeface="맑은 고딕" panose="020B0503020000020004" pitchFamily="50" charset="-127"/>
                           <a:ea typeface="맑은 고딕" panose="020B0503020000020004" pitchFamily="50" charset="-127"/>
                           <a:cs typeface="Times New Roman" panose="02020603050405020304" pitchFamily="18" charset="0"/>
                         </a:rPr>
-                        <a:t>없는 닉네임 입력</a:t>
-                      </a:r>
-                      <a:r>
-                        <a:rPr lang="en-US" altLang="ko-KR" sz="1600" kern="100" dirty="0" smtClean="0">
+                        <a:t>알람</a:t>
+                      </a:r>
+                      <a:endParaRPr lang="ko-KR" sz="1600" kern="100" dirty="0">
+                        <a:effectLst/>
+                        <a:latin typeface="맑은 고딕" panose="020B0503020000020004" pitchFamily="50" charset="-127"/>
+                        <a:ea typeface="맑은 고딕" panose="020B0503020000020004" pitchFamily="50" charset="-127"/>
+                        <a:cs typeface="Times New Roman" panose="02020603050405020304" pitchFamily="18" charset="0"/>
+                      </a:endParaRPr>
+                    </a:p>
+                  </a:txBody>
+                  <a:tcPr marL="68580" marR="68580" marT="0" marB="0" anchor="ctr"/>
+                </a:tc>
+                <a:extLst>
+                  <a:ext uri="{0D108BD9-81ED-4DB2-BD59-A6C34878D82A}">
+                    <a16:rowId xmlns:a16="http://schemas.microsoft.com/office/drawing/2014/main" val="10010"/>
+                  </a:ext>
+                </a:extLst>
+              </a:tr>
+              <a:tr h="277879">
+                <a:tc>
+                  <a:txBody>
+                    <a:bodyPr/>
+                    <a:lstStyle/>
+                    <a:p>
+                      <a:endParaRPr lang="ko-KR" altLang="en-US" dirty="0"/>
+                    </a:p>
+                  </a:txBody>
+                  <a:tcPr marL="68580" marR="68580" marT="0" marB="0" anchor="ctr"/>
+                </a:tc>
+                <a:tc>
+                  <a:txBody>
+                    <a:bodyPr/>
+                    <a:lstStyle/>
+                    <a:p>
+                      <a:endParaRPr lang="ko-KR" altLang="en-US" dirty="0"/>
+                    </a:p>
+                  </a:txBody>
+                  <a:tcPr marL="68580" marR="68580" marT="0" marB="0" anchor="ctr"/>
+                </a:tc>
+                <a:tc>
+                  <a:txBody>
+                    <a:bodyPr/>
+                    <a:lstStyle/>
+                    <a:p>
+                      <a:endParaRPr lang="ko-KR" altLang="en-US" dirty="0"/>
+                    </a:p>
+                  </a:txBody>
+                  <a:tcPr marL="68580" marR="68580" marT="0" marB="0" anchor="ctr"/>
+                </a:tc>
+                <a:tc>
+                  <a:txBody>
+                    <a:bodyPr/>
+                    <a:lstStyle/>
+                    <a:p>
+                      <a:r>
+                        <a:rPr lang="en-US" altLang="ko-KR" dirty="0"/>
+                        <a:t>(NULL,NULL)-</a:t>
+                      </a:r>
+                      <a:r>
+                        <a:rPr lang="ko-KR" altLang="en-US" dirty="0"/>
+                        <a:t>네트워크 오류</a:t>
+                      </a:r>
+                    </a:p>
+                  </a:txBody>
+                  <a:tcPr marL="68580" marR="68580" marT="0" marB="0" anchor="ctr"/>
+                </a:tc>
+                <a:tc>
+                  <a:txBody>
+                    <a:bodyPr/>
+                    <a:lstStyle/>
+                    <a:p>
+                      <a:pPr algn="just" latinLnBrk="1">
+                        <a:lnSpc>
+                          <a:spcPct val="107000"/>
+                        </a:lnSpc>
+                        <a:spcAft>
+                          <a:spcPts val="800"/>
+                        </a:spcAft>
+                      </a:pPr>
+                      <a:r>
+                        <a:rPr lang="ko-KR" altLang="en-US" sz="1600" kern="100" dirty="0">
                           <a:effectLst/>
                           <a:latin typeface="맑은 고딕" panose="020B0503020000020004" pitchFamily="50" charset="-127"/>
                           <a:ea typeface="맑은 고딕" panose="020B0503020000020004" pitchFamily="50" charset="-127"/>
                           <a:cs typeface="Times New Roman" panose="02020603050405020304" pitchFamily="18" charset="0"/>
                         </a:rPr>
-                        <a:t>, </a:t>
-                      </a:r>
-                      <a:r>
-                        <a:rPr lang="ko-KR" altLang="en-US" sz="1600" kern="100" dirty="0" smtClean="0">
-                          <a:effectLst/>
-                          <a:latin typeface="맑은 고딕" panose="020B0503020000020004" pitchFamily="50" charset="-127"/>
-                          <a:ea typeface="맑은 고딕" panose="020B0503020000020004" pitchFamily="50" charset="-127"/>
-                          <a:cs typeface="Times New Roman" panose="02020603050405020304" pitchFamily="18" charset="0"/>
-                        </a:rPr>
-                        <a:t>닉네임 확인필요 </a:t>
-                      </a:r>
-                      <a:r>
-                        <a:rPr lang="ko-KR" altLang="en-US" sz="1600" kern="100" dirty="0" err="1" smtClean="0">
-                          <a:effectLst/>
-                          <a:latin typeface="맑은 고딕" panose="020B0503020000020004" pitchFamily="50" charset="-127"/>
-                          <a:ea typeface="맑은 고딕" panose="020B0503020000020004" pitchFamily="50" charset="-127"/>
-                          <a:cs typeface="Times New Roman" panose="02020603050405020304" pitchFamily="18" charset="0"/>
-                        </a:rPr>
-                        <a:t>알람</a:t>
+                        <a:t>네트워크 오류 알람</a:t>
                       </a:r>
                       <a:endParaRPr lang="ko-KR" sz="1600" kern="100" dirty="0">
                         <a:effectLst/>
@@ -8255,88 +7594,11 @@
                   </a:txBody>
                   <a:tcPr marL="68580" marR="68580" marT="0" marB="0" anchor="ctr"/>
                 </a:tc>
-              </a:tr>
-              <a:tr h="277879">
-                <a:tc>
-                  <a:txBody>
-                    <a:bodyPr/>
-                    <a:lstStyle/>
-                    <a:p>
-                      <a:endParaRPr lang="ko-KR" altLang="en-US" dirty="0"/>
-                    </a:p>
-                  </a:txBody>
-                  <a:tcPr marL="68580" marR="68580" marT="0" marB="0" anchor="ctr"/>
-                </a:tc>
-                <a:tc>
-                  <a:txBody>
-                    <a:bodyPr/>
-                    <a:lstStyle/>
-                    <a:p>
-                      <a:endParaRPr lang="ko-KR" altLang="en-US" dirty="0"/>
-                    </a:p>
-                  </a:txBody>
-                  <a:tcPr marL="68580" marR="68580" marT="0" marB="0" anchor="ctr"/>
-                </a:tc>
-                <a:tc>
-                  <a:txBody>
-                    <a:bodyPr/>
-                    <a:lstStyle/>
-                    <a:p>
-                      <a:endParaRPr lang="ko-KR" altLang="en-US" dirty="0"/>
-                    </a:p>
-                  </a:txBody>
-                  <a:tcPr marL="68580" marR="68580" marT="0" marB="0" anchor="ctr"/>
-                </a:tc>
-                <a:tc>
-                  <a:txBody>
-                    <a:bodyPr/>
-                    <a:lstStyle/>
-                    <a:p>
-                      <a:r>
-                        <a:rPr lang="en-US" altLang="ko-KR" smtClean="0"/>
-                        <a:t>(NULL,NULL)-</a:t>
-                      </a:r>
-                      <a:r>
-                        <a:rPr lang="ko-KR" altLang="en-US" smtClean="0"/>
-                        <a:t>네트워크 오류</a:t>
-                      </a:r>
-                      <a:endParaRPr lang="ko-KR" altLang="en-US"/>
-                    </a:p>
-                  </a:txBody>
-                  <a:tcPr marL="68580" marR="68580" marT="0" marB="0" anchor="ctr"/>
-                </a:tc>
-                <a:tc>
-                  <a:txBody>
-                    <a:bodyPr/>
-                    <a:lstStyle/>
-                    <a:p>
-                      <a:pPr algn="just" latinLnBrk="1">
-                        <a:lnSpc>
-                          <a:spcPct val="107000"/>
-                        </a:lnSpc>
-                        <a:spcAft>
-                          <a:spcPts val="800"/>
-                        </a:spcAft>
-                      </a:pPr>
-                      <a:r>
-                        <a:rPr lang="ko-KR" altLang="en-US" sz="1600" kern="100" smtClean="0">
-                          <a:effectLst/>
-                          <a:latin typeface="맑은 고딕" panose="020B0503020000020004" pitchFamily="50" charset="-127"/>
-                          <a:ea typeface="맑은 고딕" panose="020B0503020000020004" pitchFamily="50" charset="-127"/>
-                          <a:cs typeface="Times New Roman" panose="02020603050405020304" pitchFamily="18" charset="0"/>
-                        </a:rPr>
-                        <a:t>네트워크 오류 알람</a:t>
-                      </a:r>
-                      <a:endParaRPr lang="ko-KR" sz="1600" kern="100" dirty="0">
-                        <a:effectLst/>
-                        <a:latin typeface="맑은 고딕" panose="020B0503020000020004" pitchFamily="50" charset="-127"/>
-                        <a:ea typeface="맑은 고딕" panose="020B0503020000020004" pitchFamily="50" charset="-127"/>
-                        <a:cs typeface="Times New Roman" panose="02020603050405020304" pitchFamily="18" charset="0"/>
-                      </a:endParaRPr>
-                    </a:p>
-                  </a:txBody>
-                  <a:tcPr marL="68580" marR="68580" marT="0" marB="0" anchor="ctr"/>
-                </a:tc>
+                <a:extLst>
+                  <a:ext uri="{0D108BD9-81ED-4DB2-BD59-A6C34878D82A}">
+                    <a16:rowId xmlns:a16="http://schemas.microsoft.com/office/drawing/2014/main" val="10011"/>
+                  </a:ext>
+                </a:extLst>
               </a:tr>
             </a:tbl>
           </a:graphicData>
@@ -8472,7 +7734,7 @@
           <p:cNvPr id="5" name="슬라이드 번호 개체 틀 4">
             <a:extLst>
               <a:ext uri="{FF2B5EF4-FFF2-40B4-BE49-F238E27FC236}">
-                <a16:creationId xmlns:a16="http://schemas.microsoft.com/office/drawing/2014/main" xmlns="" id="{861B7938-9CB5-152D-B66D-6C97C6C491ED}"/>
+                <a16:creationId xmlns:a16="http://schemas.microsoft.com/office/drawing/2014/main" id="{861B7938-9CB5-152D-B66D-6C97C6C491ED}"/>
               </a:ext>
             </a:extLst>
           </p:cNvPr>
@@ -8502,7 +7764,7 @@
             <a:hlinkClick r:id="" action="ppaction://media"/>
             <a:extLst>
               <a:ext uri="{FF2B5EF4-FFF2-40B4-BE49-F238E27FC236}">
-                <a16:creationId xmlns:a16="http://schemas.microsoft.com/office/drawing/2014/main" xmlns="" id="{ECBBEE18-8FD7-BE52-9910-1AE6D5FCA01D}"/>
+                <a16:creationId xmlns:a16="http://schemas.microsoft.com/office/drawing/2014/main" id="{ECBBEE18-8FD7-BE52-9910-1AE6D5FCA01D}"/>
               </a:ext>
             </a:extLst>
           </p:cNvPr>
@@ -8539,7 +7801,7 @@
           <p:cNvPr id="9" name="내용 개체 틀 3">
             <a:extLst>
               <a:ext uri="{FF2B5EF4-FFF2-40B4-BE49-F238E27FC236}">
-                <a16:creationId xmlns:a16="http://schemas.microsoft.com/office/drawing/2014/main" xmlns="" id="{0FF84E86-6641-C511-DDA2-15C249410FF6}"/>
+                <a16:creationId xmlns:a16="http://schemas.microsoft.com/office/drawing/2014/main" id="{0FF84E86-6641-C511-DDA2-15C249410FF6}"/>
               </a:ext>
             </a:extLst>
           </p:cNvPr>
@@ -8549,14 +7811,14 @@
           <p:nvPr>
             <p:extLst>
               <p:ext uri="{D42A27DB-BD31-4B8C-83A1-F6EECF244321}">
-                <p14:modId xmlns:p14="http://schemas.microsoft.com/office/powerpoint/2010/main" val="1581352340"/>
+                <p14:modId xmlns:p14="http://schemas.microsoft.com/office/powerpoint/2010/main" val="436753191"/>
               </p:ext>
             </p:extLst>
           </p:nvPr>
         </p:nvGraphicFramePr>
         <p:xfrm>
           <a:off x="767408" y="332656"/>
-          <a:ext cx="10369153" cy="5935868"/>
+          <a:ext cx="10369153" cy="5334891"/>
         </p:xfrm>
         <a:graphic>
           <a:graphicData uri="http://schemas.openxmlformats.org/drawingml/2006/table">
@@ -8568,35 +7830,35 @@
                 <a:gridCol w="576064">
                   <a:extLst>
                     <a:ext uri="{9D8B030D-6E8A-4147-A177-3AD203B41FA5}">
-                      <a16:colId xmlns:a16="http://schemas.microsoft.com/office/drawing/2014/main" xmlns="" val="4093797303"/>
+                      <a16:colId xmlns:a16="http://schemas.microsoft.com/office/drawing/2014/main" val="4093797303"/>
                     </a:ext>
                   </a:extLst>
                 </a:gridCol>
                 <a:gridCol w="1296144">
                   <a:extLst>
                     <a:ext uri="{9D8B030D-6E8A-4147-A177-3AD203B41FA5}">
-                      <a16:colId xmlns:a16="http://schemas.microsoft.com/office/drawing/2014/main" xmlns="" val="459053102"/>
+                      <a16:colId xmlns:a16="http://schemas.microsoft.com/office/drawing/2014/main" val="459053102"/>
                     </a:ext>
                   </a:extLst>
                 </a:gridCol>
                 <a:gridCol w="1224136">
                   <a:extLst>
                     <a:ext uri="{9D8B030D-6E8A-4147-A177-3AD203B41FA5}">
-                      <a16:colId xmlns:a16="http://schemas.microsoft.com/office/drawing/2014/main" xmlns="" val="2096663764"/>
+                      <a16:colId xmlns:a16="http://schemas.microsoft.com/office/drawing/2014/main" val="2096663764"/>
                     </a:ext>
                   </a:extLst>
                 </a:gridCol>
                 <a:gridCol w="4824536">
                   <a:extLst>
                     <a:ext uri="{9D8B030D-6E8A-4147-A177-3AD203B41FA5}">
-                      <a16:colId xmlns:a16="http://schemas.microsoft.com/office/drawing/2014/main" xmlns="" val="12780001"/>
+                      <a16:colId xmlns:a16="http://schemas.microsoft.com/office/drawing/2014/main" val="12780001"/>
                     </a:ext>
                   </a:extLst>
                 </a:gridCol>
                 <a:gridCol w="2448273">
                   <a:extLst>
                     <a:ext uri="{9D8B030D-6E8A-4147-A177-3AD203B41FA5}">
-                      <a16:colId xmlns:a16="http://schemas.microsoft.com/office/drawing/2014/main" xmlns="" val="3837195252"/>
+                      <a16:colId xmlns:a16="http://schemas.microsoft.com/office/drawing/2014/main" val="3837195252"/>
                     </a:ext>
                   </a:extLst>
                 </a:gridCol>
@@ -8765,7 +8027,7 @@
                 </a:tc>
                 <a:extLst>
                   <a:ext uri="{0D108BD9-81ED-4DB2-BD59-A6C34878D82A}">
-                    <a16:rowId xmlns:a16="http://schemas.microsoft.com/office/drawing/2014/main" xmlns="" val="3555777926"/>
+                    <a16:rowId xmlns:a16="http://schemas.microsoft.com/office/drawing/2014/main" val="3555777926"/>
                   </a:ext>
                 </a:extLst>
               </a:tr>
@@ -8784,10 +8046,10 @@
                         </a:spcAft>
                       </a:pPr>
                       <a:r>
-                        <a:rPr lang="en-US" sz="1600" kern="100" dirty="0" smtClean="0">
-                          <a:effectLst/>
-                        </a:rPr>
-                        <a:t>T5</a:t>
+                        <a:rPr lang="en-US" sz="1600" kern="100" dirty="0">
+                          <a:effectLst/>
+                        </a:rPr>
+                        <a:t>T4</a:t>
                       </a:r>
                       <a:endParaRPr lang="ko-KR" sz="1600" kern="100" dirty="0">
                         <a:effectLst/>
@@ -8813,7 +8075,7 @@
                         </a:spcAft>
                       </a:pPr>
                       <a:r>
-                        <a:rPr lang="ko-KR" altLang="en-US" sz="1600" kern="100" dirty="0" err="1" smtClean="0">
+                        <a:rPr lang="ko-KR" altLang="en-US" sz="1600" kern="100" dirty="0" err="1">
                           <a:effectLst/>
                           <a:latin typeface="+mn-lt"/>
                           <a:ea typeface="+mn-ea"/>
@@ -8845,10 +8107,10 @@
                         </a:spcAft>
                       </a:pPr>
                       <a:r>
-                        <a:rPr lang="en-US" sz="1600" kern="100" dirty="0" smtClean="0">
-                          <a:effectLst/>
-                        </a:rPr>
-                        <a:t>A5</a:t>
+                        <a:rPr lang="en-US" sz="1600" kern="100" dirty="0">
+                          <a:effectLst/>
+                        </a:rPr>
+                        <a:t>A4</a:t>
                       </a:r>
                       <a:endParaRPr lang="ko-KR" sz="1600" kern="100" dirty="0">
                         <a:effectLst/>
@@ -8874,31 +8136,31 @@
                         </a:spcAft>
                       </a:pPr>
                       <a:r>
-                        <a:rPr lang="en-US" sz="1600" kern="100" dirty="0" smtClean="0">
+                        <a:rPr lang="en-US" sz="1600" kern="100" dirty="0">
                           <a:effectLst/>
                         </a:rPr>
                         <a:t>(</a:t>
                       </a:r>
                       <a:r>
-                        <a:rPr lang="ko-KR" altLang="en-US" sz="1600" kern="100" dirty="0" smtClean="0">
+                        <a:rPr lang="ko-KR" altLang="en-US" sz="1600" kern="100" dirty="0">
                           <a:effectLst/>
                         </a:rPr>
                         <a:t>이미지</a:t>
                       </a:r>
                       <a:r>
-                        <a:rPr lang="en-US" altLang="ko-KR" sz="1600" kern="100" dirty="0" smtClean="0">
+                        <a:rPr lang="en-US" altLang="ko-KR" sz="1600" kern="100" dirty="0">
                           <a:effectLst/>
                         </a:rPr>
                         <a:t>, </a:t>
                       </a:r>
                       <a:r>
-                        <a:rPr lang="ko-KR" altLang="en-US" sz="1600" kern="100" dirty="0" smtClean="0">
-                          <a:effectLst/>
-                        </a:rPr>
-                        <a:t>내용</a:t>
-                      </a:r>
-                      <a:r>
-                        <a:rPr lang="en-US" sz="1600" kern="100" dirty="0" smtClean="0">
+                        <a:rPr lang="ko-KR" altLang="en-US" sz="1600" kern="100" dirty="0">
+                          <a:effectLst/>
+                        </a:rPr>
+                        <a:t>제목</a:t>
+                      </a:r>
+                      <a:r>
+                        <a:rPr lang="en-US" sz="1600" kern="100" dirty="0">
                           <a:effectLst/>
                         </a:rPr>
                         <a:t>)</a:t>
@@ -8944,7 +8206,7 @@
                 </a:tc>
                 <a:extLst>
                   <a:ext uri="{0D108BD9-81ED-4DB2-BD59-A6C34878D82A}">
-                    <a16:rowId xmlns:a16="http://schemas.microsoft.com/office/drawing/2014/main" xmlns="" val="82684039"/>
+                    <a16:rowId xmlns:a16="http://schemas.microsoft.com/office/drawing/2014/main" val="82684039"/>
                   </a:ext>
                 </a:extLst>
               </a:tr>
@@ -8996,25 +8258,25 @@
                         </a:spcAft>
                       </a:pPr>
                       <a:r>
-                        <a:rPr lang="en-US" sz="1600" kern="100" dirty="0" smtClean="0">
+                        <a:rPr lang="en-US" sz="1600" kern="100" dirty="0">
                           <a:effectLst/>
                         </a:rPr>
                         <a:t>(img.jpg,</a:t>
                       </a:r>
                       <a:r>
-                        <a:rPr lang="en-US" sz="1600" kern="100" baseline="0" dirty="0" smtClean="0">
+                        <a:rPr lang="en-US" sz="1600" kern="100" baseline="0" dirty="0">
                           <a:effectLst/>
                         </a:rPr>
                         <a:t> </a:t>
                       </a:r>
                       <a:r>
-                        <a:rPr lang="ko-KR" altLang="en-US" sz="1600" kern="100" baseline="0" dirty="0" smtClean="0">
-                          <a:effectLst/>
-                        </a:rPr>
-                        <a:t>내용</a:t>
-                      </a:r>
-                      <a:r>
-                        <a:rPr lang="en-US" sz="1600" kern="100" dirty="0" smtClean="0">
+                        <a:rPr lang="ko-KR" altLang="en-US" sz="1600" kern="100" dirty="0">
+                          <a:effectLst/>
+                        </a:rPr>
+                        <a:t>제목</a:t>
+                      </a:r>
+                      <a:r>
+                        <a:rPr lang="en-US" sz="1600" kern="100" dirty="0">
                           <a:effectLst/>
                         </a:rPr>
                         <a:t>)</a:t>
@@ -9043,7 +8305,7 @@
                         </a:spcAft>
                       </a:pPr>
                       <a:r>
-                        <a:rPr lang="ko-KR" altLang="en-US" sz="1600" kern="100" dirty="0" smtClean="0">
+                        <a:rPr lang="ko-KR" altLang="en-US" sz="1600" kern="100" dirty="0">
                           <a:effectLst/>
                           <a:latin typeface="+mn-lt"/>
                           <a:ea typeface="+mn-ea"/>
@@ -9052,7 +8314,7 @@
                         <a:t>게시물 </a:t>
                       </a:r>
                       <a:r>
-                        <a:rPr lang="ko-KR" altLang="en-US" sz="1600" kern="100" dirty="0" err="1" smtClean="0">
+                        <a:rPr lang="ko-KR" altLang="en-US" sz="1600" kern="100" dirty="0" err="1">
                           <a:effectLst/>
                           <a:latin typeface="+mn-lt"/>
                           <a:ea typeface="+mn-ea"/>
@@ -9061,7 +8323,7 @@
                         <a:t>포스팅</a:t>
                       </a:r>
                       <a:r>
-                        <a:rPr lang="ko-KR" altLang="en-US" sz="1600" kern="100" dirty="0" smtClean="0">
+                        <a:rPr lang="ko-KR" altLang="en-US" sz="1600" kern="100" dirty="0">
                           <a:effectLst/>
                           <a:latin typeface="+mn-lt"/>
                           <a:ea typeface="+mn-ea"/>
@@ -9081,7 +8343,7 @@
                 </a:tc>
                 <a:extLst>
                   <a:ext uri="{0D108BD9-81ED-4DB2-BD59-A6C34878D82A}">
-                    <a16:rowId xmlns:a16="http://schemas.microsoft.com/office/drawing/2014/main" xmlns="" val="1285417474"/>
+                    <a16:rowId xmlns:a16="http://schemas.microsoft.com/office/drawing/2014/main" val="1285417474"/>
                   </a:ext>
                 </a:extLst>
               </a:tr>
@@ -9196,54 +8458,54 @@
                         <a:defRPr/>
                       </a:pPr>
                       <a:r>
-                        <a:rPr lang="en-US" altLang="ko-KR" sz="1600" kern="100" dirty="0" smtClean="0">
+                        <a:rPr lang="en-US" altLang="ko-KR" sz="1600" kern="100" dirty="0">
                           <a:effectLst/>
                         </a:rPr>
                         <a:t>(NULL,</a:t>
                       </a:r>
                       <a:r>
-                        <a:rPr lang="en-US" altLang="ko-KR" sz="1600" kern="100" baseline="0" dirty="0" smtClean="0">
+                        <a:rPr lang="en-US" altLang="ko-KR" sz="1600" kern="100" baseline="0" dirty="0">
                           <a:effectLst/>
                         </a:rPr>
                         <a:t> </a:t>
                       </a:r>
                       <a:r>
-                        <a:rPr lang="ko-KR" altLang="en-US" sz="1600" kern="100" baseline="0" dirty="0" smtClean="0">
-                          <a:effectLst/>
-                        </a:rPr>
-                        <a:t>내용</a:t>
-                      </a:r>
-                      <a:r>
-                        <a:rPr lang="en-US" altLang="ko-KR" sz="1600" kern="100" dirty="0" smtClean="0">
+                        <a:rPr lang="ko-KR" altLang="en-US" sz="1600" kern="100" dirty="0">
+                          <a:effectLst/>
+                        </a:rPr>
+                        <a:t>제목</a:t>
+                      </a:r>
+                      <a:r>
+                        <a:rPr lang="en-US" altLang="ko-KR" sz="1600" kern="100" dirty="0">
                           <a:effectLst/>
                         </a:rPr>
                         <a:t>)</a:t>
                       </a:r>
-                      <a:endParaRPr lang="ko-KR" altLang="ko-KR" sz="1600" kern="100" dirty="0" smtClean="0">
-                        <a:effectLst/>
-                        <a:latin typeface="맑은 고딕" panose="020B0503020000020004" pitchFamily="50" charset="-127"/>
-                        <a:ea typeface="맑은 고딕" panose="020B0503020000020004" pitchFamily="50" charset="-127"/>
-                        <a:cs typeface="Times New Roman" panose="02020603050405020304" pitchFamily="18" charset="0"/>
-                      </a:endParaRPr>
-                    </a:p>
-                  </a:txBody>
-                  <a:tcPr marL="68580" marR="68580" marT="0" marB="0" anchor="ctr"/>
-                </a:tc>
-                <a:tc>
-                  <a:txBody>
-                    <a:bodyPr/>
-                    <a:lstStyle/>
-                    <a:p>
-                      <a:pPr algn="just" latinLnBrk="1">
-                        <a:lnSpc>
-                          <a:spcPct val="107000"/>
-                        </a:lnSpc>
-                        <a:spcAft>
-                          <a:spcPts val="800"/>
-                        </a:spcAft>
-                      </a:pPr>
-                      <a:r>
-                        <a:rPr lang="ko-KR" altLang="en-US" sz="1600" kern="100" dirty="0" smtClean="0">
+                      <a:endParaRPr lang="ko-KR" altLang="ko-KR" sz="1600" kern="100" dirty="0">
+                        <a:effectLst/>
+                        <a:latin typeface="맑은 고딕" panose="020B0503020000020004" pitchFamily="50" charset="-127"/>
+                        <a:ea typeface="맑은 고딕" panose="020B0503020000020004" pitchFamily="50" charset="-127"/>
+                        <a:cs typeface="Times New Roman" panose="02020603050405020304" pitchFamily="18" charset="0"/>
+                      </a:endParaRPr>
+                    </a:p>
+                  </a:txBody>
+                  <a:tcPr marL="68580" marR="68580" marT="0" marB="0" anchor="ctr"/>
+                </a:tc>
+                <a:tc>
+                  <a:txBody>
+                    <a:bodyPr/>
+                    <a:lstStyle/>
+                    <a:p>
+                      <a:pPr algn="just" latinLnBrk="1">
+                        <a:lnSpc>
+                          <a:spcPct val="107000"/>
+                        </a:lnSpc>
+                        <a:spcAft>
+                          <a:spcPts val="800"/>
+                        </a:spcAft>
+                      </a:pPr>
+                      <a:r>
+                        <a:rPr lang="ko-KR" altLang="en-US" sz="1600" kern="100" dirty="0">
                           <a:effectLst/>
                           <a:latin typeface="맑은 고딕" panose="020B0503020000020004" pitchFamily="50" charset="-127"/>
                           <a:ea typeface="맑은 고딕" panose="020B0503020000020004" pitchFamily="50" charset="-127"/>
@@ -9252,7 +8514,7 @@
                         <a:t>게시물 </a:t>
                       </a:r>
                       <a:r>
-                        <a:rPr lang="ko-KR" altLang="en-US" sz="1600" kern="100" dirty="0" err="1" smtClean="0">
+                        <a:rPr lang="ko-KR" altLang="en-US" sz="1600" kern="100" dirty="0" err="1">
                           <a:effectLst/>
                           <a:latin typeface="맑은 고딕" panose="020B0503020000020004" pitchFamily="50" charset="-127"/>
                           <a:ea typeface="맑은 고딕" panose="020B0503020000020004" pitchFamily="50" charset="-127"/>
@@ -9261,7 +8523,7 @@
                         <a:t>포스팅</a:t>
                       </a:r>
                       <a:r>
-                        <a:rPr lang="ko-KR" altLang="en-US" sz="1600" kern="100" dirty="0" smtClean="0">
+                        <a:rPr lang="ko-KR" altLang="en-US" sz="1600" kern="100" dirty="0">
                           <a:effectLst/>
                           <a:latin typeface="맑은 고딕" panose="020B0503020000020004" pitchFamily="50" charset="-127"/>
                           <a:ea typeface="맑은 고딕" panose="020B0503020000020004" pitchFamily="50" charset="-127"/>
@@ -9270,7 +8532,7 @@
                         <a:t> 불가</a:t>
                       </a:r>
                       <a:r>
-                        <a:rPr lang="en-US" altLang="ko-KR" sz="1600" kern="100" dirty="0" smtClean="0">
+                        <a:rPr lang="en-US" altLang="ko-KR" sz="1600" kern="100" dirty="0">
                           <a:effectLst/>
                           <a:latin typeface="맑은 고딕" panose="020B0503020000020004" pitchFamily="50" charset="-127"/>
                           <a:ea typeface="맑은 고딕" panose="020B0503020000020004" pitchFamily="50" charset="-127"/>
@@ -9279,7 +8541,7 @@
                         <a:t>, </a:t>
                       </a:r>
                       <a:r>
-                        <a:rPr lang="ko-KR" altLang="en-US" sz="1600" kern="100" dirty="0" smtClean="0">
+                        <a:rPr lang="ko-KR" altLang="en-US" sz="1600" kern="100" dirty="0">
                           <a:effectLst/>
                           <a:latin typeface="맑은 고딕" panose="020B0503020000020004" pitchFamily="50" charset="-127"/>
                           <a:ea typeface="맑은 고딕" panose="020B0503020000020004" pitchFamily="50" charset="-127"/>
@@ -9299,7 +8561,7 @@
                 </a:tc>
                 <a:extLst>
                   <a:ext uri="{0D108BD9-81ED-4DB2-BD59-A6C34878D82A}">
-                    <a16:rowId xmlns:a16="http://schemas.microsoft.com/office/drawing/2014/main" xmlns="" val="1112701874"/>
+                    <a16:rowId xmlns:a16="http://schemas.microsoft.com/office/drawing/2014/main" val="1112701874"/>
                   </a:ext>
                 </a:extLst>
               </a:tr>
@@ -9405,33 +8667,33 @@
                         </a:spcAft>
                       </a:pPr>
                       <a:r>
-                        <a:rPr lang="en-US" sz="1600" kern="100" dirty="0" smtClean="0">
+                        <a:rPr lang="en-US" sz="1600" kern="100" dirty="0">
                           <a:effectLst/>
                         </a:rPr>
                         <a:t>(img.jpg, NULL)</a:t>
                       </a:r>
-                      <a:endParaRPr lang="en-US" altLang="ko-KR" sz="1600" kern="100" dirty="0" smtClean="0">
-                        <a:effectLst/>
-                      </a:endParaRPr>
-                    </a:p>
-                  </a:txBody>
-                  <a:tcPr marL="68580" marR="68580" marT="0" marB="0" anchor="ctr"/>
-                </a:tc>
-                <a:tc>
-                  <a:txBody>
-                    <a:bodyPr/>
-                    <a:lstStyle/>
-                    <a:p>
-                      <a:pPr algn="just" latinLnBrk="1">
-                        <a:lnSpc>
-                          <a:spcPct val="107000"/>
-                        </a:lnSpc>
-                        <a:spcAft>
-                          <a:spcPts val="800"/>
-                        </a:spcAft>
-                      </a:pPr>
-                      <a:r>
-                        <a:rPr lang="ko-KR" altLang="en-US" sz="1600" kern="100" dirty="0" smtClean="0">
+                      <a:endParaRPr lang="en-US" altLang="ko-KR" sz="1600" kern="100" dirty="0">
+                        <a:effectLst/>
+                      </a:endParaRPr>
+                    </a:p>
+                  </a:txBody>
+                  <a:tcPr marL="68580" marR="68580" marT="0" marB="0" anchor="ctr"/>
+                </a:tc>
+                <a:tc>
+                  <a:txBody>
+                    <a:bodyPr/>
+                    <a:lstStyle/>
+                    <a:p>
+                      <a:pPr algn="just" latinLnBrk="1">
+                        <a:lnSpc>
+                          <a:spcPct val="107000"/>
+                        </a:lnSpc>
+                        <a:spcAft>
+                          <a:spcPts val="800"/>
+                        </a:spcAft>
+                      </a:pPr>
+                      <a:r>
+                        <a:rPr lang="ko-KR" altLang="en-US" sz="1600" kern="100" dirty="0">
                           <a:effectLst/>
                           <a:latin typeface="맑은 고딕" panose="020B0503020000020004" pitchFamily="50" charset="-127"/>
                           <a:ea typeface="맑은 고딕" panose="020B0503020000020004" pitchFamily="50" charset="-127"/>
@@ -9440,7 +8702,7 @@
                         <a:t>게시물 </a:t>
                       </a:r>
                       <a:r>
-                        <a:rPr lang="ko-KR" altLang="en-US" sz="1600" kern="100" dirty="0" err="1" smtClean="0">
+                        <a:rPr lang="ko-KR" altLang="en-US" sz="1600" kern="100" dirty="0" err="1">
                           <a:effectLst/>
                           <a:latin typeface="맑은 고딕" panose="020B0503020000020004" pitchFamily="50" charset="-127"/>
                           <a:ea typeface="맑은 고딕" panose="020B0503020000020004" pitchFamily="50" charset="-127"/>
@@ -9449,7 +8711,7 @@
                         <a:t>포스팅</a:t>
                       </a:r>
                       <a:r>
-                        <a:rPr lang="ko-KR" altLang="en-US" sz="1600" kern="100" dirty="0" smtClean="0">
+                        <a:rPr lang="ko-KR" altLang="en-US" sz="1600" kern="100" dirty="0">
                           <a:effectLst/>
                           <a:latin typeface="맑은 고딕" panose="020B0503020000020004" pitchFamily="50" charset="-127"/>
                           <a:ea typeface="맑은 고딕" panose="020B0503020000020004" pitchFamily="50" charset="-127"/>
@@ -9458,7 +8720,7 @@
                         <a:t> 불가</a:t>
                       </a:r>
                       <a:r>
-                        <a:rPr lang="en-US" altLang="ko-KR" sz="1600" kern="100" dirty="0" smtClean="0">
+                        <a:rPr lang="en-US" altLang="ko-KR" sz="1600" kern="100" dirty="0">
                           <a:effectLst/>
                           <a:latin typeface="맑은 고딕" panose="020B0503020000020004" pitchFamily="50" charset="-127"/>
                           <a:ea typeface="맑은 고딕" panose="020B0503020000020004" pitchFamily="50" charset="-127"/>
@@ -9467,7 +8729,7 @@
                         <a:t>, </a:t>
                       </a:r>
                       <a:r>
-                        <a:rPr lang="ko-KR" altLang="en-US" sz="1600" kern="100" dirty="0" smtClean="0">
+                        <a:rPr lang="ko-KR" altLang="en-US" sz="1600" kern="100" dirty="0">
                           <a:effectLst/>
                           <a:latin typeface="맑은 고딕" panose="020B0503020000020004" pitchFamily="50" charset="-127"/>
                           <a:ea typeface="맑은 고딕" panose="020B0503020000020004" pitchFamily="50" charset="-127"/>
@@ -9487,7 +8749,7 @@
                 </a:tc>
                 <a:extLst>
                   <a:ext uri="{0D108BD9-81ED-4DB2-BD59-A6C34878D82A}">
-                    <a16:rowId xmlns:a16="http://schemas.microsoft.com/office/drawing/2014/main" xmlns="" val="885350457"/>
+                    <a16:rowId xmlns:a16="http://schemas.microsoft.com/office/drawing/2014/main" val="885350457"/>
                   </a:ext>
                 </a:extLst>
               </a:tr>
@@ -9593,7 +8855,7 @@
                         </a:spcAft>
                       </a:pPr>
                       <a:r>
-                        <a:rPr lang="en-US" altLang="ko-KR" sz="1600" kern="100" dirty="0" smtClean="0">
+                        <a:rPr lang="en-US" altLang="ko-KR" sz="1600" kern="100" dirty="0">
                           <a:effectLst/>
                           <a:latin typeface="맑은 고딕" panose="020B0503020000020004" pitchFamily="50" charset="-127"/>
                           <a:ea typeface="맑은 고딕" panose="020B0503020000020004" pitchFamily="50" charset="-127"/>
@@ -9602,7 +8864,7 @@
                         <a:t>(img.html,</a:t>
                       </a:r>
                       <a:r>
-                        <a:rPr lang="en-US" altLang="ko-KR" sz="1600" kern="100" baseline="0" dirty="0" smtClean="0">
+                        <a:rPr lang="en-US" altLang="ko-KR" sz="1600" kern="100" baseline="0" dirty="0">
                           <a:effectLst/>
                           <a:latin typeface="맑은 고딕" panose="020B0503020000020004" pitchFamily="50" charset="-127"/>
                           <a:ea typeface="맑은 고딕" panose="020B0503020000020004" pitchFamily="50" charset="-127"/>
@@ -9611,108 +8873,144 @@
                         <a:t> </a:t>
                       </a:r>
                       <a:r>
-                        <a:rPr lang="ko-KR" altLang="en-US" sz="1600" kern="100" baseline="0" dirty="0" smtClean="0">
+                        <a:rPr lang="ko-KR" altLang="en-US" sz="1600" kern="100" dirty="0">
+                          <a:effectLst/>
+                        </a:rPr>
+                        <a:t>제목</a:t>
+                      </a:r>
+                      <a:r>
+                        <a:rPr lang="en-US" altLang="ko-KR" sz="1600" kern="100" dirty="0">
                           <a:effectLst/>
                           <a:latin typeface="맑은 고딕" panose="020B0503020000020004" pitchFamily="50" charset="-127"/>
                           <a:ea typeface="맑은 고딕" panose="020B0503020000020004" pitchFamily="50" charset="-127"/>
                           <a:cs typeface="Times New Roman" panose="02020603050405020304" pitchFamily="18" charset="0"/>
                         </a:rPr>
-                        <a:t>내용</a:t>
-                      </a:r>
-                      <a:r>
-                        <a:rPr lang="en-US" altLang="ko-KR" sz="1600" kern="100" dirty="0" smtClean="0">
+                        <a:t>)</a:t>
+                      </a:r>
+                      <a:endParaRPr lang="ko-KR" sz="1600" kern="100" dirty="0">
+                        <a:effectLst/>
+                        <a:latin typeface="맑은 고딕" panose="020B0503020000020004" pitchFamily="50" charset="-127"/>
+                        <a:ea typeface="맑은 고딕" panose="020B0503020000020004" pitchFamily="50" charset="-127"/>
+                        <a:cs typeface="Times New Roman" panose="02020603050405020304" pitchFamily="18" charset="0"/>
+                      </a:endParaRPr>
+                    </a:p>
+                  </a:txBody>
+                  <a:tcPr marL="68580" marR="68580" marT="0" marB="0" anchor="ctr"/>
+                </a:tc>
+                <a:tc>
+                  <a:txBody>
+                    <a:bodyPr/>
+                    <a:lstStyle/>
+                    <a:p>
+                      <a:pPr algn="just" latinLnBrk="1">
+                        <a:lnSpc>
+                          <a:spcPct val="107000"/>
+                        </a:lnSpc>
+                        <a:spcAft>
+                          <a:spcPts val="800"/>
+                        </a:spcAft>
+                      </a:pPr>
+                      <a:r>
+                        <a:rPr lang="ko-KR" altLang="en-US" sz="1600" kern="100" dirty="0">
                           <a:effectLst/>
                           <a:latin typeface="맑은 고딕" panose="020B0503020000020004" pitchFamily="50" charset="-127"/>
                           <a:ea typeface="맑은 고딕" panose="020B0503020000020004" pitchFamily="50" charset="-127"/>
                           <a:cs typeface="Times New Roman" panose="02020603050405020304" pitchFamily="18" charset="0"/>
                         </a:rPr>
-                        <a:t>)</a:t>
-                      </a:r>
-                      <a:endParaRPr lang="ko-KR" sz="1600" kern="100" dirty="0">
-                        <a:effectLst/>
-                        <a:latin typeface="맑은 고딕" panose="020B0503020000020004" pitchFamily="50" charset="-127"/>
-                        <a:ea typeface="맑은 고딕" panose="020B0503020000020004" pitchFamily="50" charset="-127"/>
-                        <a:cs typeface="Times New Roman" panose="02020603050405020304" pitchFamily="18" charset="0"/>
-                      </a:endParaRPr>
-                    </a:p>
-                  </a:txBody>
-                  <a:tcPr marL="68580" marR="68580" marT="0" marB="0" anchor="ctr"/>
-                </a:tc>
-                <a:tc>
-                  <a:txBody>
-                    <a:bodyPr/>
-                    <a:lstStyle/>
-                    <a:p>
-                      <a:pPr algn="just" latinLnBrk="1">
-                        <a:lnSpc>
-                          <a:spcPct val="107000"/>
-                        </a:lnSpc>
-                        <a:spcAft>
-                          <a:spcPts val="800"/>
-                        </a:spcAft>
-                      </a:pPr>
-                      <a:r>
-                        <a:rPr lang="ko-KR" altLang="en-US" sz="1600" kern="100" dirty="0" smtClean="0">
+                        <a:t>게시물 </a:t>
+                      </a:r>
+                      <a:r>
+                        <a:rPr lang="ko-KR" altLang="en-US" sz="1600" kern="100" dirty="0" err="1">
                           <a:effectLst/>
                           <a:latin typeface="맑은 고딕" panose="020B0503020000020004" pitchFamily="50" charset="-127"/>
                           <a:ea typeface="맑은 고딕" panose="020B0503020000020004" pitchFamily="50" charset="-127"/>
                           <a:cs typeface="Times New Roman" panose="02020603050405020304" pitchFamily="18" charset="0"/>
                         </a:rPr>
-                        <a:t>게시물 </a:t>
-                      </a:r>
-                      <a:r>
-                        <a:rPr lang="ko-KR" altLang="en-US" sz="1600" kern="100" dirty="0" err="1" smtClean="0">
+                        <a:t>포스팅</a:t>
+                      </a:r>
+                      <a:r>
+                        <a:rPr lang="ko-KR" altLang="en-US" sz="1600" kern="100" dirty="0">
                           <a:effectLst/>
                           <a:latin typeface="맑은 고딕" panose="020B0503020000020004" pitchFamily="50" charset="-127"/>
                           <a:ea typeface="맑은 고딕" panose="020B0503020000020004" pitchFamily="50" charset="-127"/>
                           <a:cs typeface="Times New Roman" panose="02020603050405020304" pitchFamily="18" charset="0"/>
                         </a:rPr>
-                        <a:t>포스팅</a:t>
-                      </a:r>
-                      <a:r>
-                        <a:rPr lang="ko-KR" altLang="en-US" sz="1600" kern="100" dirty="0" smtClean="0">
+                        <a:t> 불가</a:t>
+                      </a:r>
+                      <a:r>
+                        <a:rPr lang="en-US" altLang="ko-KR" sz="1600" kern="100" dirty="0">
                           <a:effectLst/>
                           <a:latin typeface="맑은 고딕" panose="020B0503020000020004" pitchFamily="50" charset="-127"/>
                           <a:ea typeface="맑은 고딕" panose="020B0503020000020004" pitchFamily="50" charset="-127"/>
                           <a:cs typeface="Times New Roman" panose="02020603050405020304" pitchFamily="18" charset="0"/>
                         </a:rPr>
-                        <a:t> 불가</a:t>
-                      </a:r>
-                      <a:r>
-                        <a:rPr lang="en-US" altLang="ko-KR" sz="1600" kern="100" dirty="0" smtClean="0">
+                        <a:t>, </a:t>
+                      </a:r>
+                      <a:r>
+                        <a:rPr lang="ko-KR" altLang="en-US" sz="1600" kern="100" dirty="0">
                           <a:effectLst/>
                           <a:latin typeface="맑은 고딕" panose="020B0503020000020004" pitchFamily="50" charset="-127"/>
                           <a:ea typeface="맑은 고딕" panose="020B0503020000020004" pitchFamily="50" charset="-127"/>
                           <a:cs typeface="Times New Roman" panose="02020603050405020304" pitchFamily="18" charset="0"/>
                         </a:rPr>
-                        <a:t>, </a:t>
-                      </a:r>
-                      <a:r>
-                        <a:rPr lang="ko-KR" altLang="en-US" sz="1600" kern="100" dirty="0" smtClean="0">
+                        <a:t>첨부불가능 </a:t>
+                      </a:r>
+                      <a:r>
+                        <a:rPr lang="ko-KR" altLang="en-US" sz="1600" kern="100" dirty="0" err="1">
                           <a:effectLst/>
                           <a:latin typeface="맑은 고딕" panose="020B0503020000020004" pitchFamily="50" charset="-127"/>
                           <a:ea typeface="맑은 고딕" panose="020B0503020000020004" pitchFamily="50" charset="-127"/>
                           <a:cs typeface="Times New Roman" panose="02020603050405020304" pitchFamily="18" charset="0"/>
                         </a:rPr>
-                        <a:t>첨부불가능 </a:t>
-                      </a:r>
-                      <a:r>
-                        <a:rPr lang="ko-KR" altLang="en-US" sz="1600" kern="100" dirty="0" err="1" smtClean="0">
+                        <a:t>확장자</a:t>
+                      </a:r>
+                      <a:r>
+                        <a:rPr lang="ko-KR" altLang="en-US" sz="1600" kern="100" dirty="0">
                           <a:effectLst/>
                           <a:latin typeface="맑은 고딕" panose="020B0503020000020004" pitchFamily="50" charset="-127"/>
                           <a:ea typeface="맑은 고딕" panose="020B0503020000020004" pitchFamily="50" charset="-127"/>
                           <a:cs typeface="Times New Roman" panose="02020603050405020304" pitchFamily="18" charset="0"/>
                         </a:rPr>
-                        <a:t>확장자</a:t>
-                      </a:r>
-                      <a:r>
-                        <a:rPr lang="ko-KR" altLang="en-US" sz="1600" kern="100" dirty="0" smtClean="0">
+                        <a:t> 알림</a:t>
+                      </a:r>
+                      <a:endParaRPr lang="ko-KR" sz="1600" kern="100" dirty="0">
+                        <a:effectLst/>
+                        <a:latin typeface="맑은 고딕" panose="020B0503020000020004" pitchFamily="50" charset="-127"/>
+                        <a:ea typeface="맑은 고딕" panose="020B0503020000020004" pitchFamily="50" charset="-127"/>
+                        <a:cs typeface="Times New Roman" panose="02020603050405020304" pitchFamily="18" charset="0"/>
+                      </a:endParaRPr>
+                    </a:p>
+                  </a:txBody>
+                  <a:tcPr marL="68580" marR="68580" marT="0" marB="0" anchor="ctr"/>
+                </a:tc>
+                <a:extLst>
+                  <a:ext uri="{0D108BD9-81ED-4DB2-BD59-A6C34878D82A}">
+                    <a16:rowId xmlns:a16="http://schemas.microsoft.com/office/drawing/2014/main" val="3345774680"/>
+                  </a:ext>
+                </a:extLst>
+              </a:tr>
+              <a:tr h="277879">
+                <a:tc rowSpan="2">
+                  <a:txBody>
+                    <a:bodyPr/>
+                    <a:lstStyle/>
+                    <a:p>
+                      <a:pPr algn="just" latinLnBrk="1">
+                        <a:lnSpc>
+                          <a:spcPct val="107000"/>
+                        </a:lnSpc>
+                        <a:spcAft>
+                          <a:spcPts val="800"/>
+                        </a:spcAft>
+                      </a:pPr>
+                      <a:r>
+                        <a:rPr lang="en-US" altLang="ko-KR" sz="1600" kern="100" dirty="0">
                           <a:effectLst/>
                           <a:latin typeface="맑은 고딕" panose="020B0503020000020004" pitchFamily="50" charset="-127"/>
                           <a:ea typeface="맑은 고딕" panose="020B0503020000020004" pitchFamily="50" charset="-127"/>
                           <a:cs typeface="Times New Roman" panose="02020603050405020304" pitchFamily="18" charset="0"/>
                         </a:rPr>
-                        <a:t> 알림</a:t>
+                        <a:t>T5</a:t>
                       </a:r>
                       <a:endParaRPr lang="ko-KR" sz="1600" kern="100" dirty="0">
                         <a:effectLst/>
@@ -9721,29 +9019,21 @@
                         <a:cs typeface="Times New Roman" panose="02020603050405020304" pitchFamily="18" charset="0"/>
                       </a:endParaRPr>
                     </a:p>
-                  </a:txBody>
-                  <a:tcPr marL="68580" marR="68580" marT="0" marB="0" anchor="ctr"/>
-                </a:tc>
-                <a:extLst>
-                  <a:ext uri="{0D108BD9-81ED-4DB2-BD59-A6C34878D82A}">
-                    <a16:rowId xmlns:a16="http://schemas.microsoft.com/office/drawing/2014/main" xmlns="" val="3345774680"/>
-                  </a:ext>
-                </a:extLst>
-              </a:tr>
-              <a:tr h="580022">
-                <a:tc>
-                  <a:txBody>
-                    <a:bodyPr/>
-                    <a:lstStyle/>
-                    <a:p>
-                      <a:pPr algn="just" latinLnBrk="1">
-                        <a:lnSpc>
-                          <a:spcPct val="107000"/>
-                        </a:lnSpc>
-                        <a:spcAft>
-                          <a:spcPts val="800"/>
-                        </a:spcAft>
-                      </a:pPr>
+                    <a:p>
+                      <a:pPr algn="just" latinLnBrk="1">
+                        <a:lnSpc>
+                          <a:spcPct val="107000"/>
+                        </a:lnSpc>
+                        <a:spcAft>
+                          <a:spcPts val="800"/>
+                        </a:spcAft>
+                      </a:pPr>
+                      <a:r>
+                        <a:rPr lang="en-US" sz="1600" kern="100" dirty="0">
+                          <a:effectLst/>
+                        </a:rPr>
+                        <a:t> </a:t>
+                      </a:r>
                       <a:endParaRPr lang="ko-KR" sz="1600" kern="100" dirty="0">
                         <a:effectLst/>
                         <a:latin typeface="맑은 고딕" panose="020B0503020000020004" pitchFamily="50" charset="-127"/>
@@ -9754,199 +9044,6 @@
                   </a:txBody>
                   <a:tcPr marL="68580" marR="68580" marT="0" marB="0" anchor="ctr"/>
                 </a:tc>
-                <a:tc>
-                  <a:txBody>
-                    <a:bodyPr/>
-                    <a:lstStyle/>
-                    <a:p>
-                      <a:pPr algn="just" latinLnBrk="1">
-                        <a:lnSpc>
-                          <a:spcPct val="107000"/>
-                        </a:lnSpc>
-                        <a:spcAft>
-                          <a:spcPts val="800"/>
-                        </a:spcAft>
-                      </a:pPr>
-                      <a:endParaRPr lang="ko-KR" sz="1600" kern="100" dirty="0">
-                        <a:effectLst/>
-                        <a:latin typeface="맑은 고딕" panose="020B0503020000020004" pitchFamily="50" charset="-127"/>
-                        <a:ea typeface="맑은 고딕" panose="020B0503020000020004" pitchFamily="50" charset="-127"/>
-                        <a:cs typeface="Times New Roman" panose="02020603050405020304" pitchFamily="18" charset="0"/>
-                      </a:endParaRPr>
-                    </a:p>
-                  </a:txBody>
-                  <a:tcPr marL="68580" marR="68580" marT="0" marB="0" anchor="ctr"/>
-                </a:tc>
-                <a:tc>
-                  <a:txBody>
-                    <a:bodyPr/>
-                    <a:lstStyle/>
-                    <a:p>
-                      <a:pPr algn="just" latinLnBrk="1">
-                        <a:lnSpc>
-                          <a:spcPct val="107000"/>
-                        </a:lnSpc>
-                        <a:spcAft>
-                          <a:spcPts val="800"/>
-                        </a:spcAft>
-                      </a:pPr>
-                      <a:endParaRPr lang="ko-KR" sz="1600" kern="100" dirty="0">
-                        <a:effectLst/>
-                        <a:latin typeface="맑은 고딕" panose="020B0503020000020004" pitchFamily="50" charset="-127"/>
-                        <a:ea typeface="맑은 고딕" panose="020B0503020000020004" pitchFamily="50" charset="-127"/>
-                        <a:cs typeface="Times New Roman" panose="02020603050405020304" pitchFamily="18" charset="0"/>
-                      </a:endParaRPr>
-                    </a:p>
-                  </a:txBody>
-                  <a:tcPr marL="68580" marR="68580" marT="0" marB="0" anchor="ctr"/>
-                </a:tc>
-                <a:tc>
-                  <a:txBody>
-                    <a:bodyPr/>
-                    <a:lstStyle/>
-                    <a:p>
-                      <a:pPr algn="just" latinLnBrk="1">
-                        <a:lnSpc>
-                          <a:spcPct val="107000"/>
-                        </a:lnSpc>
-                        <a:spcAft>
-                          <a:spcPts val="800"/>
-                        </a:spcAft>
-                      </a:pPr>
-                      <a:r>
-                        <a:rPr lang="en-US" altLang="ko-KR" sz="1600" kern="100" dirty="0" smtClean="0">
-                          <a:effectLst/>
-                          <a:latin typeface="맑은 고딕" panose="020B0503020000020004" pitchFamily="50" charset="-127"/>
-                          <a:ea typeface="맑은 고딕" panose="020B0503020000020004" pitchFamily="50" charset="-127"/>
-                          <a:cs typeface="Times New Roman" panose="02020603050405020304" pitchFamily="18" charset="0"/>
-                        </a:rPr>
-                        <a:t>(img.jpg,</a:t>
-                      </a:r>
-                      <a:r>
-                        <a:rPr lang="en-US" altLang="ko-KR" sz="1600" kern="100" baseline="0" dirty="0" smtClean="0">
-                          <a:effectLst/>
-                          <a:latin typeface="맑은 고딕" panose="020B0503020000020004" pitchFamily="50" charset="-127"/>
-                          <a:ea typeface="맑은 고딕" panose="020B0503020000020004" pitchFamily="50" charset="-127"/>
-                          <a:cs typeface="Times New Roman" panose="02020603050405020304" pitchFamily="18" charset="0"/>
-                        </a:rPr>
-                        <a:t> </a:t>
-                      </a:r>
-                      <a:r>
-                        <a:rPr lang="ko-KR" altLang="en-US" sz="1600" kern="100" baseline="0" dirty="0" smtClean="0">
-                          <a:effectLst/>
-                          <a:latin typeface="맑은 고딕" panose="020B0503020000020004" pitchFamily="50" charset="-127"/>
-                          <a:ea typeface="맑은 고딕" panose="020B0503020000020004" pitchFamily="50" charset="-127"/>
-                          <a:cs typeface="Times New Roman" panose="02020603050405020304" pitchFamily="18" charset="0"/>
-                        </a:rPr>
-                        <a:t>내용</a:t>
-                      </a:r>
-                      <a:r>
-                        <a:rPr lang="en-US" altLang="ko-KR" sz="1600" kern="100" baseline="0" dirty="0" smtClean="0">
-                          <a:effectLst/>
-                          <a:latin typeface="맑은 고딕" panose="020B0503020000020004" pitchFamily="50" charset="-127"/>
-                          <a:ea typeface="맑은 고딕" panose="020B0503020000020004" pitchFamily="50" charset="-127"/>
-                          <a:cs typeface="Times New Roman" panose="02020603050405020304" pitchFamily="18" charset="0"/>
-                        </a:rPr>
-                        <a:t>{1000</a:t>
-                      </a:r>
-                      <a:r>
-                        <a:rPr lang="ko-KR" altLang="en-US" sz="1600" kern="100" baseline="0" dirty="0" smtClean="0">
-                          <a:effectLst/>
-                          <a:latin typeface="맑은 고딕" panose="020B0503020000020004" pitchFamily="50" charset="-127"/>
-                          <a:ea typeface="맑은 고딕" panose="020B0503020000020004" pitchFamily="50" charset="-127"/>
-                          <a:cs typeface="Times New Roman" panose="02020603050405020304" pitchFamily="18" charset="0"/>
-                        </a:rPr>
-                        <a:t>자</a:t>
-                      </a:r>
-                      <a:r>
-                        <a:rPr lang="en-US" altLang="ko-KR" sz="1600" kern="100" baseline="0" dirty="0" smtClean="0">
-                          <a:effectLst/>
-                          <a:latin typeface="맑은 고딕" panose="020B0503020000020004" pitchFamily="50" charset="-127"/>
-                          <a:ea typeface="맑은 고딕" panose="020B0503020000020004" pitchFamily="50" charset="-127"/>
-                          <a:cs typeface="Times New Roman" panose="02020603050405020304" pitchFamily="18" charset="0"/>
-                        </a:rPr>
-                        <a:t>})</a:t>
-                      </a:r>
-                      <a:endParaRPr lang="ko-KR" sz="1600" kern="100" dirty="0">
-                        <a:effectLst/>
-                        <a:latin typeface="맑은 고딕" panose="020B0503020000020004" pitchFamily="50" charset="-127"/>
-                        <a:ea typeface="맑은 고딕" panose="020B0503020000020004" pitchFamily="50" charset="-127"/>
-                        <a:cs typeface="Times New Roman" panose="02020603050405020304" pitchFamily="18" charset="0"/>
-                      </a:endParaRPr>
-                    </a:p>
-                  </a:txBody>
-                  <a:tcPr marL="68580" marR="68580" marT="0" marB="0" anchor="ctr"/>
-                </a:tc>
-                <a:tc>
-                  <a:txBody>
-                    <a:bodyPr/>
-                    <a:lstStyle/>
-                    <a:p>
-                      <a:pPr algn="just" latinLnBrk="1">
-                        <a:lnSpc>
-                          <a:spcPct val="107000"/>
-                        </a:lnSpc>
-                        <a:spcAft>
-                          <a:spcPts val="800"/>
-                        </a:spcAft>
-                      </a:pPr>
-                      <a:r>
-                        <a:rPr lang="ko-KR" altLang="en-US" sz="1600" kern="100" dirty="0" smtClean="0">
-                          <a:effectLst/>
-                          <a:latin typeface="맑은 고딕" panose="020B0503020000020004" pitchFamily="50" charset="-127"/>
-                          <a:ea typeface="맑은 고딕" panose="020B0503020000020004" pitchFamily="50" charset="-127"/>
-                          <a:cs typeface="Times New Roman" panose="02020603050405020304" pitchFamily="18" charset="0"/>
-                        </a:rPr>
-                        <a:t>게시물 </a:t>
-                      </a:r>
-                      <a:r>
-                        <a:rPr lang="ko-KR" altLang="en-US" sz="1600" kern="100" dirty="0" err="1" smtClean="0">
-                          <a:effectLst/>
-                          <a:latin typeface="맑은 고딕" panose="020B0503020000020004" pitchFamily="50" charset="-127"/>
-                          <a:ea typeface="맑은 고딕" panose="020B0503020000020004" pitchFamily="50" charset="-127"/>
-                          <a:cs typeface="Times New Roman" panose="02020603050405020304" pitchFamily="18" charset="0"/>
-                        </a:rPr>
-                        <a:t>포스팅</a:t>
-                      </a:r>
-                      <a:r>
-                        <a:rPr lang="ko-KR" altLang="en-US" sz="1600" kern="100" dirty="0" smtClean="0">
-                          <a:effectLst/>
-                          <a:latin typeface="맑은 고딕" panose="020B0503020000020004" pitchFamily="50" charset="-127"/>
-                          <a:ea typeface="맑은 고딕" panose="020B0503020000020004" pitchFamily="50" charset="-127"/>
-                          <a:cs typeface="Times New Roman" panose="02020603050405020304" pitchFamily="18" charset="0"/>
-                        </a:rPr>
-                        <a:t> 불가</a:t>
-                      </a:r>
-                      <a:r>
-                        <a:rPr lang="en-US" altLang="ko-KR" sz="1600" kern="100" dirty="0" smtClean="0">
-                          <a:effectLst/>
-                          <a:latin typeface="맑은 고딕" panose="020B0503020000020004" pitchFamily="50" charset="-127"/>
-                          <a:ea typeface="맑은 고딕" panose="020B0503020000020004" pitchFamily="50" charset="-127"/>
-                          <a:cs typeface="Times New Roman" panose="02020603050405020304" pitchFamily="18" charset="0"/>
-                        </a:rPr>
-                        <a:t>, </a:t>
-                      </a:r>
-                      <a:r>
-                        <a:rPr lang="ko-KR" altLang="en-US" sz="1600" kern="100" dirty="0" smtClean="0">
-                          <a:effectLst/>
-                          <a:latin typeface="맑은 고딕" panose="020B0503020000020004" pitchFamily="50" charset="-127"/>
-                          <a:ea typeface="맑은 고딕" panose="020B0503020000020004" pitchFamily="50" charset="-127"/>
-                          <a:cs typeface="Times New Roman" panose="02020603050405020304" pitchFamily="18" charset="0"/>
-                        </a:rPr>
-                        <a:t>내용 글자수 초과 알림</a:t>
-                      </a:r>
-                      <a:endParaRPr lang="ko-KR" sz="1600" kern="100" dirty="0">
-                        <a:effectLst/>
-                        <a:latin typeface="맑은 고딕" panose="020B0503020000020004" pitchFamily="50" charset="-127"/>
-                        <a:ea typeface="맑은 고딕" panose="020B0503020000020004" pitchFamily="50" charset="-127"/>
-                        <a:cs typeface="Times New Roman" panose="02020603050405020304" pitchFamily="18" charset="0"/>
-                      </a:endParaRPr>
-                    </a:p>
-                  </a:txBody>
-                  <a:tcPr marL="68580" marR="68580" marT="0" marB="0" anchor="ctr"/>
-                </a:tc>
-              </a:tr>
-              <a:tr h="277879">
                 <a:tc rowSpan="2">
                   <a:txBody>
                     <a:bodyPr/>
@@ -9961,61 +9058,7 @@
                         </a:spcAft>
                       </a:pPr>
                       <a:r>
-                        <a:rPr lang="en-US" altLang="ko-KR" sz="1600" kern="100" dirty="0" smtClean="0">
-                          <a:effectLst/>
-                          <a:latin typeface="맑은 고딕" panose="020B0503020000020004" pitchFamily="50" charset="-127"/>
-                          <a:ea typeface="맑은 고딕" panose="020B0503020000020004" pitchFamily="50" charset="-127"/>
-                          <a:cs typeface="Times New Roman" panose="02020603050405020304" pitchFamily="18" charset="0"/>
-                        </a:rPr>
-                        <a:t>T6</a:t>
-                      </a:r>
-                      <a:endParaRPr lang="ko-KR" sz="1600" kern="100" dirty="0">
-                        <a:effectLst/>
-                        <a:latin typeface="맑은 고딕" panose="020B0503020000020004" pitchFamily="50" charset="-127"/>
-                        <a:ea typeface="맑은 고딕" panose="020B0503020000020004" pitchFamily="50" charset="-127"/>
-                        <a:cs typeface="Times New Roman" panose="02020603050405020304" pitchFamily="18" charset="0"/>
-                      </a:endParaRPr>
-                    </a:p>
-                    <a:p>
-                      <a:pPr algn="just" latinLnBrk="1">
-                        <a:lnSpc>
-                          <a:spcPct val="107000"/>
-                        </a:lnSpc>
-                        <a:spcAft>
-                          <a:spcPts val="800"/>
-                        </a:spcAft>
-                      </a:pPr>
-                      <a:r>
-                        <a:rPr lang="en-US" sz="1600" kern="100" dirty="0">
-                          <a:effectLst/>
-                        </a:rPr>
-                        <a:t> </a:t>
-                      </a:r>
-                      <a:endParaRPr lang="ko-KR" sz="1600" kern="100" dirty="0">
-                        <a:effectLst/>
-                        <a:latin typeface="맑은 고딕" panose="020B0503020000020004" pitchFamily="50" charset="-127"/>
-                        <a:ea typeface="맑은 고딕" panose="020B0503020000020004" pitchFamily="50" charset="-127"/>
-                        <a:cs typeface="Times New Roman" panose="02020603050405020304" pitchFamily="18" charset="0"/>
-                      </a:endParaRPr>
-                    </a:p>
-                  </a:txBody>
-                  <a:tcPr marL="68580" marR="68580" marT="0" marB="0" anchor="ctr"/>
-                </a:tc>
-                <a:tc rowSpan="2">
-                  <a:txBody>
-                    <a:bodyPr/>
-                    <a:lstStyle/>
-                    <a:p>
-                      <a:pPr algn="just" latinLnBrk="1">
-                        <a:lnSpc>
-                          <a:spcPct val="107000"/>
-                        </a:lnSpc>
-                        <a:spcAft>
-                          <a:spcPts val="800"/>
-                        </a:spcAft>
-                      </a:pPr>
-                      <a:r>
-                        <a:rPr lang="ko-KR" altLang="en-US" sz="1600" kern="100" dirty="0" err="1" smtClean="0">
+                        <a:rPr lang="ko-KR" altLang="en-US" sz="1600" kern="100" dirty="0" err="1">
                           <a:effectLst/>
                           <a:latin typeface="+mn-lt"/>
                           <a:ea typeface="+mn-ea"/>
@@ -10069,15 +9112,31 @@
                         </a:spcAft>
                       </a:pPr>
                       <a:r>
-                        <a:rPr lang="en-US" sz="1600" kern="100" dirty="0" smtClean="0">
-                          <a:effectLst/>
-                        </a:rPr>
-                        <a:t>A6</a:t>
-                      </a:r>
-                      <a:r>
                         <a:rPr lang="en-US" sz="1600" kern="100" dirty="0">
                           <a:effectLst/>
                         </a:rPr>
+                        <a:t>A5</a:t>
+                      </a:r>
+                      <a:endParaRPr lang="ko-KR" sz="1600" kern="100" dirty="0">
+                        <a:effectLst/>
+                        <a:latin typeface="맑은 고딕" panose="020B0503020000020004" pitchFamily="50" charset="-127"/>
+                        <a:ea typeface="맑은 고딕" panose="020B0503020000020004" pitchFamily="50" charset="-127"/>
+                        <a:cs typeface="Times New Roman" panose="02020603050405020304" pitchFamily="18" charset="0"/>
+                      </a:endParaRPr>
+                    </a:p>
+                    <a:p>
+                      <a:pPr algn="just" latinLnBrk="1">
+                        <a:lnSpc>
+                          <a:spcPct val="107000"/>
+                        </a:lnSpc>
+                        <a:spcAft>
+                          <a:spcPts val="800"/>
+                        </a:spcAft>
+                      </a:pPr>
+                      <a:r>
+                        <a:rPr lang="en-US" sz="1600" kern="100" dirty="0">
+                          <a:effectLst/>
+                        </a:rPr>
                         <a:t> </a:t>
                       </a:r>
                       <a:endParaRPr lang="ko-KR" sz="1600" kern="100" dirty="0">
@@ -10087,46 +9146,24 @@
                         <a:cs typeface="Times New Roman" panose="02020603050405020304" pitchFamily="18" charset="0"/>
                       </a:endParaRPr>
                     </a:p>
-                    <a:p>
-                      <a:pPr algn="just" latinLnBrk="1">
-                        <a:lnSpc>
-                          <a:spcPct val="107000"/>
-                        </a:lnSpc>
-                        <a:spcAft>
-                          <a:spcPts val="800"/>
-                        </a:spcAft>
-                      </a:pPr>
-                      <a:r>
-                        <a:rPr lang="en-US" sz="1600" kern="100" dirty="0">
-                          <a:effectLst/>
-                        </a:rPr>
-                        <a:t> </a:t>
-                      </a:r>
-                      <a:endParaRPr lang="ko-KR" sz="1600" kern="100" dirty="0">
-                        <a:effectLst/>
-                        <a:latin typeface="맑은 고딕" panose="020B0503020000020004" pitchFamily="50" charset="-127"/>
-                        <a:ea typeface="맑은 고딕" panose="020B0503020000020004" pitchFamily="50" charset="-127"/>
-                        <a:cs typeface="Times New Roman" panose="02020603050405020304" pitchFamily="18" charset="0"/>
-                      </a:endParaRPr>
-                    </a:p>
-                  </a:txBody>
-                  <a:tcPr marL="68580" marR="68580" marT="0" marB="0" anchor="ctr"/>
-                </a:tc>
-                <a:tc>
-                  <a:txBody>
-                    <a:bodyPr/>
-                    <a:lstStyle/>
-                    <a:p>
-                      <a:pPr algn="just" latinLnBrk="1">
-                        <a:lnSpc>
-                          <a:spcPct val="107000"/>
-                        </a:lnSpc>
-                        <a:spcAft>
-                          <a:spcPts val="800"/>
-                        </a:spcAft>
-                      </a:pPr>
-                      <a:r>
-                        <a:rPr lang="en-US" altLang="ko-KR" sz="1600" kern="100" dirty="0" smtClean="0">
+                  </a:txBody>
+                  <a:tcPr marL="68580" marR="68580" marT="0" marB="0" anchor="ctr"/>
+                </a:tc>
+                <a:tc>
+                  <a:txBody>
+                    <a:bodyPr/>
+                    <a:lstStyle/>
+                    <a:p>
+                      <a:pPr algn="just" latinLnBrk="1">
+                        <a:lnSpc>
+                          <a:spcPct val="107000"/>
+                        </a:lnSpc>
+                        <a:spcAft>
+                          <a:spcPts val="800"/>
+                        </a:spcAft>
+                      </a:pPr>
+                      <a:r>
+                        <a:rPr lang="en-US" altLang="ko-KR" sz="1600" kern="100" dirty="0">
                           <a:effectLst/>
                           <a:latin typeface="+mn-lt"/>
                           <a:ea typeface="+mn-ea"/>
@@ -10135,7 +9172,7 @@
                         <a:t>(</a:t>
                       </a:r>
                       <a:r>
-                        <a:rPr lang="ko-KR" altLang="en-US" sz="1600" kern="100" dirty="0" smtClean="0">
+                        <a:rPr lang="ko-KR" altLang="en-US" sz="1600" kern="100" dirty="0">
                           <a:effectLst/>
                           <a:latin typeface="+mn-lt"/>
                           <a:ea typeface="+mn-ea"/>
@@ -10144,7 +9181,7 @@
                         <a:t>게시물</a:t>
                       </a:r>
                       <a:r>
-                        <a:rPr lang="en-US" altLang="ko-KR" sz="1600" kern="100" dirty="0" smtClean="0">
+                        <a:rPr lang="en-US" altLang="ko-KR" sz="1600" kern="100" dirty="0">
                           <a:effectLst/>
                           <a:latin typeface="+mn-lt"/>
                           <a:ea typeface="+mn-ea"/>
@@ -10193,7 +9230,7 @@
                 </a:tc>
                 <a:extLst>
                   <a:ext uri="{0D108BD9-81ED-4DB2-BD59-A6C34878D82A}">
-                    <a16:rowId xmlns:a16="http://schemas.microsoft.com/office/drawing/2014/main" xmlns="" val="4041455491"/>
+                    <a16:rowId xmlns:a16="http://schemas.microsoft.com/office/drawing/2014/main" val="4041455491"/>
                   </a:ext>
                 </a:extLst>
               </a:tr>
@@ -10284,22 +9321,16 @@
                         <a:rPr lang="en-US" sz="1600" kern="100" dirty="0">
                           <a:effectLst/>
                         </a:rPr>
-                        <a:t> </a:t>
-                      </a:r>
-                      <a:r>
-                        <a:rPr lang="en-US" sz="1600" kern="100" dirty="0" smtClean="0">
-                          <a:effectLst/>
-                        </a:rPr>
-                        <a:t>(img.jpg+</a:t>
-                      </a:r>
-                      <a:r>
-                        <a:rPr lang="ko-KR" altLang="en-US" sz="1600" kern="100" dirty="0" smtClean="0">
+                        <a:t> (img.jpg+</a:t>
+                      </a:r>
+                      <a:r>
+                        <a:rPr lang="ko-KR" altLang="en-US" sz="1600" kern="100" dirty="0">
                           <a:effectLst/>
                         </a:rPr>
                         <a:t>내용</a:t>
                       </a:r>
                       <a:r>
-                        <a:rPr lang="en-US" altLang="ko-KR" sz="1600" kern="100" dirty="0" smtClean="0">
+                        <a:rPr lang="en-US" altLang="ko-KR" sz="1600" kern="100" dirty="0">
                           <a:effectLst/>
                         </a:rPr>
                         <a:t>)</a:t>
@@ -10328,7 +9359,7 @@
                         </a:spcAft>
                       </a:pPr>
                       <a:r>
-                        <a:rPr lang="ko-KR" altLang="en-US" sz="1600" kern="100" dirty="0" smtClean="0">
+                        <a:rPr lang="ko-KR" altLang="en-US" sz="1600" kern="100" dirty="0">
                           <a:effectLst/>
                         </a:rPr>
                         <a:t>게시물 보기 성공</a:t>
@@ -10351,7 +9382,7 @@
                 </a:tc>
                 <a:extLst>
                   <a:ext uri="{0D108BD9-81ED-4DB2-BD59-A6C34878D82A}">
-                    <a16:rowId xmlns:a16="http://schemas.microsoft.com/office/drawing/2014/main" xmlns="" val="282079096"/>
+                    <a16:rowId xmlns:a16="http://schemas.microsoft.com/office/drawing/2014/main" val="282079096"/>
                   </a:ext>
                 </a:extLst>
               </a:tr>
@@ -10439,7 +9470,7 @@
                         </a:spcAft>
                       </a:pPr>
                       <a:r>
-                        <a:rPr lang="en-US" altLang="ko-KR" sz="1600" kern="100" dirty="0" smtClean="0">
+                        <a:rPr lang="en-US" altLang="ko-KR" sz="1600" kern="100" dirty="0">
                           <a:effectLst/>
                           <a:latin typeface="맑은 고딕" panose="020B0503020000020004" pitchFamily="50" charset="-127"/>
                           <a:ea typeface="맑은 고딕" panose="020B0503020000020004" pitchFamily="50" charset="-127"/>
@@ -10471,7 +9502,7 @@
                         </a:spcAft>
                       </a:pPr>
                       <a:r>
-                        <a:rPr lang="ko-KR" altLang="en-US" sz="1600" kern="100" dirty="0" smtClean="0">
+                        <a:rPr lang="ko-KR" altLang="en-US" sz="1600" kern="100" dirty="0">
                           <a:effectLst/>
                           <a:latin typeface="맑은 고딕" panose="020B0503020000020004" pitchFamily="50" charset="-127"/>
                           <a:ea typeface="맑은 고딕" panose="020B0503020000020004" pitchFamily="50" charset="-127"/>
@@ -10489,6 +9520,11 @@
                   </a:txBody>
                   <a:tcPr marL="68580" marR="68580" marT="0" marB="0" anchor="ctr"/>
                 </a:tc>
+                <a:extLst>
+                  <a:ext uri="{0D108BD9-81ED-4DB2-BD59-A6C34878D82A}">
+                    <a16:rowId xmlns:a16="http://schemas.microsoft.com/office/drawing/2014/main" val="10009"/>
+                  </a:ext>
+                </a:extLst>
               </a:tr>
               <a:tr h="277879">
                 <a:tc>
@@ -10574,7 +9610,7 @@
                         </a:spcAft>
                       </a:pPr>
                       <a:r>
-                        <a:rPr lang="en-US" altLang="ko-KR" sz="1600" kern="100" dirty="0" smtClean="0">
+                        <a:rPr lang="en-US" altLang="ko-KR" sz="1600" kern="100" dirty="0">
                           <a:effectLst/>
                           <a:latin typeface="맑은 고딕" panose="020B0503020000020004" pitchFamily="50" charset="-127"/>
                           <a:ea typeface="맑은 고딕" panose="020B0503020000020004" pitchFamily="50" charset="-127"/>
@@ -10583,7 +9619,7 @@
                         <a:t>(NULL)-</a:t>
                       </a:r>
                       <a:r>
-                        <a:rPr lang="ko-KR" altLang="en-US" sz="1600" kern="100" dirty="0" smtClean="0">
+                        <a:rPr lang="ko-KR" altLang="en-US" sz="1600" kern="100" dirty="0">
                           <a:effectLst/>
                           <a:latin typeface="맑은 고딕" panose="020B0503020000020004" pitchFamily="50" charset="-127"/>
                           <a:ea typeface="맑은 고딕" panose="020B0503020000020004" pitchFamily="50" charset="-127"/>
@@ -10615,7 +9651,7 @@
                         </a:spcAft>
                       </a:pPr>
                       <a:r>
-                        <a:rPr lang="ko-KR" altLang="en-US" sz="1600" kern="100" dirty="0" smtClean="0">
+                        <a:rPr lang="ko-KR" altLang="en-US" sz="1600" kern="100" dirty="0">
                           <a:effectLst/>
                           <a:latin typeface="맑은 고딕" panose="020B0503020000020004" pitchFamily="50" charset="-127"/>
                           <a:ea typeface="맑은 고딕" panose="020B0503020000020004" pitchFamily="50" charset="-127"/>
@@ -10633,6 +9669,11 @@
                   </a:txBody>
                   <a:tcPr marL="68580" marR="68580" marT="0" marB="0" anchor="ctr"/>
                 </a:tc>
+                <a:extLst>
+                  <a:ext uri="{0D108BD9-81ED-4DB2-BD59-A6C34878D82A}">
+                    <a16:rowId xmlns:a16="http://schemas.microsoft.com/office/drawing/2014/main" val="10010"/>
+                  </a:ext>
+                </a:extLst>
               </a:tr>
             </a:tbl>
           </a:graphicData>
